--- a/Project Files/Presentation/Project One PowerPoint Presentation 2.pptx
+++ b/Project Files/Presentation/Project One PowerPoint Presentation 2.pptx
@@ -5,10 +5,10 @@
     <p:sldMasterId id="2147483924" r:id="rId1"/>
   </p:sldMasterIdLst>
   <p:notesMasterIdLst>
-    <p:notesMasterId r:id="rId20"/>
+    <p:notesMasterId r:id="rId29"/>
   </p:notesMasterIdLst>
   <p:handoutMasterIdLst>
-    <p:handoutMasterId r:id="rId21"/>
+    <p:handoutMasterId r:id="rId30"/>
   </p:handoutMasterIdLst>
   <p:sldIdLst>
     <p:sldId id="268" r:id="rId2"/>
@@ -25,10 +25,19 @@
     <p:sldId id="283" r:id="rId13"/>
     <p:sldId id="273" r:id="rId14"/>
     <p:sldId id="286" r:id="rId15"/>
-    <p:sldId id="274" r:id="rId16"/>
-    <p:sldId id="275" r:id="rId17"/>
-    <p:sldId id="276" r:id="rId18"/>
-    <p:sldId id="278" r:id="rId19"/>
+    <p:sldId id="295" r:id="rId16"/>
+    <p:sldId id="290" r:id="rId17"/>
+    <p:sldId id="287" r:id="rId18"/>
+    <p:sldId id="296" r:id="rId19"/>
+    <p:sldId id="291" r:id="rId20"/>
+    <p:sldId id="292" r:id="rId21"/>
+    <p:sldId id="294" r:id="rId22"/>
+    <p:sldId id="293" r:id="rId23"/>
+    <p:sldId id="288" r:id="rId24"/>
+    <p:sldId id="274" r:id="rId25"/>
+    <p:sldId id="275" r:id="rId26"/>
+    <p:sldId id="276" r:id="rId27"/>
+    <p:sldId id="278" r:id="rId28"/>
   </p:sldIdLst>
   <p:sldSz cx="12188825" cy="6858000"/>
   <p:notesSz cx="6858000" cy="9144000"/>
@@ -9351,7 +9360,7 @@
           <a:p>
             <a:fld id="{BEA74EB7-856E-45FD-83F0-5F7C6F3E4372}" type="datetimeFigureOut">
               <a:rPr lang="en-US"/>
-              <a:t>9/7/2020</a:t>
+              <a:t>9/8/2020</a:t>
             </a:fld>
             <a:endParaRPr dirty="0"/>
           </a:p>
@@ -9516,7 +9525,7 @@
           <a:p>
             <a:fld id="{C61B0E40-8125-41F8-BB6C-139D8D531A4F}" type="datetimeFigureOut">
               <a:rPr lang="en-US"/>
-              <a:t>9/7/2020</a:t>
+              <a:t>9/8/2020</a:t>
             </a:fld>
             <a:endParaRPr dirty="0"/>
           </a:p>
@@ -10429,7 +10438,126 @@
           <a:bodyPr/>
           <a:lstStyle/>
           <a:p>
-            <a:endParaRPr lang="en-US"/>
+            <a:r>
+              <a:rPr lang="en-US" b="0" i="0" dirty="0">
+                <a:solidFill>
+                  <a:srgbClr val="555555"/>
+                </a:solidFill>
+                <a:effectLst/>
+                <a:latin typeface="Lato"/>
+              </a:rPr>
+              <a:t>Physical Inactivity is based on responses to the Behavioral Risk Factor Surveillance Survey and is the percentage of adults ages 20 and over reporting no leisure-time physical activity in the past month.</a:t>
+            </a:r>
+          </a:p>
+          <a:p>
+            <a:endParaRPr lang="en-US" b="0" i="0" dirty="0">
+              <a:solidFill>
+                <a:srgbClr val="555555"/>
+              </a:solidFill>
+              <a:effectLst/>
+              <a:latin typeface="Lato"/>
+            </a:endParaRPr>
+          </a:p>
+          <a:p>
+            <a:pPr algn="l"/>
+            <a:r>
+              <a:rPr lang="en-US" b="0" i="0" dirty="0">
+                <a:solidFill>
+                  <a:srgbClr val="555555"/>
+                </a:solidFill>
+                <a:effectLst/>
+                <a:latin typeface="Lato"/>
+              </a:rPr>
+              <a:t>Access to Exercise Opportunities measures the percentage of individuals in a county who live reasonably close to a location for physical activity. Locations for physical activity are defined as parks or recreational facilities. Individuals are considered to have access to exercise opportunities if they:</a:t>
+            </a:r>
+          </a:p>
+          <a:p>
+            <a:pPr algn="l"/>
+            <a:r>
+              <a:rPr lang="en-US" b="0" i="0" dirty="0">
+                <a:solidFill>
+                  <a:srgbClr val="555555"/>
+                </a:solidFill>
+                <a:effectLst/>
+                <a:latin typeface="Lato"/>
+              </a:rPr>
+              <a:t>• reside in a census block that is within a half mile of a park, or</a:t>
+            </a:r>
+            <a:br>
+              <a:rPr lang="en-US" b="0" i="0" dirty="0">
+                <a:solidFill>
+                  <a:srgbClr val="555555"/>
+                </a:solidFill>
+                <a:effectLst/>
+                <a:latin typeface="Lato"/>
+              </a:rPr>
+            </a:br>
+            <a:r>
+              <a:rPr lang="en-US" b="0" i="0" dirty="0">
+                <a:solidFill>
+                  <a:srgbClr val="555555"/>
+                </a:solidFill>
+                <a:effectLst/>
+                <a:latin typeface="Lato"/>
+              </a:rPr>
+              <a:t>• reside in an urban census block that is within one mile of a recreational facility, or</a:t>
+            </a:r>
+            <a:br>
+              <a:rPr lang="en-US" b="0" i="0" dirty="0">
+                <a:solidFill>
+                  <a:srgbClr val="555555"/>
+                </a:solidFill>
+                <a:effectLst/>
+                <a:latin typeface="Lato"/>
+              </a:rPr>
+            </a:br>
+            <a:r>
+              <a:rPr lang="en-US" b="0" i="0" dirty="0">
+                <a:solidFill>
+                  <a:srgbClr val="555555"/>
+                </a:solidFill>
+                <a:effectLst/>
+                <a:latin typeface="Lato"/>
+              </a:rPr>
+              <a:t>• reside in a rural census block that is within three miles of a recreational facility.</a:t>
+            </a:r>
+          </a:p>
+          <a:p>
+            <a:endParaRPr lang="en-US" dirty="0"/>
+          </a:p>
+          <a:p>
+            <a:r>
+              <a:rPr lang="en-US" b="0" i="0" dirty="0">
+                <a:solidFill>
+                  <a:srgbClr val="555555"/>
+                </a:solidFill>
+                <a:effectLst/>
+                <a:latin typeface="Lato"/>
+              </a:rPr>
+              <a:t>The </a:t>
+            </a:r>
+            <a:r>
+              <a:rPr lang="en-US" b="0" i="0" u="none" strike="noStrike" dirty="0">
+                <a:solidFill>
+                  <a:srgbClr val="1B70B6"/>
+                </a:solidFill>
+                <a:effectLst/>
+                <a:latin typeface="Lato"/>
+                <a:hlinkClick r:id="rId3"/>
+              </a:rPr>
+              <a:t>Walk Score</a:t>
+            </a:r>
+            <a:r>
+              <a:rPr lang="en-US" b="0" i="0" dirty="0">
+                <a:solidFill>
+                  <a:srgbClr val="555555"/>
+                </a:solidFill>
+                <a:effectLst/>
+                <a:latin typeface="Lato"/>
+              </a:rPr>
+              <a:t> site lets you insert any address and find the walkability of that location</a:t>
+            </a:r>
+            <a:endParaRPr lang="en-US" dirty="0"/>
           </a:p>
         </p:txBody>
       </p:sp>
@@ -10440,7 +10568,7 @@
             <a:spLocks noGrp="1"/>
           </p:cNvSpPr>
           <p:nvPr>
-            <p:ph type="sldNum" sz="quarter" idx="10"/>
+            <p:ph type="sldNum" sz="quarter" idx="5"/>
           </p:nvPr>
         </p:nvSpPr>
         <p:spPr/>
@@ -10448,18 +10576,78 @@
           <a:bodyPr/>
           <a:lstStyle/>
           <a:p>
+            <a:pPr marL="0" marR="0" lvl="0" indent="0" algn="r" defTabSz="914400" rtl="0" eaLnBrk="1" fontAlgn="auto" latinLnBrk="0" hangingPunct="1">
+              <a:lnSpc>
+                <a:spcPct val="100000"/>
+              </a:lnSpc>
+              <a:spcBef>
+                <a:spcPts val="0"/>
+              </a:spcBef>
+              <a:spcAft>
+                <a:spcPts val="0"/>
+              </a:spcAft>
+              <a:buClrTx/>
+              <a:buSzTx/>
+              <a:buFontTx/>
+              <a:buNone/>
+              <a:tabLst/>
+              <a:defRPr/>
+            </a:pPr>
             <a:fld id="{BF105DB2-FD3E-441D-8B7E-7AE83ECE27B3}" type="slidenum">
-              <a:rPr lang="en-US" smtClean="0"/>
-              <a:t>15</a:t>
+              <a:rPr kumimoji="0" lang="en-US" sz="1200" b="0" i="0" u="none" strike="noStrike" kern="1200" cap="none" spc="0" normalizeH="0" baseline="0" noProof="0" smtClean="0">
+                <a:ln>
+                  <a:noFill/>
+                </a:ln>
+                <a:solidFill>
+                  <a:prstClr val="black"/>
+                </a:solidFill>
+                <a:effectLst/>
+                <a:uLnTx/>
+                <a:uFillTx/>
+                <a:latin typeface="Calibri" panose="020F0502020204030204"/>
+                <a:ea typeface="+mn-ea"/>
+                <a:cs typeface="+mn-cs"/>
+              </a:rPr>
+              <a:pPr marL="0" marR="0" lvl="0" indent="0" algn="r" defTabSz="914400" rtl="0" eaLnBrk="1" fontAlgn="auto" latinLnBrk="0" hangingPunct="1">
+                <a:lnSpc>
+                  <a:spcPct val="100000"/>
+                </a:lnSpc>
+                <a:spcBef>
+                  <a:spcPts val="0"/>
+                </a:spcBef>
+                <a:spcAft>
+                  <a:spcPts val="0"/>
+                </a:spcAft>
+                <a:buClrTx/>
+                <a:buSzTx/>
+                <a:buFontTx/>
+                <a:buNone/>
+                <a:tabLst/>
+                <a:defRPr/>
+              </a:pPr>
+              <a:t>18</a:t>
             </a:fld>
-            <a:endParaRPr lang="en-US" dirty="0"/>
+            <a:endParaRPr kumimoji="0" lang="en-US" sz="1200" b="0" i="0" u="none" strike="noStrike" kern="1200" cap="none" spc="0" normalizeH="0" baseline="0" noProof="0" dirty="0">
+              <a:ln>
+                <a:noFill/>
+              </a:ln>
+              <a:solidFill>
+                <a:prstClr val="black"/>
+              </a:solidFill>
+              <a:effectLst/>
+              <a:uLnTx/>
+              <a:uFillTx/>
+              <a:latin typeface="Calibri" panose="020F0502020204030204"/>
+              <a:ea typeface="+mn-ea"/>
+              <a:cs typeface="+mn-cs"/>
+            </a:endParaRPr>
           </a:p>
         </p:txBody>
       </p:sp>
     </p:spTree>
     <p:extLst>
       <p:ext uri="{BB962C8B-B14F-4D97-AF65-F5344CB8AC3E}">
-        <p14:creationId xmlns:p14="http://schemas.microsoft.com/office/powerpoint/2010/main" val="1169345696"/>
+        <p14:creationId xmlns:p14="http://schemas.microsoft.com/office/powerpoint/2010/main" val="1028552949"/>
       </p:ext>
     </p:extLst>
   </p:cSld>
@@ -10513,7 +10701,17 @@
           <a:bodyPr/>
           <a:lstStyle/>
           <a:p>
-            <a:endParaRPr lang="en-US"/>
+            <a:r>
+              <a:rPr lang="en-US" b="0" i="0" dirty="0">
+                <a:solidFill>
+                  <a:srgbClr val="555555"/>
+                </a:solidFill>
+                <a:effectLst/>
+                <a:latin typeface="Lato"/>
+              </a:rPr>
+              <a:t>The Behavioral Risk Factor Surveillance System (BRFSS) is a state-based random digit dial (RDD) telephone survey that is conducted annually in all states, the District of Columbia, and U.S. territories. Data obtained from the BRFSS are representative of each state’s total non-institutionalized population over 18 years of age and have included more than 400,000 annual respondents with landline telephones or cellphones since 2011.</a:t>
+            </a:r>
+            <a:endParaRPr lang="en-US" dirty="0"/>
           </a:p>
         </p:txBody>
       </p:sp>
@@ -10524,7 +10722,7 @@
             <a:spLocks noGrp="1"/>
           </p:cNvSpPr>
           <p:nvPr>
-            <p:ph type="sldNum" sz="quarter" idx="10"/>
+            <p:ph type="sldNum" sz="quarter" idx="5"/>
           </p:nvPr>
         </p:nvSpPr>
         <p:spPr/>
@@ -10532,18 +10730,78 @@
           <a:bodyPr/>
           <a:lstStyle/>
           <a:p>
+            <a:pPr marL="0" marR="0" lvl="0" indent="0" algn="r" defTabSz="914400" rtl="0" eaLnBrk="1" fontAlgn="auto" latinLnBrk="0" hangingPunct="1">
+              <a:lnSpc>
+                <a:spcPct val="100000"/>
+              </a:lnSpc>
+              <a:spcBef>
+                <a:spcPts val="0"/>
+              </a:spcBef>
+              <a:spcAft>
+                <a:spcPts val="0"/>
+              </a:spcAft>
+              <a:buClrTx/>
+              <a:buSzTx/>
+              <a:buFontTx/>
+              <a:buNone/>
+              <a:tabLst/>
+              <a:defRPr/>
+            </a:pPr>
             <a:fld id="{BF105DB2-FD3E-441D-8B7E-7AE83ECE27B3}" type="slidenum">
-              <a:rPr lang="en-US" smtClean="0"/>
-              <a:t>16</a:t>
+              <a:rPr kumimoji="0" lang="en-US" sz="1200" b="0" i="0" u="none" strike="noStrike" kern="1200" cap="none" spc="0" normalizeH="0" baseline="0" noProof="0" smtClean="0">
+                <a:ln>
+                  <a:noFill/>
+                </a:ln>
+                <a:solidFill>
+                  <a:prstClr val="black"/>
+                </a:solidFill>
+                <a:effectLst/>
+                <a:uLnTx/>
+                <a:uFillTx/>
+                <a:latin typeface="Calibri" panose="020F0502020204030204"/>
+                <a:ea typeface="+mn-ea"/>
+                <a:cs typeface="+mn-cs"/>
+              </a:rPr>
+              <a:pPr marL="0" marR="0" lvl="0" indent="0" algn="r" defTabSz="914400" rtl="0" eaLnBrk="1" fontAlgn="auto" latinLnBrk="0" hangingPunct="1">
+                <a:lnSpc>
+                  <a:spcPct val="100000"/>
+                </a:lnSpc>
+                <a:spcBef>
+                  <a:spcPts val="0"/>
+                </a:spcBef>
+                <a:spcAft>
+                  <a:spcPts val="0"/>
+                </a:spcAft>
+                <a:buClrTx/>
+                <a:buSzTx/>
+                <a:buFontTx/>
+                <a:buNone/>
+                <a:tabLst/>
+                <a:defRPr/>
+              </a:pPr>
+              <a:t>19</a:t>
             </a:fld>
-            <a:endParaRPr lang="en-US" dirty="0"/>
+            <a:endParaRPr kumimoji="0" lang="en-US" sz="1200" b="0" i="0" u="none" strike="noStrike" kern="1200" cap="none" spc="0" normalizeH="0" baseline="0" noProof="0" dirty="0">
+              <a:ln>
+                <a:noFill/>
+              </a:ln>
+              <a:solidFill>
+                <a:prstClr val="black"/>
+              </a:solidFill>
+              <a:effectLst/>
+              <a:uLnTx/>
+              <a:uFillTx/>
+              <a:latin typeface="Calibri" panose="020F0502020204030204"/>
+              <a:ea typeface="+mn-ea"/>
+              <a:cs typeface="+mn-cs"/>
+            </a:endParaRPr>
           </a:p>
         </p:txBody>
       </p:sp>
     </p:spTree>
     <p:extLst>
       <p:ext uri="{BB962C8B-B14F-4D97-AF65-F5344CB8AC3E}">
-        <p14:creationId xmlns:p14="http://schemas.microsoft.com/office/powerpoint/2010/main" val="3358315363"/>
+        <p14:creationId xmlns:p14="http://schemas.microsoft.com/office/powerpoint/2010/main" val="4081335663"/>
       </p:ext>
     </p:extLst>
   </p:cSld>
@@ -10597,6 +10855,37 @@
           <a:bodyPr/>
           <a:lstStyle/>
           <a:p>
+            <a:r>
+              <a:rPr lang="en-US" b="0" i="0" dirty="0">
+                <a:solidFill>
+                  <a:srgbClr val="555555"/>
+                </a:solidFill>
+                <a:effectLst/>
+                <a:latin typeface="Lato"/>
+              </a:rPr>
+              <a:t>The numerator is the number of adults who reported 14 or more days in response to the question, “Now, thinking about your mental health, which includes stress, depression, and problems with emotions, for how many days during the past 30 days was your mental health not good?”</a:t>
+            </a:r>
+          </a:p>
+          <a:p>
+            <a:endParaRPr lang="en-US" b="0" i="0" dirty="0">
+              <a:solidFill>
+                <a:srgbClr val="555555"/>
+              </a:solidFill>
+              <a:effectLst/>
+              <a:latin typeface="Lato"/>
+            </a:endParaRPr>
+          </a:p>
+          <a:p>
+            <a:r>
+              <a:rPr lang="en-US" b="0" i="0" dirty="0">
+                <a:solidFill>
+                  <a:srgbClr val="555555"/>
+                </a:solidFill>
+                <a:effectLst/>
+                <a:latin typeface="Lato"/>
+              </a:rPr>
+              <a:t>The numerator is the number of adults who reported 14 or more days in response to the question, “Thinking about your physical health, which includes physical illness and injury, for how many days during the past 30 days was your physical health not good?”</a:t>
+            </a:r>
             <a:endParaRPr lang="en-US" dirty="0"/>
           </a:p>
         </p:txBody>
@@ -10608,7 +10897,7 @@
             <a:spLocks noGrp="1"/>
           </p:cNvSpPr>
           <p:nvPr>
-            <p:ph type="sldNum" sz="quarter" idx="10"/>
+            <p:ph type="sldNum" sz="quarter" idx="5"/>
           </p:nvPr>
         </p:nvSpPr>
         <p:spPr/>
@@ -10616,18 +10905,78 @@
           <a:bodyPr/>
           <a:lstStyle/>
           <a:p>
+            <a:pPr marL="0" marR="0" lvl="0" indent="0" algn="r" defTabSz="914400" rtl="0" eaLnBrk="1" fontAlgn="auto" latinLnBrk="0" hangingPunct="1">
+              <a:lnSpc>
+                <a:spcPct val="100000"/>
+              </a:lnSpc>
+              <a:spcBef>
+                <a:spcPts val="0"/>
+              </a:spcBef>
+              <a:spcAft>
+                <a:spcPts val="0"/>
+              </a:spcAft>
+              <a:buClrTx/>
+              <a:buSzTx/>
+              <a:buFontTx/>
+              <a:buNone/>
+              <a:tabLst/>
+              <a:defRPr/>
+            </a:pPr>
             <a:fld id="{BF105DB2-FD3E-441D-8B7E-7AE83ECE27B3}" type="slidenum">
-              <a:rPr lang="en-US" smtClean="0"/>
-              <a:t>17</a:t>
+              <a:rPr kumimoji="0" lang="en-US" sz="1200" b="0" i="0" u="none" strike="noStrike" kern="1200" cap="none" spc="0" normalizeH="0" baseline="0" noProof="0" smtClean="0">
+                <a:ln>
+                  <a:noFill/>
+                </a:ln>
+                <a:solidFill>
+                  <a:prstClr val="black"/>
+                </a:solidFill>
+                <a:effectLst/>
+                <a:uLnTx/>
+                <a:uFillTx/>
+                <a:latin typeface="Calibri" panose="020F0502020204030204"/>
+                <a:ea typeface="+mn-ea"/>
+                <a:cs typeface="+mn-cs"/>
+              </a:rPr>
+              <a:pPr marL="0" marR="0" lvl="0" indent="0" algn="r" defTabSz="914400" rtl="0" eaLnBrk="1" fontAlgn="auto" latinLnBrk="0" hangingPunct="1">
+                <a:lnSpc>
+                  <a:spcPct val="100000"/>
+                </a:lnSpc>
+                <a:spcBef>
+                  <a:spcPts val="0"/>
+                </a:spcBef>
+                <a:spcAft>
+                  <a:spcPts val="0"/>
+                </a:spcAft>
+                <a:buClrTx/>
+                <a:buSzTx/>
+                <a:buFontTx/>
+                <a:buNone/>
+                <a:tabLst/>
+                <a:defRPr/>
+              </a:pPr>
+              <a:t>22</a:t>
             </a:fld>
-            <a:endParaRPr lang="en-US" dirty="0"/>
+            <a:endParaRPr kumimoji="0" lang="en-US" sz="1200" b="0" i="0" u="none" strike="noStrike" kern="1200" cap="none" spc="0" normalizeH="0" baseline="0" noProof="0" dirty="0">
+              <a:ln>
+                <a:noFill/>
+              </a:ln>
+              <a:solidFill>
+                <a:prstClr val="black"/>
+              </a:solidFill>
+              <a:effectLst/>
+              <a:uLnTx/>
+              <a:uFillTx/>
+              <a:latin typeface="Calibri" panose="020F0502020204030204"/>
+              <a:ea typeface="+mn-ea"/>
+              <a:cs typeface="+mn-cs"/>
+            </a:endParaRPr>
           </a:p>
         </p:txBody>
       </p:sp>
     </p:spTree>
     <p:extLst>
       <p:ext uri="{BB962C8B-B14F-4D97-AF65-F5344CB8AC3E}">
-        <p14:creationId xmlns:p14="http://schemas.microsoft.com/office/powerpoint/2010/main" val="3974002071"/>
+        <p14:creationId xmlns:p14="http://schemas.microsoft.com/office/powerpoint/2010/main" val="2026289857"/>
       </p:ext>
     </p:extLst>
   </p:cSld>
@@ -10681,7 +11030,7 @@
           <a:bodyPr/>
           <a:lstStyle/>
           <a:p>
-            <a:endParaRPr lang="en-US" dirty="0"/>
+            <a:endParaRPr lang="en-US"/>
           </a:p>
         </p:txBody>
       </p:sp>
@@ -10702,7 +11051,7 @@
           <a:p>
             <a:fld id="{BF105DB2-FD3E-441D-8B7E-7AE83ECE27B3}" type="slidenum">
               <a:rPr lang="en-US" smtClean="0"/>
-              <a:t>18</a:t>
+              <a:t>24</a:t>
             </a:fld>
             <a:endParaRPr lang="en-US" dirty="0"/>
           </a:p>
@@ -10711,7 +11060,175 @@
     </p:spTree>
     <p:extLst>
       <p:ext uri="{BB962C8B-B14F-4D97-AF65-F5344CB8AC3E}">
-        <p14:creationId xmlns:p14="http://schemas.microsoft.com/office/powerpoint/2010/main" val="3272217826"/>
+        <p14:creationId xmlns:p14="http://schemas.microsoft.com/office/powerpoint/2010/main" val="1169345696"/>
+      </p:ext>
+    </p:extLst>
+  </p:cSld>
+  <p:clrMapOvr>
+    <a:masterClrMapping/>
+  </p:clrMapOvr>
+</p:notes>
+</file>
+
+<file path=ppt/notesSlides/notesSlide18.xml><?xml version="1.0" encoding="utf-8"?>
+<p:notes xmlns:a="http://schemas.openxmlformats.org/drawingml/2006/main" xmlns:r="http://schemas.openxmlformats.org/officeDocument/2006/relationships" xmlns:p="http://schemas.openxmlformats.org/presentationml/2006/main">
+  <p:cSld>
+    <p:spTree>
+      <p:nvGrpSpPr>
+        <p:cNvPr id="1" name=""/>
+        <p:cNvGrpSpPr/>
+        <p:nvPr/>
+      </p:nvGrpSpPr>
+      <p:grpSpPr>
+        <a:xfrm>
+          <a:off x="0" y="0"/>
+          <a:ext cx="0" cy="0"/>
+          <a:chOff x="0" y="0"/>
+          <a:chExt cx="0" cy="0"/>
+        </a:xfrm>
+      </p:grpSpPr>
+      <p:sp>
+        <p:nvSpPr>
+          <p:cNvPr id="2" name="Slide Image Placeholder 1"/>
+          <p:cNvSpPr>
+            <a:spLocks noGrp="1" noRot="1" noChangeAspect="1"/>
+          </p:cNvSpPr>
+          <p:nvPr>
+            <p:ph type="sldImg"/>
+          </p:nvPr>
+        </p:nvSpPr>
+        <p:spPr/>
+      </p:sp>
+      <p:sp>
+        <p:nvSpPr>
+          <p:cNvPr id="3" name="Notes Placeholder 2"/>
+          <p:cNvSpPr>
+            <a:spLocks noGrp="1"/>
+          </p:cNvSpPr>
+          <p:nvPr>
+            <p:ph type="body" idx="1"/>
+          </p:nvPr>
+        </p:nvSpPr>
+        <p:spPr/>
+        <p:txBody>
+          <a:bodyPr/>
+          <a:lstStyle/>
+          <a:p>
+            <a:endParaRPr lang="en-US"/>
+          </a:p>
+        </p:txBody>
+      </p:sp>
+      <p:sp>
+        <p:nvSpPr>
+          <p:cNvPr id="4" name="Slide Number Placeholder 3"/>
+          <p:cNvSpPr>
+            <a:spLocks noGrp="1"/>
+          </p:cNvSpPr>
+          <p:nvPr>
+            <p:ph type="sldNum" sz="quarter" idx="10"/>
+          </p:nvPr>
+        </p:nvSpPr>
+        <p:spPr/>
+        <p:txBody>
+          <a:bodyPr/>
+          <a:lstStyle/>
+          <a:p>
+            <a:fld id="{BF105DB2-FD3E-441D-8B7E-7AE83ECE27B3}" type="slidenum">
+              <a:rPr lang="en-US" smtClean="0"/>
+              <a:t>25</a:t>
+            </a:fld>
+            <a:endParaRPr lang="en-US" dirty="0"/>
+          </a:p>
+        </p:txBody>
+      </p:sp>
+    </p:spTree>
+    <p:extLst>
+      <p:ext uri="{BB962C8B-B14F-4D97-AF65-F5344CB8AC3E}">
+        <p14:creationId xmlns:p14="http://schemas.microsoft.com/office/powerpoint/2010/main" val="3358315363"/>
+      </p:ext>
+    </p:extLst>
+  </p:cSld>
+  <p:clrMapOvr>
+    <a:masterClrMapping/>
+  </p:clrMapOvr>
+</p:notes>
+</file>
+
+<file path=ppt/notesSlides/notesSlide19.xml><?xml version="1.0" encoding="utf-8"?>
+<p:notes xmlns:a="http://schemas.openxmlformats.org/drawingml/2006/main" xmlns:r="http://schemas.openxmlformats.org/officeDocument/2006/relationships" xmlns:p="http://schemas.openxmlformats.org/presentationml/2006/main">
+  <p:cSld>
+    <p:spTree>
+      <p:nvGrpSpPr>
+        <p:cNvPr id="1" name=""/>
+        <p:cNvGrpSpPr/>
+        <p:nvPr/>
+      </p:nvGrpSpPr>
+      <p:grpSpPr>
+        <a:xfrm>
+          <a:off x="0" y="0"/>
+          <a:ext cx="0" cy="0"/>
+          <a:chOff x="0" y="0"/>
+          <a:chExt cx="0" cy="0"/>
+        </a:xfrm>
+      </p:grpSpPr>
+      <p:sp>
+        <p:nvSpPr>
+          <p:cNvPr id="2" name="Slide Image Placeholder 1"/>
+          <p:cNvSpPr>
+            <a:spLocks noGrp="1" noRot="1" noChangeAspect="1"/>
+          </p:cNvSpPr>
+          <p:nvPr>
+            <p:ph type="sldImg"/>
+          </p:nvPr>
+        </p:nvSpPr>
+        <p:spPr/>
+      </p:sp>
+      <p:sp>
+        <p:nvSpPr>
+          <p:cNvPr id="3" name="Notes Placeholder 2"/>
+          <p:cNvSpPr>
+            <a:spLocks noGrp="1"/>
+          </p:cNvSpPr>
+          <p:nvPr>
+            <p:ph type="body" idx="1"/>
+          </p:nvPr>
+        </p:nvSpPr>
+        <p:spPr/>
+        <p:txBody>
+          <a:bodyPr/>
+          <a:lstStyle/>
+          <a:p>
+            <a:endParaRPr lang="en-US" dirty="0"/>
+          </a:p>
+        </p:txBody>
+      </p:sp>
+      <p:sp>
+        <p:nvSpPr>
+          <p:cNvPr id="4" name="Slide Number Placeholder 3"/>
+          <p:cNvSpPr>
+            <a:spLocks noGrp="1"/>
+          </p:cNvSpPr>
+          <p:nvPr>
+            <p:ph type="sldNum" sz="quarter" idx="10"/>
+          </p:nvPr>
+        </p:nvSpPr>
+        <p:spPr/>
+        <p:txBody>
+          <a:bodyPr/>
+          <a:lstStyle/>
+          <a:p>
+            <a:fld id="{BF105DB2-FD3E-441D-8B7E-7AE83ECE27B3}" type="slidenum">
+              <a:rPr lang="en-US" smtClean="0"/>
+              <a:t>26</a:t>
+            </a:fld>
+            <a:endParaRPr lang="en-US" dirty="0"/>
+          </a:p>
+        </p:txBody>
+      </p:sp>
+    </p:spTree>
+    <p:extLst>
+      <p:ext uri="{BB962C8B-B14F-4D97-AF65-F5344CB8AC3E}">
+        <p14:creationId xmlns:p14="http://schemas.microsoft.com/office/powerpoint/2010/main" val="3974002071"/>
       </p:ext>
     </p:extLst>
   </p:cSld>
@@ -10808,6 +11325,90 @@
     <p:extLst>
       <p:ext uri="{BB962C8B-B14F-4D97-AF65-F5344CB8AC3E}">
         <p14:creationId xmlns:p14="http://schemas.microsoft.com/office/powerpoint/2010/main" val="2387408852"/>
+      </p:ext>
+    </p:extLst>
+  </p:cSld>
+  <p:clrMapOvr>
+    <a:masterClrMapping/>
+  </p:clrMapOvr>
+</p:notes>
+</file>
+
+<file path=ppt/notesSlides/notesSlide20.xml><?xml version="1.0" encoding="utf-8"?>
+<p:notes xmlns:a="http://schemas.openxmlformats.org/drawingml/2006/main" xmlns:r="http://schemas.openxmlformats.org/officeDocument/2006/relationships" xmlns:p="http://schemas.openxmlformats.org/presentationml/2006/main">
+  <p:cSld>
+    <p:spTree>
+      <p:nvGrpSpPr>
+        <p:cNvPr id="1" name=""/>
+        <p:cNvGrpSpPr/>
+        <p:nvPr/>
+      </p:nvGrpSpPr>
+      <p:grpSpPr>
+        <a:xfrm>
+          <a:off x="0" y="0"/>
+          <a:ext cx="0" cy="0"/>
+          <a:chOff x="0" y="0"/>
+          <a:chExt cx="0" cy="0"/>
+        </a:xfrm>
+      </p:grpSpPr>
+      <p:sp>
+        <p:nvSpPr>
+          <p:cNvPr id="2" name="Slide Image Placeholder 1"/>
+          <p:cNvSpPr>
+            <a:spLocks noGrp="1" noRot="1" noChangeAspect="1"/>
+          </p:cNvSpPr>
+          <p:nvPr>
+            <p:ph type="sldImg"/>
+          </p:nvPr>
+        </p:nvSpPr>
+        <p:spPr/>
+      </p:sp>
+      <p:sp>
+        <p:nvSpPr>
+          <p:cNvPr id="3" name="Notes Placeholder 2"/>
+          <p:cNvSpPr>
+            <a:spLocks noGrp="1"/>
+          </p:cNvSpPr>
+          <p:nvPr>
+            <p:ph type="body" idx="1"/>
+          </p:nvPr>
+        </p:nvSpPr>
+        <p:spPr/>
+        <p:txBody>
+          <a:bodyPr/>
+          <a:lstStyle/>
+          <a:p>
+            <a:endParaRPr lang="en-US" dirty="0"/>
+          </a:p>
+        </p:txBody>
+      </p:sp>
+      <p:sp>
+        <p:nvSpPr>
+          <p:cNvPr id="4" name="Slide Number Placeholder 3"/>
+          <p:cNvSpPr>
+            <a:spLocks noGrp="1"/>
+          </p:cNvSpPr>
+          <p:nvPr>
+            <p:ph type="sldNum" sz="quarter" idx="10"/>
+          </p:nvPr>
+        </p:nvSpPr>
+        <p:spPr/>
+        <p:txBody>
+          <a:bodyPr/>
+          <a:lstStyle/>
+          <a:p>
+            <a:fld id="{BF105DB2-FD3E-441D-8B7E-7AE83ECE27B3}" type="slidenum">
+              <a:rPr lang="en-US" smtClean="0"/>
+              <a:t>27</a:t>
+            </a:fld>
+            <a:endParaRPr lang="en-US" dirty="0"/>
+          </a:p>
+        </p:txBody>
+      </p:sp>
+    </p:spTree>
+    <p:extLst>
+      <p:ext uri="{BB962C8B-B14F-4D97-AF65-F5344CB8AC3E}">
+        <p14:creationId xmlns:p14="http://schemas.microsoft.com/office/powerpoint/2010/main" val="3272217826"/>
       </p:ext>
     </p:extLst>
   </p:cSld>
@@ -12217,7 +12818,7 @@
           <a:p>
             <a:fld id="{333B76B7-5811-4114-8A95-998148FFD529}" type="datetime1">
               <a:rPr lang="en-US" smtClean="0"/>
-              <a:t>9/7/2020</a:t>
+              <a:t>9/8/2020</a:t>
             </a:fld>
             <a:endParaRPr lang="en-US" dirty="0"/>
           </a:p>
@@ -12419,7 +13020,7 @@
           <a:p>
             <a:fld id="{175C077A-EF7A-41AA-8976-110EB7416C60}" type="datetime1">
               <a:rPr lang="en-US" smtClean="0"/>
-              <a:t>9/7/2020</a:t>
+              <a:t>9/8/2020</a:t>
             </a:fld>
             <a:endParaRPr lang="en-US" dirty="0"/>
           </a:p>
@@ -12631,7 +13232,7 @@
           <a:p>
             <a:fld id="{CFF5912B-6681-4BDF-AE10-F59636249FF3}" type="datetime1">
               <a:rPr lang="en-US" smtClean="0"/>
-              <a:t>9/7/2020</a:t>
+              <a:t>9/8/2020</a:t>
             </a:fld>
             <a:endParaRPr lang="en-US" dirty="0"/>
           </a:p>
@@ -12823,7 +13424,7 @@
           <a:p>
             <a:fld id="{905C8E22-D0BA-4CB4-9C32-B27533199514}" type="datetime1">
               <a:rPr lang="en-US" smtClean="0"/>
-              <a:t>9/7/2020</a:t>
+              <a:t>9/8/2020</a:t>
             </a:fld>
             <a:endParaRPr dirty="0"/>
           </a:p>
@@ -13015,7 +13616,7 @@
           <a:p>
             <a:fld id="{FC2180A9-7A83-412D-A8AC-5AF60A8AA507}" type="datetime1">
               <a:rPr lang="en-US" smtClean="0"/>
-              <a:t>9/7/2020</a:t>
+              <a:t>9/8/2020</a:t>
             </a:fld>
             <a:endParaRPr lang="en-US" dirty="0"/>
           </a:p>
@@ -13298,7 +13899,7 @@
           <a:p>
             <a:fld id="{6A563DF0-FDDF-4143-9D8C-6AF41892E174}" type="datetime1">
               <a:rPr lang="en-US" smtClean="0"/>
-              <a:t>9/7/2020</a:t>
+              <a:t>9/8/2020</a:t>
             </a:fld>
             <a:endParaRPr lang="en-US" dirty="0"/>
           </a:p>
@@ -13614,7 +14215,7 @@
           <a:p>
             <a:fld id="{38BB83F9-4677-4C31-8407-7919061A580B}" type="datetime1">
               <a:rPr lang="en-US" smtClean="0"/>
-              <a:t>9/7/2020</a:t>
+              <a:t>9/8/2020</a:t>
             </a:fld>
             <a:endParaRPr lang="en-US" dirty="0"/>
           </a:p>
@@ -14066,7 +14667,7 @@
           <a:p>
             <a:fld id="{C33939A6-3450-434F-A872-BEE63F7EB093}" type="datetime1">
               <a:rPr lang="en-US" smtClean="0"/>
-              <a:t>9/7/2020</a:t>
+              <a:t>9/8/2020</a:t>
             </a:fld>
             <a:endParaRPr lang="en-US" dirty="0"/>
           </a:p>
@@ -14200,7 +14801,7 @@
           <a:p>
             <a:fld id="{E3BABB1C-FA00-4171-BA31-4C5E719472F3}" type="datetime1">
               <a:rPr lang="en-US" smtClean="0"/>
-              <a:t>9/7/2020</a:t>
+              <a:t>9/8/2020</a:t>
             </a:fld>
             <a:endParaRPr lang="en-US" dirty="0"/>
           </a:p>
@@ -14461,7 +15062,7 @@
           <a:p>
             <a:fld id="{D76C8610-5B57-4C6B-BF9F-F5397A1F60B8}" type="datetime1">
               <a:rPr lang="en-US" smtClean="0"/>
-              <a:t>9/7/2020</a:t>
+              <a:t>9/8/2020</a:t>
             </a:fld>
             <a:endParaRPr lang="en-US" dirty="0"/>
           </a:p>
@@ -14812,7 +15413,7 @@
           <a:p>
             <a:fld id="{BADBF3DD-8B6D-46AA-BCA9-242D4EF63DDF}" type="datetime1">
               <a:rPr lang="en-US" smtClean="0"/>
-              <a:t>9/7/2020</a:t>
+              <a:t>9/8/2020</a:t>
             </a:fld>
             <a:endParaRPr lang="en-US" dirty="0"/>
           </a:p>
@@ -15151,7 +15752,7 @@
           <a:p>
             <a:fld id="{23C41AE9-3D4A-4A08-B03D-DC6D2ADF5464}" type="datetime1">
               <a:rPr lang="en-US" smtClean="0"/>
-              <a:t>9/7/2020</a:t>
+              <a:t>9/8/2020</a:t>
             </a:fld>
             <a:endParaRPr lang="en-US" dirty="0"/>
           </a:p>
@@ -15698,7 +16299,7 @@
             <a:fld id="{5C6E67D0-0200-42BE-A0B2-78C70FBBB312}" type="datetime1">
               <a:rPr lang="en-US" smtClean="0"/>
               <a:pPr/>
-              <a:t>9/7/2020</a:t>
+              <a:t>9/8/2020</a:t>
             </a:fld>
             <a:endParaRPr lang="en-US" dirty="0"/>
           </a:p>
@@ -16841,6 +17442,1247 @@
       </p:grpSpPr>
       <p:sp>
         <p:nvSpPr>
+          <p:cNvPr id="2" name="Title 1">
+            <a:extLst>
+              <a:ext uri="{FF2B5EF4-FFF2-40B4-BE49-F238E27FC236}">
+                <a16:creationId xmlns:a16="http://schemas.microsoft.com/office/drawing/2014/main" id="{94391E53-E422-4236-8218-0B9FD21BD7EB}"/>
+              </a:ext>
+            </a:extLst>
+          </p:cNvPr>
+          <p:cNvSpPr>
+            <a:spLocks noGrp="1"/>
+          </p:cNvSpPr>
+          <p:nvPr>
+            <p:ph type="title"/>
+          </p:nvPr>
+        </p:nvSpPr>
+        <p:spPr/>
+        <p:txBody>
+          <a:bodyPr/>
+          <a:lstStyle/>
+          <a:p>
+            <a:r>
+              <a:rPr lang="en-US" dirty="0"/>
+              <a:t>Top and Bottom counties for Health Outcomes</a:t>
+            </a:r>
+          </a:p>
+        </p:txBody>
+      </p:sp>
+      <p:pic>
+        <p:nvPicPr>
+          <p:cNvPr id="4" name="Picture 3">
+            <a:extLst>
+              <a:ext uri="{FF2B5EF4-FFF2-40B4-BE49-F238E27FC236}">
+                <a16:creationId xmlns:a16="http://schemas.microsoft.com/office/drawing/2014/main" id="{39A724B0-CD14-4F20-9B2A-47957D97BD91}"/>
+              </a:ext>
+            </a:extLst>
+          </p:cNvPr>
+          <p:cNvPicPr>
+            <a:picLocks noChangeAspect="1"/>
+          </p:cNvPicPr>
+          <p:nvPr/>
+        </p:nvPicPr>
+        <p:blipFill>
+          <a:blip r:embed="rId2"/>
+          <a:stretch>
+            <a:fillRect/>
+          </a:stretch>
+        </p:blipFill>
+        <p:spPr>
+          <a:xfrm>
+            <a:off x="1674812" y="1905000"/>
+            <a:ext cx="9143539" cy="3800021"/>
+          </a:xfrm>
+          <a:prstGeom prst="rect">
+            <a:avLst/>
+          </a:prstGeom>
+        </p:spPr>
+      </p:pic>
+    </p:spTree>
+    <p:extLst>
+      <p:ext uri="{BB962C8B-B14F-4D97-AF65-F5344CB8AC3E}">
+        <p14:creationId xmlns:p14="http://schemas.microsoft.com/office/powerpoint/2010/main" val="3750807976"/>
+      </p:ext>
+    </p:extLst>
+  </p:cSld>
+  <p:clrMapOvr>
+    <a:masterClrMapping/>
+  </p:clrMapOvr>
+  <mc:AlternateContent xmlns:mc="http://schemas.openxmlformats.org/markup-compatibility/2006" xmlns:p14="http://schemas.microsoft.com/office/powerpoint/2010/main">
+    <mc:Choice Requires="p14">
+      <p:transition spd="med" p14:dur="700">
+        <p:fade/>
+      </p:transition>
+    </mc:Choice>
+    <mc:Fallback xmlns="">
+      <p:transition spd="med">
+        <p:fade/>
+      </p:transition>
+    </mc:Fallback>
+  </mc:AlternateContent>
+</p:sld>
+</file>
+
+<file path=ppt/slides/slide16.xml><?xml version="1.0" encoding="utf-8"?>
+<p:sld xmlns:a="http://schemas.openxmlformats.org/drawingml/2006/main" xmlns:r="http://schemas.openxmlformats.org/officeDocument/2006/relationships" xmlns:p="http://schemas.openxmlformats.org/presentationml/2006/main">
+  <p:cSld>
+    <p:spTree>
+      <p:nvGrpSpPr>
+        <p:cNvPr id="1" name=""/>
+        <p:cNvGrpSpPr/>
+        <p:nvPr/>
+      </p:nvGrpSpPr>
+      <p:grpSpPr>
+        <a:xfrm>
+          <a:off x="0" y="0"/>
+          <a:ext cx="0" cy="0"/>
+          <a:chOff x="0" y="0"/>
+          <a:chExt cx="0" cy="0"/>
+        </a:xfrm>
+      </p:grpSpPr>
+      <p:pic>
+        <p:nvPicPr>
+          <p:cNvPr id="3" name="Picture 2">
+            <a:extLst>
+              <a:ext uri="{FF2B5EF4-FFF2-40B4-BE49-F238E27FC236}">
+                <a16:creationId xmlns:a16="http://schemas.microsoft.com/office/drawing/2014/main" id="{6D35253C-EA59-4D32-B343-22704B94DEE9}"/>
+              </a:ext>
+            </a:extLst>
+          </p:cNvPr>
+          <p:cNvPicPr>
+            <a:picLocks noChangeAspect="1"/>
+          </p:cNvPicPr>
+          <p:nvPr/>
+        </p:nvPicPr>
+        <p:blipFill>
+          <a:blip r:embed="rId2"/>
+          <a:stretch>
+            <a:fillRect/>
+          </a:stretch>
+        </p:blipFill>
+        <p:spPr>
+          <a:xfrm>
+            <a:off x="7407275" y="1669473"/>
+            <a:ext cx="4781550" cy="3476625"/>
+          </a:xfrm>
+          <a:prstGeom prst="rect">
+            <a:avLst/>
+          </a:prstGeom>
+        </p:spPr>
+      </p:pic>
+      <p:sp>
+        <p:nvSpPr>
+          <p:cNvPr id="4" name="Title 3">
+            <a:extLst>
+              <a:ext uri="{FF2B5EF4-FFF2-40B4-BE49-F238E27FC236}">
+                <a16:creationId xmlns:a16="http://schemas.microsoft.com/office/drawing/2014/main" id="{C3923A62-B125-44A2-9F47-FE7DE7681A41}"/>
+              </a:ext>
+            </a:extLst>
+          </p:cNvPr>
+          <p:cNvSpPr>
+            <a:spLocks noGrp="1"/>
+          </p:cNvSpPr>
+          <p:nvPr>
+            <p:ph type="title"/>
+          </p:nvPr>
+        </p:nvSpPr>
+        <p:spPr/>
+        <p:txBody>
+          <a:bodyPr/>
+          <a:lstStyle/>
+          <a:p>
+            <a:r>
+              <a:rPr lang="en-US" dirty="0"/>
+              <a:t>Food Deprivation Index</a:t>
+            </a:r>
+          </a:p>
+        </p:txBody>
+      </p:sp>
+      <p:sp>
+        <p:nvSpPr>
+          <p:cNvPr id="5" name="Content Placeholder 4">
+            <a:extLst>
+              <a:ext uri="{FF2B5EF4-FFF2-40B4-BE49-F238E27FC236}">
+                <a16:creationId xmlns:a16="http://schemas.microsoft.com/office/drawing/2014/main" id="{C531D4B3-9D28-4C60-AE66-1B0FF7E74180}"/>
+              </a:ext>
+            </a:extLst>
+          </p:cNvPr>
+          <p:cNvSpPr>
+            <a:spLocks noGrp="1"/>
+          </p:cNvSpPr>
+          <p:nvPr>
+            <p:ph idx="1"/>
+          </p:nvPr>
+        </p:nvSpPr>
+        <p:spPr>
+          <a:xfrm>
+            <a:off x="1522876" y="1905001"/>
+            <a:ext cx="5790736" cy="3476626"/>
+          </a:xfrm>
+        </p:spPr>
+        <p:txBody>
+          <a:bodyPr/>
+          <a:lstStyle/>
+          <a:p>
+            <a:r>
+              <a:rPr lang="en-US" b="0" i="0" dirty="0">
+                <a:solidFill>
+                  <a:srgbClr val="555555"/>
+                </a:solidFill>
+                <a:effectLst/>
+                <a:latin typeface="Lato"/>
+              </a:rPr>
+              <a:t>Definition: Limited Access to Healthy Foods measures the percentage of the population that is low income and does not live close to a grocery store.</a:t>
+            </a:r>
+          </a:p>
+          <a:p>
+            <a:r>
+              <a:rPr lang="en-US" dirty="0">
+                <a:solidFill>
+                  <a:srgbClr val="555555"/>
+                </a:solidFill>
+                <a:latin typeface="Lato"/>
+              </a:rPr>
+              <a:t>Future Analysis: prevalence of fast food and unhealthy food options</a:t>
+            </a:r>
+            <a:endParaRPr lang="en-US" dirty="0"/>
+          </a:p>
+        </p:txBody>
+      </p:sp>
+    </p:spTree>
+    <p:extLst>
+      <p:ext uri="{BB962C8B-B14F-4D97-AF65-F5344CB8AC3E}">
+        <p14:creationId xmlns:p14="http://schemas.microsoft.com/office/powerpoint/2010/main" val="967013386"/>
+      </p:ext>
+    </p:extLst>
+  </p:cSld>
+  <p:clrMapOvr>
+    <a:masterClrMapping/>
+  </p:clrMapOvr>
+  <mc:AlternateContent xmlns:mc="http://schemas.openxmlformats.org/markup-compatibility/2006" xmlns:p14="http://schemas.microsoft.com/office/powerpoint/2010/main">
+    <mc:Choice Requires="p14">
+      <p:transition spd="med" p14:dur="700">
+        <p:fade/>
+      </p:transition>
+    </mc:Choice>
+    <mc:Fallback xmlns="">
+      <p:transition spd="med">
+        <p:fade/>
+      </p:transition>
+    </mc:Fallback>
+  </mc:AlternateContent>
+</p:sld>
+</file>
+
+<file path=ppt/slides/slide17.xml><?xml version="1.0" encoding="utf-8"?>
+<p:sld xmlns:a="http://schemas.openxmlformats.org/drawingml/2006/main" xmlns:r="http://schemas.openxmlformats.org/officeDocument/2006/relationships" xmlns:p="http://schemas.openxmlformats.org/presentationml/2006/main">
+  <p:cSld>
+    <p:spTree>
+      <p:nvGrpSpPr>
+        <p:cNvPr id="1" name=""/>
+        <p:cNvGrpSpPr/>
+        <p:nvPr/>
+      </p:nvGrpSpPr>
+      <p:grpSpPr>
+        <a:xfrm>
+          <a:off x="0" y="0"/>
+          <a:ext cx="0" cy="0"/>
+          <a:chOff x="0" y="0"/>
+          <a:chExt cx="0" cy="0"/>
+        </a:xfrm>
+      </p:grpSpPr>
+      <p:sp>
+        <p:nvSpPr>
+          <p:cNvPr id="2" name="Title 1">
+            <a:extLst>
+              <a:ext uri="{FF2B5EF4-FFF2-40B4-BE49-F238E27FC236}">
+                <a16:creationId xmlns:a16="http://schemas.microsoft.com/office/drawing/2014/main" id="{7E3C2CF8-A034-4247-B2A8-E79B20D7E94C}"/>
+              </a:ext>
+            </a:extLst>
+          </p:cNvPr>
+          <p:cNvSpPr>
+            <a:spLocks noGrp="1"/>
+          </p:cNvSpPr>
+          <p:nvPr>
+            <p:ph type="title"/>
+          </p:nvPr>
+        </p:nvSpPr>
+        <p:spPr/>
+        <p:txBody>
+          <a:bodyPr/>
+          <a:lstStyle/>
+          <a:p>
+            <a:r>
+              <a:rPr lang="en-US" dirty="0"/>
+              <a:t>Discussion of Findings</a:t>
+            </a:r>
+          </a:p>
+        </p:txBody>
+      </p:sp>
+      <p:sp>
+        <p:nvSpPr>
+          <p:cNvPr id="3" name="Content Placeholder 2">
+            <a:extLst>
+              <a:ext uri="{FF2B5EF4-FFF2-40B4-BE49-F238E27FC236}">
+                <a16:creationId xmlns:a16="http://schemas.microsoft.com/office/drawing/2014/main" id="{2E8BAA0F-F3EA-4462-B89A-DAF2117DA11B}"/>
+              </a:ext>
+            </a:extLst>
+          </p:cNvPr>
+          <p:cNvSpPr>
+            <a:spLocks noGrp="1"/>
+          </p:cNvSpPr>
+          <p:nvPr>
+            <p:ph idx="1"/>
+          </p:nvPr>
+        </p:nvSpPr>
+        <p:spPr/>
+        <p:txBody>
+          <a:bodyPr/>
+          <a:lstStyle/>
+          <a:p>
+            <a:endParaRPr lang="en-US" dirty="0"/>
+          </a:p>
+          <a:p>
+            <a:r>
+              <a:rPr lang="en-US" dirty="0"/>
+              <a:t>Discuss your findings. Did you find what you expected to find? If not, why not? What inferences or general conclusions can you draw from your analysis?</a:t>
+            </a:r>
+          </a:p>
+          <a:p>
+            <a:endParaRPr lang="en-US" dirty="0"/>
+          </a:p>
+        </p:txBody>
+      </p:sp>
+    </p:spTree>
+    <p:extLst>
+      <p:ext uri="{BB962C8B-B14F-4D97-AF65-F5344CB8AC3E}">
+        <p14:creationId xmlns:p14="http://schemas.microsoft.com/office/powerpoint/2010/main" val="749911667"/>
+      </p:ext>
+    </p:extLst>
+  </p:cSld>
+  <p:clrMapOvr>
+    <a:masterClrMapping/>
+  </p:clrMapOvr>
+  <mc:AlternateContent xmlns:mc="http://schemas.openxmlformats.org/markup-compatibility/2006" xmlns:p14="http://schemas.microsoft.com/office/powerpoint/2010/main">
+    <mc:Choice Requires="p14">
+      <p:transition spd="med" p14:dur="700">
+        <p:fade/>
+      </p:transition>
+    </mc:Choice>
+    <mc:Fallback xmlns="">
+      <p:transition spd="med">
+        <p:fade/>
+      </p:transition>
+    </mc:Fallback>
+  </mc:AlternateContent>
+</p:sld>
+</file>
+
+<file path=ppt/slides/slide18.xml><?xml version="1.0" encoding="utf-8"?>
+<p:sld xmlns:a="http://schemas.openxmlformats.org/drawingml/2006/main" xmlns:r="http://schemas.openxmlformats.org/officeDocument/2006/relationships" xmlns:p="http://schemas.openxmlformats.org/presentationml/2006/main">
+  <p:cSld>
+    <p:spTree>
+      <p:nvGrpSpPr>
+        <p:cNvPr id="1" name=""/>
+        <p:cNvGrpSpPr/>
+        <p:nvPr/>
+      </p:nvGrpSpPr>
+      <p:grpSpPr>
+        <a:xfrm>
+          <a:off x="0" y="0"/>
+          <a:ext cx="0" cy="0"/>
+          <a:chOff x="0" y="0"/>
+          <a:chExt cx="0" cy="0"/>
+        </a:xfrm>
+      </p:grpSpPr>
+      <p:sp>
+        <p:nvSpPr>
+          <p:cNvPr id="2" name="Title 1">
+            <a:extLst>
+              <a:ext uri="{FF2B5EF4-FFF2-40B4-BE49-F238E27FC236}">
+                <a16:creationId xmlns:a16="http://schemas.microsoft.com/office/drawing/2014/main" id="{47868F45-77D4-42A3-866B-9C5531D52F2D}"/>
+              </a:ext>
+            </a:extLst>
+          </p:cNvPr>
+          <p:cNvSpPr>
+            <a:spLocks noGrp="1"/>
+          </p:cNvSpPr>
+          <p:nvPr>
+            <p:ph type="title"/>
+          </p:nvPr>
+        </p:nvSpPr>
+        <p:spPr/>
+        <p:txBody>
+          <a:bodyPr/>
+          <a:lstStyle/>
+          <a:p>
+            <a:r>
+              <a:rPr lang="en-US" dirty="0"/>
+              <a:t>Exercise and Opportunity</a:t>
+            </a:r>
+          </a:p>
+        </p:txBody>
+      </p:sp>
+      <p:pic>
+        <p:nvPicPr>
+          <p:cNvPr id="4" name="Picture 3">
+            <a:extLst>
+              <a:ext uri="{FF2B5EF4-FFF2-40B4-BE49-F238E27FC236}">
+                <a16:creationId xmlns:a16="http://schemas.microsoft.com/office/drawing/2014/main" id="{D6C04A3D-2498-4A43-8613-B3AC93D77506}"/>
+              </a:ext>
+            </a:extLst>
+          </p:cNvPr>
+          <p:cNvPicPr>
+            <a:picLocks noChangeAspect="1"/>
+          </p:cNvPicPr>
+          <p:nvPr/>
+        </p:nvPicPr>
+        <p:blipFill>
+          <a:blip r:embed="rId3"/>
+          <a:stretch>
+            <a:fillRect/>
+          </a:stretch>
+        </p:blipFill>
+        <p:spPr>
+          <a:xfrm>
+            <a:off x="6932612" y="1905000"/>
+            <a:ext cx="4876800" cy="3409950"/>
+          </a:xfrm>
+          <a:prstGeom prst="rect">
+            <a:avLst/>
+          </a:prstGeom>
+        </p:spPr>
+      </p:pic>
+      <p:pic>
+        <p:nvPicPr>
+          <p:cNvPr id="8" name="Picture 7">
+            <a:extLst>
+              <a:ext uri="{FF2B5EF4-FFF2-40B4-BE49-F238E27FC236}">
+                <a16:creationId xmlns:a16="http://schemas.microsoft.com/office/drawing/2014/main" id="{6620485F-5D92-43F6-B68E-766AC37863C1}"/>
+              </a:ext>
+            </a:extLst>
+          </p:cNvPr>
+          <p:cNvPicPr>
+            <a:picLocks noChangeAspect="1"/>
+          </p:cNvPicPr>
+          <p:nvPr/>
+        </p:nvPicPr>
+        <p:blipFill>
+          <a:blip r:embed="rId4"/>
+          <a:stretch>
+            <a:fillRect/>
+          </a:stretch>
+        </p:blipFill>
+        <p:spPr>
+          <a:xfrm>
+            <a:off x="1370012" y="1905000"/>
+            <a:ext cx="5029200" cy="3438525"/>
+          </a:xfrm>
+          <a:prstGeom prst="rect">
+            <a:avLst/>
+          </a:prstGeom>
+        </p:spPr>
+      </p:pic>
+      <p:sp>
+        <p:nvSpPr>
+          <p:cNvPr id="9" name="TextBox 8">
+            <a:extLst>
+              <a:ext uri="{FF2B5EF4-FFF2-40B4-BE49-F238E27FC236}">
+                <a16:creationId xmlns:a16="http://schemas.microsoft.com/office/drawing/2014/main" id="{1A008D42-3028-44F0-84E1-01FEAE057A08}"/>
+              </a:ext>
+            </a:extLst>
+          </p:cNvPr>
+          <p:cNvSpPr txBox="1"/>
+          <p:nvPr/>
+        </p:nvSpPr>
+        <p:spPr>
+          <a:xfrm>
+            <a:off x="1522876" y="5496996"/>
+            <a:ext cx="9143538" cy="369332"/>
+          </a:xfrm>
+          <a:prstGeom prst="rect">
+            <a:avLst/>
+          </a:prstGeom>
+          <a:noFill/>
+          <a:ln>
+            <a:solidFill>
+              <a:schemeClr val="accent1">
+                <a:lumMod val="20000"/>
+                <a:lumOff val="80000"/>
+              </a:schemeClr>
+            </a:solidFill>
+          </a:ln>
+        </p:spPr>
+        <p:txBody>
+          <a:bodyPr wrap="square" rtlCol="0" anchor="ctr" anchorCtr="1">
+            <a:spAutoFit/>
+          </a:bodyPr>
+          <a:lstStyle/>
+          <a:p>
+            <a:pPr marL="0" marR="0" lvl="0" indent="0" algn="l" defTabSz="914400" rtl="0" eaLnBrk="1" fontAlgn="auto" latinLnBrk="0" hangingPunct="1">
+              <a:lnSpc>
+                <a:spcPct val="100000"/>
+              </a:lnSpc>
+              <a:spcBef>
+                <a:spcPts val="0"/>
+              </a:spcBef>
+              <a:spcAft>
+                <a:spcPts val="0"/>
+              </a:spcAft>
+              <a:buClrTx/>
+              <a:buSzTx/>
+              <a:buFontTx/>
+              <a:buNone/>
+              <a:tabLst/>
+              <a:defRPr/>
+            </a:pPr>
+            <a:r>
+              <a:rPr kumimoji="0" lang="en-US" sz="1800" b="0" i="0" u="none" strike="noStrike" kern="1200" cap="none" spc="0" normalizeH="0" baseline="0" noProof="0" dirty="0">
+                <a:ln>
+                  <a:noFill/>
+                </a:ln>
+                <a:solidFill>
+                  <a:prstClr val="black"/>
+                </a:solidFill>
+                <a:effectLst/>
+                <a:uLnTx/>
+                <a:uFillTx/>
+                <a:latin typeface="Calibri" panose="020F0502020204030204"/>
+                <a:ea typeface="+mn-ea"/>
+                <a:cs typeface="+mn-cs"/>
+              </a:rPr>
+              <a:t>Future opportunities: walking scores, climate, elevation</a:t>
+            </a:r>
+          </a:p>
+        </p:txBody>
+      </p:sp>
+    </p:spTree>
+    <p:extLst>
+      <p:ext uri="{BB962C8B-B14F-4D97-AF65-F5344CB8AC3E}">
+        <p14:creationId xmlns:p14="http://schemas.microsoft.com/office/powerpoint/2010/main" val="3662376044"/>
+      </p:ext>
+    </p:extLst>
+  </p:cSld>
+  <p:clrMapOvr>
+    <a:masterClrMapping/>
+  </p:clrMapOvr>
+  <mc:AlternateContent xmlns:mc="http://schemas.openxmlformats.org/markup-compatibility/2006" xmlns:p14="http://schemas.microsoft.com/office/powerpoint/2010/main">
+    <mc:Choice Requires="p14">
+      <p:transition spd="med" p14:dur="700">
+        <p:fade/>
+      </p:transition>
+    </mc:Choice>
+    <mc:Fallback xmlns="">
+      <p:transition spd="med">
+        <p:fade/>
+      </p:transition>
+    </mc:Fallback>
+  </mc:AlternateContent>
+</p:sld>
+</file>
+
+<file path=ppt/slides/slide19.xml><?xml version="1.0" encoding="utf-8"?>
+<p:sld xmlns:a="http://schemas.openxmlformats.org/drawingml/2006/main" xmlns:r="http://schemas.openxmlformats.org/officeDocument/2006/relationships" xmlns:p="http://schemas.openxmlformats.org/presentationml/2006/main">
+  <p:cSld>
+    <p:spTree>
+      <p:nvGrpSpPr>
+        <p:cNvPr id="1" name=""/>
+        <p:cNvGrpSpPr/>
+        <p:nvPr/>
+      </p:nvGrpSpPr>
+      <p:grpSpPr>
+        <a:xfrm>
+          <a:off x="0" y="0"/>
+          <a:ext cx="0" cy="0"/>
+          <a:chOff x="0" y="0"/>
+          <a:chExt cx="0" cy="0"/>
+        </a:xfrm>
+      </p:grpSpPr>
+      <p:sp>
+        <p:nvSpPr>
+          <p:cNvPr id="2" name="Title 1">
+            <a:extLst>
+              <a:ext uri="{FF2B5EF4-FFF2-40B4-BE49-F238E27FC236}">
+                <a16:creationId xmlns:a16="http://schemas.microsoft.com/office/drawing/2014/main" id="{B8471422-7FA8-4E50-95B3-68AD4036F198}"/>
+              </a:ext>
+            </a:extLst>
+          </p:cNvPr>
+          <p:cNvSpPr>
+            <a:spLocks noGrp="1"/>
+          </p:cNvSpPr>
+          <p:nvPr>
+            <p:ph type="title"/>
+          </p:nvPr>
+        </p:nvSpPr>
+        <p:spPr/>
+        <p:txBody>
+          <a:bodyPr/>
+          <a:lstStyle/>
+          <a:p>
+            <a:r>
+              <a:rPr lang="en-US" dirty="0"/>
+              <a:t>Excessive Drinking and Poor or Fair Health Outcomes</a:t>
+            </a:r>
+          </a:p>
+        </p:txBody>
+      </p:sp>
+      <p:sp>
+        <p:nvSpPr>
+          <p:cNvPr id="3" name="Content Placeholder 2">
+            <a:extLst>
+              <a:ext uri="{FF2B5EF4-FFF2-40B4-BE49-F238E27FC236}">
+                <a16:creationId xmlns:a16="http://schemas.microsoft.com/office/drawing/2014/main" id="{C53D64A9-B845-493E-AE74-1AD4586CA87E}"/>
+              </a:ext>
+            </a:extLst>
+          </p:cNvPr>
+          <p:cNvSpPr>
+            <a:spLocks noGrp="1"/>
+          </p:cNvSpPr>
+          <p:nvPr>
+            <p:ph idx="1"/>
+          </p:nvPr>
+        </p:nvSpPr>
+        <p:spPr>
+          <a:xfrm>
+            <a:off x="1522876" y="1905000"/>
+            <a:ext cx="4342936" cy="3697465"/>
+          </a:xfrm>
+        </p:spPr>
+        <p:txBody>
+          <a:bodyPr/>
+          <a:lstStyle/>
+          <a:p>
+            <a:r>
+              <a:rPr lang="en-US" b="0" i="0" dirty="0">
+                <a:solidFill>
+                  <a:srgbClr val="555555"/>
+                </a:solidFill>
+                <a:effectLst/>
+                <a:latin typeface="Lato"/>
+              </a:rPr>
+              <a:t>Excessive Drinking measures the percentage of a county’s adult population that reports binge or heavy drinking in the past 30 days.</a:t>
+            </a:r>
+            <a:endParaRPr lang="en-US" dirty="0"/>
+          </a:p>
+          <a:p>
+            <a:r>
+              <a:rPr lang="en-US" dirty="0"/>
+              <a:t>Future analysis: Liquor store locations from Google API</a:t>
+            </a:r>
+          </a:p>
+        </p:txBody>
+      </p:sp>
+      <p:pic>
+        <p:nvPicPr>
+          <p:cNvPr id="5" name="Picture 4">
+            <a:extLst>
+              <a:ext uri="{FF2B5EF4-FFF2-40B4-BE49-F238E27FC236}">
+                <a16:creationId xmlns:a16="http://schemas.microsoft.com/office/drawing/2014/main" id="{69F5CCC4-B08B-4181-B149-55E6651C66BB}"/>
+              </a:ext>
+            </a:extLst>
+          </p:cNvPr>
+          <p:cNvPicPr>
+            <a:picLocks noChangeAspect="1"/>
+          </p:cNvPicPr>
+          <p:nvPr/>
+        </p:nvPicPr>
+        <p:blipFill>
+          <a:blip r:embed="rId3"/>
+          <a:stretch>
+            <a:fillRect/>
+          </a:stretch>
+        </p:blipFill>
+        <p:spPr>
+          <a:xfrm>
+            <a:off x="6475412" y="1905000"/>
+            <a:ext cx="4800600" cy="3438525"/>
+          </a:xfrm>
+          <a:prstGeom prst="rect">
+            <a:avLst/>
+          </a:prstGeom>
+        </p:spPr>
+      </p:pic>
+    </p:spTree>
+    <p:extLst>
+      <p:ext uri="{BB962C8B-B14F-4D97-AF65-F5344CB8AC3E}">
+        <p14:creationId xmlns:p14="http://schemas.microsoft.com/office/powerpoint/2010/main" val="690358307"/>
+      </p:ext>
+    </p:extLst>
+  </p:cSld>
+  <p:clrMapOvr>
+    <a:masterClrMapping/>
+  </p:clrMapOvr>
+  <mc:AlternateContent xmlns:mc="http://schemas.openxmlformats.org/markup-compatibility/2006" xmlns:p14="http://schemas.microsoft.com/office/powerpoint/2010/main">
+    <mc:Choice Requires="p14">
+      <p:transition spd="med" p14:dur="700">
+        <p:fade/>
+      </p:transition>
+    </mc:Choice>
+    <mc:Fallback xmlns="">
+      <p:transition spd="med">
+        <p:fade/>
+      </p:transition>
+    </mc:Fallback>
+  </mc:AlternateContent>
+</p:sld>
+</file>
+
+<file path=ppt/slides/slide2.xml><?xml version="1.0" encoding="utf-8"?>
+<p:sld xmlns:a="http://schemas.openxmlformats.org/drawingml/2006/main" xmlns:r="http://schemas.openxmlformats.org/officeDocument/2006/relationships" xmlns:p="http://schemas.openxmlformats.org/presentationml/2006/main">
+  <p:cSld>
+    <p:spTree>
+      <p:nvGrpSpPr>
+        <p:cNvPr id="1" name=""/>
+        <p:cNvGrpSpPr/>
+        <p:nvPr/>
+      </p:nvGrpSpPr>
+      <p:grpSpPr>
+        <a:xfrm>
+          <a:off x="0" y="0"/>
+          <a:ext cx="0" cy="0"/>
+          <a:chOff x="0" y="0"/>
+          <a:chExt cx="0" cy="0"/>
+        </a:xfrm>
+      </p:grpSpPr>
+      <p:sp>
+        <p:nvSpPr>
+          <p:cNvPr id="2" name="Title 1">
+            <a:extLst>
+              <a:ext uri="{FF2B5EF4-FFF2-40B4-BE49-F238E27FC236}">
+                <a16:creationId xmlns:a16="http://schemas.microsoft.com/office/drawing/2014/main" id="{782DD051-32BC-4EEA-B089-E9D7BAB9AFE8}"/>
+              </a:ext>
+            </a:extLst>
+          </p:cNvPr>
+          <p:cNvSpPr>
+            <a:spLocks noGrp="1"/>
+          </p:cNvSpPr>
+          <p:nvPr>
+            <p:ph type="ctrTitle"/>
+          </p:nvPr>
+        </p:nvSpPr>
+        <p:spPr>
+          <a:xfrm>
+            <a:off x="1522414" y="1905000"/>
+            <a:ext cx="9143998" cy="2667000"/>
+          </a:xfrm>
+        </p:spPr>
+        <p:txBody>
+          <a:bodyPr anchor="b">
+            <a:normAutofit/>
+          </a:bodyPr>
+          <a:lstStyle/>
+          <a:p>
+            <a:r>
+              <a:rPr lang="en-US" dirty="0"/>
+              <a:t>Motivation &amp; Summary</a:t>
+            </a:r>
+          </a:p>
+        </p:txBody>
+      </p:sp>
+    </p:spTree>
+    <p:extLst>
+      <p:ext uri="{BB962C8B-B14F-4D97-AF65-F5344CB8AC3E}">
+        <p14:creationId xmlns:p14="http://schemas.microsoft.com/office/powerpoint/2010/main" val="3561769601"/>
+      </p:ext>
+    </p:extLst>
+  </p:cSld>
+  <p:clrMapOvr>
+    <a:masterClrMapping/>
+  </p:clrMapOvr>
+  <mc:AlternateContent xmlns:mc="http://schemas.openxmlformats.org/markup-compatibility/2006" xmlns:p14="http://schemas.microsoft.com/office/powerpoint/2010/main">
+    <mc:Choice Requires="p14">
+      <p:transition spd="med" p14:dur="700">
+        <p:fade/>
+      </p:transition>
+    </mc:Choice>
+    <mc:Fallback xmlns="">
+      <p:transition spd="med">
+        <p:fade/>
+      </p:transition>
+    </mc:Fallback>
+  </mc:AlternateContent>
+</p:sld>
+</file>
+
+<file path=ppt/slides/slide20.xml><?xml version="1.0" encoding="utf-8"?>
+<p:sld xmlns:a="http://schemas.openxmlformats.org/drawingml/2006/main" xmlns:r="http://schemas.openxmlformats.org/officeDocument/2006/relationships" xmlns:p="http://schemas.openxmlformats.org/presentationml/2006/main">
+  <p:cSld>
+    <p:spTree>
+      <p:nvGrpSpPr>
+        <p:cNvPr id="1" name=""/>
+        <p:cNvGrpSpPr/>
+        <p:nvPr/>
+      </p:nvGrpSpPr>
+      <p:grpSpPr>
+        <a:xfrm>
+          <a:off x="0" y="0"/>
+          <a:ext cx="0" cy="0"/>
+          <a:chOff x="0" y="0"/>
+          <a:chExt cx="0" cy="0"/>
+        </a:xfrm>
+      </p:grpSpPr>
+      <p:sp>
+        <p:nvSpPr>
+          <p:cNvPr id="2" name="Title 1">
+            <a:extLst>
+              <a:ext uri="{FF2B5EF4-FFF2-40B4-BE49-F238E27FC236}">
+                <a16:creationId xmlns:a16="http://schemas.microsoft.com/office/drawing/2014/main" id="{A724C6CE-BB3E-4A06-8F0B-F2A9F9B50C54}"/>
+              </a:ext>
+            </a:extLst>
+          </p:cNvPr>
+          <p:cNvSpPr>
+            <a:spLocks noGrp="1"/>
+          </p:cNvSpPr>
+          <p:nvPr>
+            <p:ph type="title"/>
+          </p:nvPr>
+        </p:nvSpPr>
+        <p:spPr/>
+        <p:txBody>
+          <a:bodyPr/>
+          <a:lstStyle/>
+          <a:p>
+            <a:r>
+              <a:rPr lang="en-US" dirty="0"/>
+              <a:t>Smoking</a:t>
+            </a:r>
+          </a:p>
+        </p:txBody>
+      </p:sp>
+      <p:pic>
+        <p:nvPicPr>
+          <p:cNvPr id="4" name="Picture 3">
+            <a:extLst>
+              <a:ext uri="{FF2B5EF4-FFF2-40B4-BE49-F238E27FC236}">
+                <a16:creationId xmlns:a16="http://schemas.microsoft.com/office/drawing/2014/main" id="{107B7324-F8CC-4B81-BEC2-9202284832D2}"/>
+              </a:ext>
+            </a:extLst>
+          </p:cNvPr>
+          <p:cNvPicPr>
+            <a:picLocks noChangeAspect="1"/>
+          </p:cNvPicPr>
+          <p:nvPr/>
+        </p:nvPicPr>
+        <p:blipFill>
+          <a:blip r:embed="rId2"/>
+          <a:stretch>
+            <a:fillRect/>
+          </a:stretch>
+        </p:blipFill>
+        <p:spPr>
+          <a:xfrm>
+            <a:off x="6475412" y="2057400"/>
+            <a:ext cx="4695825" cy="3448050"/>
+          </a:xfrm>
+          <a:prstGeom prst="rect">
+            <a:avLst/>
+          </a:prstGeom>
+        </p:spPr>
+      </p:pic>
+    </p:spTree>
+    <p:extLst>
+      <p:ext uri="{BB962C8B-B14F-4D97-AF65-F5344CB8AC3E}">
+        <p14:creationId xmlns:p14="http://schemas.microsoft.com/office/powerpoint/2010/main" val="2138687960"/>
+      </p:ext>
+    </p:extLst>
+  </p:cSld>
+  <p:clrMapOvr>
+    <a:masterClrMapping/>
+  </p:clrMapOvr>
+  <mc:AlternateContent xmlns:mc="http://schemas.openxmlformats.org/markup-compatibility/2006" xmlns:p14="http://schemas.microsoft.com/office/powerpoint/2010/main">
+    <mc:Choice Requires="p14">
+      <p:transition spd="med" p14:dur="700">
+        <p:fade/>
+      </p:transition>
+    </mc:Choice>
+    <mc:Fallback xmlns="">
+      <p:transition spd="med">
+        <p:fade/>
+      </p:transition>
+    </mc:Fallback>
+  </mc:AlternateContent>
+</p:sld>
+</file>
+
+<file path=ppt/slides/slide21.xml><?xml version="1.0" encoding="utf-8"?>
+<p:sld xmlns:a="http://schemas.openxmlformats.org/drawingml/2006/main" xmlns:r="http://schemas.openxmlformats.org/officeDocument/2006/relationships" xmlns:p="http://schemas.openxmlformats.org/presentationml/2006/main" show="0">
+  <p:cSld>
+    <p:spTree>
+      <p:nvGrpSpPr>
+        <p:cNvPr id="1" name=""/>
+        <p:cNvGrpSpPr/>
+        <p:nvPr/>
+      </p:nvGrpSpPr>
+      <p:grpSpPr>
+        <a:xfrm>
+          <a:off x="0" y="0"/>
+          <a:ext cx="0" cy="0"/>
+          <a:chOff x="0" y="0"/>
+          <a:chExt cx="0" cy="0"/>
+        </a:xfrm>
+      </p:grpSpPr>
+      <p:sp>
+        <p:nvSpPr>
+          <p:cNvPr id="2" name="Title 1">
+            <a:extLst>
+              <a:ext uri="{FF2B5EF4-FFF2-40B4-BE49-F238E27FC236}">
+                <a16:creationId xmlns:a16="http://schemas.microsoft.com/office/drawing/2014/main" id="{FBC472BA-C867-4BC0-984D-1F315863ED71}"/>
+              </a:ext>
+            </a:extLst>
+          </p:cNvPr>
+          <p:cNvSpPr>
+            <a:spLocks noGrp="1"/>
+          </p:cNvSpPr>
+          <p:nvPr>
+            <p:ph type="title"/>
+          </p:nvPr>
+        </p:nvSpPr>
+        <p:spPr/>
+        <p:txBody>
+          <a:bodyPr/>
+          <a:lstStyle/>
+          <a:p>
+            <a:endParaRPr lang="en-US"/>
+          </a:p>
+        </p:txBody>
+      </p:sp>
+      <p:pic>
+        <p:nvPicPr>
+          <p:cNvPr id="4" name="Picture 3">
+            <a:extLst>
+              <a:ext uri="{FF2B5EF4-FFF2-40B4-BE49-F238E27FC236}">
+                <a16:creationId xmlns:a16="http://schemas.microsoft.com/office/drawing/2014/main" id="{274C391B-89C3-49F1-BF98-871AB583B48C}"/>
+              </a:ext>
+            </a:extLst>
+          </p:cNvPr>
+          <p:cNvPicPr>
+            <a:picLocks noChangeAspect="1"/>
+          </p:cNvPicPr>
+          <p:nvPr/>
+        </p:nvPicPr>
+        <p:blipFill>
+          <a:blip r:embed="rId2"/>
+          <a:stretch>
+            <a:fillRect/>
+          </a:stretch>
+        </p:blipFill>
+        <p:spPr>
+          <a:xfrm>
+            <a:off x="3660775" y="1724025"/>
+            <a:ext cx="4867275" cy="3409950"/>
+          </a:xfrm>
+          <a:prstGeom prst="rect">
+            <a:avLst/>
+          </a:prstGeom>
+        </p:spPr>
+      </p:pic>
+    </p:spTree>
+    <p:extLst>
+      <p:ext uri="{BB962C8B-B14F-4D97-AF65-F5344CB8AC3E}">
+        <p14:creationId xmlns:p14="http://schemas.microsoft.com/office/powerpoint/2010/main" val="161409539"/>
+      </p:ext>
+    </p:extLst>
+  </p:cSld>
+  <p:clrMapOvr>
+    <a:masterClrMapping/>
+  </p:clrMapOvr>
+  <mc:AlternateContent xmlns:mc="http://schemas.openxmlformats.org/markup-compatibility/2006">
+    <mc:Choice xmlns:p14="http://schemas.microsoft.com/office/powerpoint/2010/main" Requires="p14">
+      <p:transition spd="med" p14:dur="700">
+        <p:fade/>
+      </p:transition>
+    </mc:Choice>
+    <mc:Fallback>
+      <p:transition spd="med">
+        <p:fade/>
+      </p:transition>
+    </mc:Fallback>
+  </mc:AlternateContent>
+</p:sld>
+</file>
+
+<file path=ppt/slides/slide22.xml><?xml version="1.0" encoding="utf-8"?>
+<p:sld xmlns:a="http://schemas.openxmlformats.org/drawingml/2006/main" xmlns:r="http://schemas.openxmlformats.org/officeDocument/2006/relationships" xmlns:p="http://schemas.openxmlformats.org/presentationml/2006/main">
+  <p:cSld>
+    <p:spTree>
+      <p:nvGrpSpPr>
+        <p:cNvPr id="1" name=""/>
+        <p:cNvGrpSpPr/>
+        <p:nvPr/>
+      </p:nvGrpSpPr>
+      <p:grpSpPr>
+        <a:xfrm>
+          <a:off x="0" y="0"/>
+          <a:ext cx="0" cy="0"/>
+          <a:chOff x="0" y="0"/>
+          <a:chExt cx="0" cy="0"/>
+        </a:xfrm>
+      </p:grpSpPr>
+      <p:sp>
+        <p:nvSpPr>
+          <p:cNvPr id="2" name="Title 1">
+            <a:extLst>
+              <a:ext uri="{FF2B5EF4-FFF2-40B4-BE49-F238E27FC236}">
+                <a16:creationId xmlns:a16="http://schemas.microsoft.com/office/drawing/2014/main" id="{FADC7EAD-3BA7-45E9-8376-B6CD5F356193}"/>
+              </a:ext>
+            </a:extLst>
+          </p:cNvPr>
+          <p:cNvSpPr>
+            <a:spLocks noGrp="1"/>
+          </p:cNvSpPr>
+          <p:nvPr>
+            <p:ph type="title"/>
+          </p:nvPr>
+        </p:nvSpPr>
+        <p:spPr/>
+        <p:txBody>
+          <a:bodyPr/>
+          <a:lstStyle/>
+          <a:p>
+            <a:r>
+              <a:rPr lang="en-US" dirty="0"/>
+              <a:t>Poor Mental and Physical Health Days</a:t>
+            </a:r>
+          </a:p>
+        </p:txBody>
+      </p:sp>
+      <p:pic>
+        <p:nvPicPr>
+          <p:cNvPr id="4" name="Picture 3">
+            <a:extLst>
+              <a:ext uri="{FF2B5EF4-FFF2-40B4-BE49-F238E27FC236}">
+                <a16:creationId xmlns:a16="http://schemas.microsoft.com/office/drawing/2014/main" id="{3C15E5A4-1BB9-40FE-B3DD-3A9FE5D3D23B}"/>
+              </a:ext>
+            </a:extLst>
+          </p:cNvPr>
+          <p:cNvPicPr>
+            <a:picLocks noChangeAspect="1"/>
+          </p:cNvPicPr>
+          <p:nvPr/>
+        </p:nvPicPr>
+        <p:blipFill>
+          <a:blip r:embed="rId3"/>
+          <a:stretch>
+            <a:fillRect/>
+          </a:stretch>
+        </p:blipFill>
+        <p:spPr>
+          <a:xfrm>
+            <a:off x="6932612" y="1981200"/>
+            <a:ext cx="4667250" cy="3409950"/>
+          </a:xfrm>
+          <a:prstGeom prst="rect">
+            <a:avLst/>
+          </a:prstGeom>
+        </p:spPr>
+      </p:pic>
+      <p:pic>
+        <p:nvPicPr>
+          <p:cNvPr id="8" name="Picture 7">
+            <a:extLst>
+              <a:ext uri="{FF2B5EF4-FFF2-40B4-BE49-F238E27FC236}">
+                <a16:creationId xmlns:a16="http://schemas.microsoft.com/office/drawing/2014/main" id="{6F02B516-A966-4D52-875E-6859A6ECC79A}"/>
+              </a:ext>
+            </a:extLst>
+          </p:cNvPr>
+          <p:cNvPicPr>
+            <a:picLocks noChangeAspect="1"/>
+          </p:cNvPicPr>
+          <p:nvPr/>
+        </p:nvPicPr>
+        <p:blipFill>
+          <a:blip r:embed="rId4"/>
+          <a:stretch>
+            <a:fillRect/>
+          </a:stretch>
+        </p:blipFill>
+        <p:spPr>
+          <a:xfrm>
+            <a:off x="912812" y="2003854"/>
+            <a:ext cx="4651651" cy="3414056"/>
+          </a:xfrm>
+          <a:prstGeom prst="rect">
+            <a:avLst/>
+          </a:prstGeom>
+        </p:spPr>
+      </p:pic>
+    </p:spTree>
+    <p:extLst>
+      <p:ext uri="{BB962C8B-B14F-4D97-AF65-F5344CB8AC3E}">
+        <p14:creationId xmlns:p14="http://schemas.microsoft.com/office/powerpoint/2010/main" val="190837681"/>
+      </p:ext>
+    </p:extLst>
+  </p:cSld>
+  <p:clrMapOvr>
+    <a:masterClrMapping/>
+  </p:clrMapOvr>
+  <mc:AlternateContent xmlns:mc="http://schemas.openxmlformats.org/markup-compatibility/2006" xmlns:p14="http://schemas.microsoft.com/office/powerpoint/2010/main">
+    <mc:Choice Requires="p14">
+      <p:transition spd="med" p14:dur="700">
+        <p:fade/>
+      </p:transition>
+    </mc:Choice>
+    <mc:Fallback xmlns="">
+      <p:transition spd="med">
+        <p:fade/>
+      </p:transition>
+    </mc:Fallback>
+  </mc:AlternateContent>
+</p:sld>
+</file>
+
+<file path=ppt/slides/slide23.xml><?xml version="1.0" encoding="utf-8"?>
+<p:sld xmlns:a="http://schemas.openxmlformats.org/drawingml/2006/main" xmlns:r="http://schemas.openxmlformats.org/officeDocument/2006/relationships" xmlns:p="http://schemas.openxmlformats.org/presentationml/2006/main">
+  <p:cSld>
+    <p:spTree>
+      <p:nvGrpSpPr>
+        <p:cNvPr id="1" name=""/>
+        <p:cNvGrpSpPr/>
+        <p:nvPr/>
+      </p:nvGrpSpPr>
+      <p:grpSpPr>
+        <a:xfrm>
+          <a:off x="0" y="0"/>
+          <a:ext cx="0" cy="0"/>
+          <a:chOff x="0" y="0"/>
+          <a:chExt cx="0" cy="0"/>
+        </a:xfrm>
+      </p:grpSpPr>
+      <p:sp>
+        <p:nvSpPr>
+          <p:cNvPr id="2" name="Title 1">
+            <a:extLst>
+              <a:ext uri="{FF2B5EF4-FFF2-40B4-BE49-F238E27FC236}">
+                <a16:creationId xmlns:a16="http://schemas.microsoft.com/office/drawing/2014/main" id="{93801E1B-9AC8-4F63-B3C8-3FC1C8DF4DCE}"/>
+              </a:ext>
+            </a:extLst>
+          </p:cNvPr>
+          <p:cNvSpPr>
+            <a:spLocks noGrp="1"/>
+          </p:cNvSpPr>
+          <p:nvPr>
+            <p:ph type="title"/>
+          </p:nvPr>
+        </p:nvSpPr>
+        <p:spPr/>
+        <p:txBody>
+          <a:bodyPr/>
+          <a:lstStyle/>
+          <a:p>
+            <a:r>
+              <a:rPr lang="en-US" dirty="0"/>
+              <a:t>Post Mortem</a:t>
+            </a:r>
+          </a:p>
+        </p:txBody>
+      </p:sp>
+      <p:sp>
+        <p:nvSpPr>
+          <p:cNvPr id="3" name="Content Placeholder 2">
+            <a:extLst>
+              <a:ext uri="{FF2B5EF4-FFF2-40B4-BE49-F238E27FC236}">
+                <a16:creationId xmlns:a16="http://schemas.microsoft.com/office/drawing/2014/main" id="{8E35C57D-5A64-4AAF-ADF0-89535A59628B}"/>
+              </a:ext>
+            </a:extLst>
+          </p:cNvPr>
+          <p:cNvSpPr>
+            <a:spLocks noGrp="1"/>
+          </p:cNvSpPr>
+          <p:nvPr>
+            <p:ph idx="1"/>
+          </p:nvPr>
+        </p:nvSpPr>
+        <p:spPr/>
+        <p:txBody>
+          <a:bodyPr>
+            <a:normAutofit fontScale="92500" lnSpcReduction="10000"/>
+          </a:bodyPr>
+          <a:lstStyle/>
+          <a:p>
+            <a:r>
+              <a:rPr lang="en-US" dirty="0"/>
+              <a:t>Discuss any difficulties that arose, and how you dealt with them</a:t>
+            </a:r>
+          </a:p>
+          <a:p>
+            <a:r>
+              <a:rPr lang="en-US" dirty="0"/>
+              <a:t>Discuss any additional questions that came up, but which you didn't have time to answer: What would you research next, if you had two more weeks?</a:t>
+            </a:r>
+          </a:p>
+          <a:p>
+            <a:endParaRPr lang="en-US" dirty="0"/>
+          </a:p>
+          <a:p>
+            <a:r>
+              <a:rPr lang="en-US" dirty="0"/>
+              <a:t>Data source for preventable hospitalizations was Medicare, could be skewing the data</a:t>
+            </a:r>
+          </a:p>
+          <a:p>
+            <a:r>
+              <a:rPr lang="en-US" dirty="0"/>
+              <a:t>Most of the behavioral data is gathered via a phone survey and is self reported, which can lead to bias issues. </a:t>
+            </a:r>
+          </a:p>
+          <a:p>
+            <a:r>
+              <a:rPr lang="en-US" dirty="0"/>
+              <a:t>Prevalence of unhealthy food, access to liquor stores</a:t>
+            </a:r>
+          </a:p>
+          <a:p>
+            <a:endParaRPr lang="en-US" dirty="0"/>
+          </a:p>
+          <a:p>
+            <a:endParaRPr lang="en-US" dirty="0"/>
+          </a:p>
+        </p:txBody>
+      </p:sp>
+    </p:spTree>
+    <p:extLst>
+      <p:ext uri="{BB962C8B-B14F-4D97-AF65-F5344CB8AC3E}">
+        <p14:creationId xmlns:p14="http://schemas.microsoft.com/office/powerpoint/2010/main" val="2555024565"/>
+      </p:ext>
+    </p:extLst>
+  </p:cSld>
+  <p:clrMapOvr>
+    <a:masterClrMapping/>
+  </p:clrMapOvr>
+  <mc:AlternateContent xmlns:mc="http://schemas.openxmlformats.org/markup-compatibility/2006" xmlns:p14="http://schemas.microsoft.com/office/powerpoint/2010/main">
+    <mc:Choice Requires="p14">
+      <p:transition spd="med" p14:dur="700">
+        <p:fade/>
+      </p:transition>
+    </mc:Choice>
+    <mc:Fallback xmlns="">
+      <p:transition spd="med">
+        <p:fade/>
+      </p:transition>
+    </mc:Fallback>
+  </mc:AlternateContent>
+</p:sld>
+</file>
+
+<file path=ppt/slides/slide24.xml><?xml version="1.0" encoding="utf-8"?>
+<p:sld xmlns:a="http://schemas.openxmlformats.org/drawingml/2006/main" xmlns:r="http://schemas.openxmlformats.org/officeDocument/2006/relationships" xmlns:p="http://schemas.openxmlformats.org/presentationml/2006/main">
+  <p:cSld>
+    <p:spTree>
+      <p:nvGrpSpPr>
+        <p:cNvPr id="1" name=""/>
+        <p:cNvGrpSpPr/>
+        <p:nvPr/>
+      </p:nvGrpSpPr>
+      <p:grpSpPr>
+        <a:xfrm>
+          <a:off x="0" y="0"/>
+          <a:ext cx="0" cy="0"/>
+          <a:chOff x="0" y="0"/>
+          <a:chExt cx="0" cy="0"/>
+        </a:xfrm>
+      </p:grpSpPr>
+      <p:sp>
+        <p:nvSpPr>
           <p:cNvPr id="3" name="Title 2"/>
           <p:cNvSpPr>
             <a:spLocks noGrp="1"/>
@@ -16950,7 +18792,7 @@
 </p:sld>
 </file>
 
-<file path=ppt/slides/slide16.xml><?xml version="1.0" encoding="utf-8"?>
+<file path=ppt/slides/slide25.xml><?xml version="1.0" encoding="utf-8"?>
 <p:sld xmlns:a="http://schemas.openxmlformats.org/drawingml/2006/main" xmlns:r="http://schemas.openxmlformats.org/officeDocument/2006/relationships" xmlns:p="http://schemas.openxmlformats.org/presentationml/2006/main">
   <p:cSld>
     <p:spTree>
@@ -17271,7 +19113,7 @@
 </p:sld>
 </file>
 
-<file path=ppt/slides/slide17.xml><?xml version="1.0" encoding="utf-8"?>
+<file path=ppt/slides/slide26.xml><?xml version="1.0" encoding="utf-8"?>
 <p:sld xmlns:a="http://schemas.openxmlformats.org/drawingml/2006/main" xmlns:r="http://schemas.openxmlformats.org/officeDocument/2006/relationships" xmlns:p="http://schemas.openxmlformats.org/presentationml/2006/main">
   <p:cSld>
     <p:spTree>
@@ -17586,7 +19428,7 @@
 </p:sld>
 </file>
 
-<file path=ppt/slides/slide18.xml><?xml version="1.0" encoding="utf-8"?>
+<file path=ppt/slides/slide27.xml><?xml version="1.0" encoding="utf-8"?>
 <p:sld xmlns:a="http://schemas.openxmlformats.org/drawingml/2006/main" xmlns:r="http://schemas.openxmlformats.org/officeDocument/2006/relationships" xmlns:p="http://schemas.openxmlformats.org/presentationml/2006/main">
   <p:cSld>
     <p:spTree>
@@ -17699,83 +19541,6 @@
     <p:extLst>
       <p:ext uri="{BB962C8B-B14F-4D97-AF65-F5344CB8AC3E}">
         <p14:creationId xmlns:p14="http://schemas.microsoft.com/office/powerpoint/2010/main" val="897847061"/>
-      </p:ext>
-    </p:extLst>
-  </p:cSld>
-  <p:clrMapOvr>
-    <a:masterClrMapping/>
-  </p:clrMapOvr>
-  <mc:AlternateContent xmlns:mc="http://schemas.openxmlformats.org/markup-compatibility/2006" xmlns:p14="http://schemas.microsoft.com/office/powerpoint/2010/main">
-    <mc:Choice Requires="p14">
-      <p:transition spd="med" p14:dur="700">
-        <p:fade/>
-      </p:transition>
-    </mc:Choice>
-    <mc:Fallback xmlns="">
-      <p:transition spd="med">
-        <p:fade/>
-      </p:transition>
-    </mc:Fallback>
-  </mc:AlternateContent>
-</p:sld>
-</file>
-
-<file path=ppt/slides/slide2.xml><?xml version="1.0" encoding="utf-8"?>
-<p:sld xmlns:a="http://schemas.openxmlformats.org/drawingml/2006/main" xmlns:r="http://schemas.openxmlformats.org/officeDocument/2006/relationships" xmlns:p="http://schemas.openxmlformats.org/presentationml/2006/main">
-  <p:cSld>
-    <p:spTree>
-      <p:nvGrpSpPr>
-        <p:cNvPr id="1" name=""/>
-        <p:cNvGrpSpPr/>
-        <p:nvPr/>
-      </p:nvGrpSpPr>
-      <p:grpSpPr>
-        <a:xfrm>
-          <a:off x="0" y="0"/>
-          <a:ext cx="0" cy="0"/>
-          <a:chOff x="0" y="0"/>
-          <a:chExt cx="0" cy="0"/>
-        </a:xfrm>
-      </p:grpSpPr>
-      <p:sp>
-        <p:nvSpPr>
-          <p:cNvPr id="2" name="Title 1">
-            <a:extLst>
-              <a:ext uri="{FF2B5EF4-FFF2-40B4-BE49-F238E27FC236}">
-                <a16:creationId xmlns:a16="http://schemas.microsoft.com/office/drawing/2014/main" id="{782DD051-32BC-4EEA-B089-E9D7BAB9AFE8}"/>
-              </a:ext>
-            </a:extLst>
-          </p:cNvPr>
-          <p:cNvSpPr>
-            <a:spLocks noGrp="1"/>
-          </p:cNvSpPr>
-          <p:nvPr>
-            <p:ph type="ctrTitle"/>
-          </p:nvPr>
-        </p:nvSpPr>
-        <p:spPr>
-          <a:xfrm>
-            <a:off x="1522414" y="1905000"/>
-            <a:ext cx="9143998" cy="2667000"/>
-          </a:xfrm>
-        </p:spPr>
-        <p:txBody>
-          <a:bodyPr anchor="b">
-            <a:normAutofit/>
-          </a:bodyPr>
-          <a:lstStyle/>
-          <a:p>
-            <a:r>
-              <a:rPr lang="en-US" dirty="0"/>
-              <a:t>Motivation &amp; Summary</a:t>
-            </a:r>
-          </a:p>
-        </p:txBody>
-      </p:sp>
-    </p:spTree>
-    <p:extLst>
-      <p:ext uri="{BB962C8B-B14F-4D97-AF65-F5344CB8AC3E}">
-        <p14:creationId xmlns:p14="http://schemas.microsoft.com/office/powerpoint/2010/main" val="3561769601"/>
       </p:ext>
     </p:extLst>
   </p:cSld>

--- a/Project Files/Presentation/Project One PowerPoint Presentation 2.pptx
+++ b/Project Files/Presentation/Project One PowerPoint Presentation 2.pptx
@@ -5,39 +5,41 @@
     <p:sldMasterId id="2147483924" r:id="rId1"/>
   </p:sldMasterIdLst>
   <p:notesMasterIdLst>
-    <p:notesMasterId r:id="rId29"/>
+    <p:notesMasterId r:id="rId31"/>
   </p:notesMasterIdLst>
   <p:handoutMasterIdLst>
-    <p:handoutMasterId r:id="rId30"/>
+    <p:handoutMasterId r:id="rId32"/>
   </p:handoutMasterIdLst>
   <p:sldIdLst>
     <p:sldId id="268" r:id="rId2"/>
     <p:sldId id="284" r:id="rId3"/>
-    <p:sldId id="280" r:id="rId4"/>
-    <p:sldId id="269" r:id="rId5"/>
-    <p:sldId id="279" r:id="rId6"/>
-    <p:sldId id="281" r:id="rId7"/>
-    <p:sldId id="277" r:id="rId8"/>
-    <p:sldId id="285" r:id="rId9"/>
-    <p:sldId id="271" r:id="rId10"/>
-    <p:sldId id="272" r:id="rId11"/>
-    <p:sldId id="282" r:id="rId12"/>
-    <p:sldId id="283" r:id="rId13"/>
-    <p:sldId id="273" r:id="rId14"/>
-    <p:sldId id="286" r:id="rId15"/>
-    <p:sldId id="295" r:id="rId16"/>
-    <p:sldId id="290" r:id="rId17"/>
-    <p:sldId id="287" r:id="rId18"/>
-    <p:sldId id="296" r:id="rId19"/>
-    <p:sldId id="291" r:id="rId20"/>
-    <p:sldId id="292" r:id="rId21"/>
-    <p:sldId id="294" r:id="rId22"/>
-    <p:sldId id="293" r:id="rId23"/>
-    <p:sldId id="288" r:id="rId24"/>
-    <p:sldId id="274" r:id="rId25"/>
-    <p:sldId id="275" r:id="rId26"/>
-    <p:sldId id="276" r:id="rId27"/>
-    <p:sldId id="278" r:id="rId28"/>
+    <p:sldId id="299" r:id="rId4"/>
+    <p:sldId id="298" r:id="rId5"/>
+    <p:sldId id="269" r:id="rId6"/>
+    <p:sldId id="279" r:id="rId7"/>
+    <p:sldId id="297" r:id="rId8"/>
+    <p:sldId id="281" r:id="rId9"/>
+    <p:sldId id="277" r:id="rId10"/>
+    <p:sldId id="285" r:id="rId11"/>
+    <p:sldId id="271" r:id="rId12"/>
+    <p:sldId id="272" r:id="rId13"/>
+    <p:sldId id="282" r:id="rId14"/>
+    <p:sldId id="283" r:id="rId15"/>
+    <p:sldId id="273" r:id="rId16"/>
+    <p:sldId id="286" r:id="rId17"/>
+    <p:sldId id="295" r:id="rId18"/>
+    <p:sldId id="290" r:id="rId19"/>
+    <p:sldId id="287" r:id="rId20"/>
+    <p:sldId id="296" r:id="rId21"/>
+    <p:sldId id="291" r:id="rId22"/>
+    <p:sldId id="292" r:id="rId23"/>
+    <p:sldId id="294" r:id="rId24"/>
+    <p:sldId id="293" r:id="rId25"/>
+    <p:sldId id="288" r:id="rId26"/>
+    <p:sldId id="274" r:id="rId27"/>
+    <p:sldId id="275" r:id="rId28"/>
+    <p:sldId id="276" r:id="rId29"/>
+    <p:sldId id="278" r:id="rId30"/>
   </p:sldIdLst>
   <p:sldSz cx="12188825" cy="6858000"/>
   <p:notesSz cx="6858000" cy="9144000"/>
@@ -9920,45 +9922,14 @@
               <a:buChar char="•"/>
             </a:pPr>
             <a:r>
+              <a:rPr lang="en-US" dirty="0"/>
+              <a:t>After determining sources, had to bring</a:t>
+            </a:r>
+            <a:r>
               <a:rPr lang="en-US" baseline="0" dirty="0"/>
-              <a:t>Weak correlation between fair health and income ratio</a:t>
-            </a:r>
-          </a:p>
-          <a:p>
-            <a:pPr marL="628650" lvl="1" indent="-171450">
-              <a:buFont typeface="Arial" panose="020B0604020202020204" pitchFamily="34" charset="0"/>
-              <a:buChar char="•"/>
-            </a:pPr>
-            <a:r>
-              <a:rPr lang="en-US" baseline="0" dirty="0"/>
-              <a:t>Income ratio = ratio of household income at 80</a:t>
-            </a:r>
-            <a:r>
-              <a:rPr lang="en-US" baseline="30000" dirty="0"/>
-              <a:t>th</a:t>
-            </a:r>
-            <a:r>
-              <a:rPr lang="en-US" baseline="0" dirty="0"/>
-              <a:t> percentile of median household income to income at the 20</a:t>
-            </a:r>
-            <a:r>
-              <a:rPr lang="en-US" baseline="30000" dirty="0"/>
-              <a:t>th</a:t>
-            </a:r>
-            <a:r>
-              <a:rPr lang="en-US" baseline="0" dirty="0"/>
-              <a:t> percentile</a:t>
-            </a:r>
-          </a:p>
-          <a:p>
-            <a:pPr marL="171450" lvl="0" indent="-171450">
-              <a:buFont typeface="Arial" panose="020B0604020202020204" pitchFamily="34" charset="0"/>
-              <a:buChar char="•"/>
-            </a:pPr>
-            <a:r>
-              <a:rPr lang="en-US" dirty="0"/>
-              <a:t>Thought that there would be stronger correlation – lower ratio would see higher health since less of a gap</a:t>
-            </a:r>
+              <a:t> all data together to perform desired analysis</a:t>
+            </a:r>
+            <a:endParaRPr lang="en-US" dirty="0"/>
           </a:p>
         </p:txBody>
       </p:sp>
@@ -9969,7 +9940,7 @@
             <a:spLocks noGrp="1"/>
           </p:cNvSpPr>
           <p:nvPr>
-            <p:ph type="sldNum" sz="quarter" idx="10"/>
+            <p:ph type="sldNum" sz="quarter" idx="5"/>
           </p:nvPr>
         </p:nvSpPr>
         <p:spPr/>
@@ -9979,7 +9950,7 @@
           <a:p>
             <a:fld id="{BF105DB2-FD3E-441D-8B7E-7AE83ECE27B3}" type="slidenum">
               <a:rPr lang="en-US" smtClean="0"/>
-              <a:t>11</a:t>
+              <a:t>10</a:t>
             </a:fld>
             <a:endParaRPr lang="en-US" dirty="0"/>
           </a:p>
@@ -9988,7 +9959,7 @@
     </p:spTree>
     <p:extLst>
       <p:ext uri="{BB962C8B-B14F-4D97-AF65-F5344CB8AC3E}">
-        <p14:creationId xmlns:p14="http://schemas.microsoft.com/office/powerpoint/2010/main" val="4258353429"/>
+        <p14:creationId xmlns:p14="http://schemas.microsoft.com/office/powerpoint/2010/main" val="4268257121"/>
       </p:ext>
     </p:extLst>
   </p:cSld>
@@ -10047,8 +10018,159 @@
               <a:buChar char="•"/>
             </a:pPr>
             <a:r>
+              <a:rPr lang="en-US" dirty="0"/>
+              <a:t>Understanding data</a:t>
+            </a:r>
+          </a:p>
+          <a:p>
+            <a:pPr marL="628650" lvl="1" indent="-171450">
+              <a:buFont typeface="Arial" panose="020B0604020202020204" pitchFamily="34" charset="0"/>
+              <a:buChar char="•"/>
+            </a:pPr>
+            <a:r>
+              <a:rPr lang="en-US" dirty="0"/>
+              <a:t>County</a:t>
+            </a:r>
+            <a:r>
               <a:rPr lang="en-US" baseline="0" dirty="0"/>
-              <a:t>20 highest-ranking counties with poor health fell into 6 states</a:t>
+              <a:t> Health Rankings (CHR) had wealth of information</a:t>
+            </a:r>
+          </a:p>
+          <a:p>
+            <a:pPr marL="628650" lvl="1" indent="-171450">
+              <a:buFont typeface="Arial" panose="020B0604020202020204" pitchFamily="34" charset="0"/>
+              <a:buChar char="•"/>
+            </a:pPr>
+            <a:r>
+              <a:rPr lang="en-US" baseline="0" dirty="0"/>
+              <a:t>Hours spent reviewing documentation/asking additional questions</a:t>
+            </a:r>
+          </a:p>
+          <a:p>
+            <a:pPr marL="1085850" lvl="2" indent="-171450">
+              <a:buFont typeface="Arial" panose="020B0604020202020204" pitchFamily="34" charset="0"/>
+              <a:buChar char="•"/>
+            </a:pPr>
+            <a:r>
+              <a:rPr lang="en-US" baseline="0" dirty="0"/>
+              <a:t>Meanings of ratios</a:t>
+            </a:r>
+          </a:p>
+          <a:p>
+            <a:pPr marL="1085850" lvl="2" indent="-171450">
+              <a:buFont typeface="Arial" panose="020B0604020202020204" pitchFamily="34" charset="0"/>
+              <a:buChar char="•"/>
+            </a:pPr>
+            <a:r>
+              <a:rPr lang="en-US" baseline="0" dirty="0"/>
+              <a:t>How data were grouped</a:t>
+            </a:r>
+          </a:p>
+          <a:p>
+            <a:pPr marL="171450" lvl="0" indent="-171450">
+              <a:buFont typeface="Arial" panose="020B0604020202020204" pitchFamily="34" charset="0"/>
+              <a:buChar char="•"/>
+            </a:pPr>
+            <a:r>
+              <a:rPr lang="en-US" baseline="0" dirty="0"/>
+              <a:t>Narrow focus</a:t>
+            </a:r>
+          </a:p>
+          <a:p>
+            <a:pPr marL="628650" lvl="1" indent="-171450">
+              <a:buFont typeface="Arial" panose="020B0604020202020204" pitchFamily="34" charset="0"/>
+              <a:buChar char="•"/>
+            </a:pPr>
+            <a:r>
+              <a:rPr lang="en-US" baseline="0" dirty="0"/>
+              <a:t>Continued to think about other comparisons but had to narrow focus</a:t>
+            </a:r>
+          </a:p>
+          <a:p>
+            <a:pPr marL="628650" lvl="1" indent="-171450">
+              <a:buFont typeface="Arial" panose="020B0604020202020204" pitchFamily="34" charset="0"/>
+              <a:buChar char="•"/>
+            </a:pPr>
+            <a:r>
+              <a:rPr lang="en-US" baseline="0" dirty="0"/>
+              <a:t>Created filtered </a:t>
+            </a:r>
+            <a:r>
+              <a:rPr lang="en-US" baseline="0" dirty="0" err="1"/>
+              <a:t>dataframe</a:t>
+            </a:r>
+            <a:r>
+              <a:rPr lang="en-US" baseline="0" dirty="0"/>
+              <a:t> that contained only information we could analyze within given timeframe</a:t>
+            </a:r>
+          </a:p>
+          <a:p>
+            <a:pPr marL="628650" lvl="1" indent="-171450">
+              <a:buFont typeface="Arial" panose="020B0604020202020204" pitchFamily="34" charset="0"/>
+              <a:buChar char="•"/>
+            </a:pPr>
+            <a:r>
+              <a:rPr lang="en-US" baseline="0" dirty="0"/>
+              <a:t>Decided to look at top and bottom 20 counties within U.S. based on % fair health</a:t>
+            </a:r>
+          </a:p>
+          <a:p>
+            <a:pPr marL="171450" lvl="0" indent="-171450">
+              <a:buFont typeface="Arial" panose="020B0604020202020204" pitchFamily="34" charset="0"/>
+              <a:buChar char="•"/>
+            </a:pPr>
+            <a:r>
+              <a:rPr lang="en-US" baseline="0" dirty="0"/>
+              <a:t>Prepare data</a:t>
+            </a:r>
+          </a:p>
+          <a:p>
+            <a:pPr marL="628650" lvl="1" indent="-171450">
+              <a:buFont typeface="Arial" panose="020B0604020202020204" pitchFamily="34" charset="0"/>
+              <a:buChar char="•"/>
+            </a:pPr>
+            <a:r>
+              <a:rPr lang="en-US" baseline="0" dirty="0"/>
+              <a:t>Ranking assigned in CHR was not what we wanted to analyze</a:t>
+            </a:r>
+          </a:p>
+          <a:p>
+            <a:pPr marL="1085850" lvl="2" indent="-171450">
+              <a:buFont typeface="Arial" panose="020B0604020202020204" pitchFamily="34" charset="0"/>
+              <a:buChar char="•"/>
+            </a:pPr>
+            <a:r>
+              <a:rPr lang="en-US" baseline="0" dirty="0"/>
+              <a:t>By state, not entire country</a:t>
+            </a:r>
+          </a:p>
+          <a:p>
+            <a:pPr marL="1085850" lvl="2" indent="-171450">
+              <a:buFont typeface="Arial" panose="020B0604020202020204" pitchFamily="34" charset="0"/>
+              <a:buChar char="•"/>
+            </a:pPr>
+            <a:endParaRPr lang="en-US" baseline="0" dirty="0"/>
+          </a:p>
+          <a:p>
+            <a:pPr marL="628650" lvl="1" indent="-171450">
+              <a:buFont typeface="Arial" panose="020B0604020202020204" pitchFamily="34" charset="0"/>
+              <a:buChar char="•"/>
+            </a:pPr>
+            <a:r>
+              <a:rPr lang="en-US" baseline="0" dirty="0"/>
+              <a:t>Added state and location (latitude/longitude) to </a:t>
+            </a:r>
+            <a:r>
+              <a:rPr lang="en-US" baseline="0" dirty="0" err="1"/>
+              <a:t>dataframe</a:t>
+            </a:r>
+            <a:r>
+              <a:rPr lang="en-US" baseline="0" dirty="0"/>
+              <a:t> to allow for </a:t>
+            </a:r>
+            <a:r>
+              <a:rPr lang="en-US" baseline="0" dirty="0" err="1"/>
+              <a:t>geoanalysis</a:t>
             </a:r>
             <a:endParaRPr lang="en-US" dirty="0"/>
           </a:p>
@@ -10071,7 +10193,7 @@
           <a:p>
             <a:fld id="{BF105DB2-FD3E-441D-8B7E-7AE83ECE27B3}" type="slidenum">
               <a:rPr lang="en-US" smtClean="0"/>
-              <a:t>12</a:t>
+              <a:t>11</a:t>
             </a:fld>
             <a:endParaRPr lang="en-US" dirty="0"/>
           </a:p>
@@ -10080,7 +10202,7 @@
     </p:spTree>
     <p:extLst>
       <p:ext uri="{BB962C8B-B14F-4D97-AF65-F5344CB8AC3E}">
-        <p14:creationId xmlns:p14="http://schemas.microsoft.com/office/powerpoint/2010/main" val="2352331983"/>
+        <p14:creationId xmlns:p14="http://schemas.microsoft.com/office/powerpoint/2010/main" val="2805730251"/>
       </p:ext>
     </p:extLst>
   </p:cSld>
@@ -10140,7 +10262,11 @@
             </a:pPr>
             <a:r>
               <a:rPr lang="en-US" dirty="0"/>
-              <a:t>Challenging to get data into desired format for analysis</a:t>
+              <a:t>Initially overwhelmed</a:t>
+            </a:r>
+            <a:r>
+              <a:rPr lang="en-US" baseline="0" dirty="0"/>
+              <a:t> by amount of data available for U.S. counties</a:t>
             </a:r>
           </a:p>
           <a:p>
@@ -10149,8 +10275,18 @@
               <a:buChar char="•"/>
             </a:pPr>
             <a:r>
-              <a:rPr lang="en-US" dirty="0"/>
-              <a:t>Wanted to show all of a certain place type in relation to county</a:t>
+              <a:rPr lang="en-US" baseline="0" dirty="0"/>
+              <a:t>Went through plethora of comparisons/analyses</a:t>
+            </a:r>
+          </a:p>
+          <a:p>
+            <a:pPr marL="171450" indent="-171450">
+              <a:buFont typeface="Arial" panose="020B0604020202020204" pitchFamily="34" charset="0"/>
+              <a:buChar char="•"/>
+            </a:pPr>
+            <a:r>
+              <a:rPr lang="en-US" baseline="0" dirty="0"/>
+              <a:t>Surprised by weak correlation between fair health and obesity</a:t>
             </a:r>
           </a:p>
           <a:p>
@@ -10159,8 +10295,8 @@
               <a:buChar char="•"/>
             </a:pPr>
             <a:r>
-              <a:rPr lang="en-US" dirty="0"/>
-              <a:t>“Nearby” just returns nearest place type</a:t>
+              <a:rPr lang="en-US" baseline="0" dirty="0"/>
+              <a:t>Obesity defined as adults reporting BMI &gt;30</a:t>
             </a:r>
           </a:p>
           <a:p>
@@ -10169,96 +10305,9 @@
               <a:buChar char="•"/>
             </a:pPr>
             <a:r>
-              <a:rPr lang="en-US" dirty="0"/>
-              <a:t>Would like to see if counties with higher fair health scores have more parks, gyms, health care providers, etc.</a:t>
-            </a:r>
-          </a:p>
-          <a:p>
-            <a:pPr marL="171450" lvl="0" indent="-171450">
-              <a:buFont typeface="Arial" panose="020B0604020202020204" pitchFamily="34" charset="0"/>
-              <a:buChar char="•"/>
-            </a:pPr>
-            <a:r>
-              <a:rPr lang="en-US" dirty="0"/>
-              <a:t>Previously mentioned that “Preventable Hospital Stays” limited to Medicare Enrollees</a:t>
-            </a:r>
-          </a:p>
-          <a:p>
-            <a:pPr marL="628650" lvl="1" indent="-171450">
-              <a:buFont typeface="Arial" panose="020B0604020202020204" pitchFamily="34" charset="0"/>
-              <a:buChar char="•"/>
-            </a:pPr>
-            <a:r>
-              <a:rPr lang="en-US" dirty="0"/>
-              <a:t>Could have looked for other data source to try to get this for entire population</a:t>
-            </a:r>
-          </a:p>
-          <a:p>
-            <a:pPr marL="171450" lvl="0" indent="-171450">
-              <a:buFont typeface="Arial" panose="020B0604020202020204" pitchFamily="34" charset="0"/>
-              <a:buChar char="•"/>
-            </a:pPr>
-            <a:r>
-              <a:rPr lang="en-US" dirty="0"/>
-              <a:t>Data accuracy</a:t>
-            </a:r>
-          </a:p>
-          <a:p>
-            <a:pPr marL="628650" lvl="1" indent="-171450">
-              <a:buFont typeface="Arial" panose="020B0604020202020204" pitchFamily="34" charset="0"/>
-              <a:buChar char="•"/>
-            </a:pPr>
-            <a:r>
-              <a:rPr lang="en-US" dirty="0"/>
-              <a:t>Were respondents truthful about alcohol consumption, obesity, mental/physical health, etc.?</a:t>
-            </a:r>
-          </a:p>
-          <a:p>
-            <a:pPr marL="171450" lvl="0" indent="-171450">
-              <a:buFont typeface="Arial" panose="020B0604020202020204" pitchFamily="34" charset="0"/>
-              <a:buChar char="•"/>
-            </a:pPr>
-            <a:r>
-              <a:rPr lang="en-US" dirty="0"/>
-              <a:t>Research tasks</a:t>
-            </a:r>
-          </a:p>
-          <a:p>
-            <a:pPr marL="628650" lvl="1" indent="-171450">
-              <a:buFont typeface="Arial" panose="020B0604020202020204" pitchFamily="34" charset="0"/>
-              <a:buChar char="•"/>
-            </a:pPr>
-            <a:r>
-              <a:rPr lang="en-US" dirty="0"/>
-              <a:t>Tried doing some research individually but kept regrouping because new questions arose</a:t>
-            </a:r>
-          </a:p>
-          <a:p>
-            <a:pPr marL="628650" lvl="1" indent="-171450">
-              <a:buFont typeface="Arial" panose="020B0604020202020204" pitchFamily="34" charset="0"/>
-              <a:buChar char="•"/>
-            </a:pPr>
-            <a:r>
-              <a:rPr lang="en-US" dirty="0"/>
-              <a:t>Found it more effective to assign certain tasks to each person then work through each as group</a:t>
-            </a:r>
-          </a:p>
-          <a:p>
-            <a:pPr marL="628650" lvl="1" indent="-171450">
-              <a:buFont typeface="Arial" panose="020B0604020202020204" pitchFamily="34" charset="0"/>
-              <a:buChar char="•"/>
-            </a:pPr>
-            <a:r>
-              <a:rPr lang="en-US" dirty="0"/>
-              <a:t>Assisted in real-time</a:t>
-            </a:r>
-          </a:p>
-          <a:p>
-            <a:pPr marL="628650" lvl="1" indent="-171450">
-              <a:buFont typeface="Arial" panose="020B0604020202020204" pitchFamily="34" charset="0"/>
-              <a:buChar char="•"/>
-            </a:pPr>
-            <a:endParaRPr lang="en-US" dirty="0"/>
+              <a:rPr lang="en-US" baseline="0" dirty="0"/>
+              <a:t>Respondents may not have been truthful or understood how to define themselves as obese</a:t>
+            </a:r>
           </a:p>
         </p:txBody>
       </p:sp>
@@ -10279,7 +10328,7 @@
           <a:p>
             <a:fld id="{BF105DB2-FD3E-441D-8B7E-7AE83ECE27B3}" type="slidenum">
               <a:rPr lang="en-US" smtClean="0"/>
-              <a:t>13</a:t>
+              <a:t>12</a:t>
             </a:fld>
             <a:endParaRPr lang="en-US" dirty="0"/>
           </a:p>
@@ -10288,7 +10337,7 @@
     </p:spTree>
     <p:extLst>
       <p:ext uri="{BB962C8B-B14F-4D97-AF65-F5344CB8AC3E}">
-        <p14:creationId xmlns:p14="http://schemas.microsoft.com/office/powerpoint/2010/main" val="1400489487"/>
+        <p14:creationId xmlns:p14="http://schemas.microsoft.com/office/powerpoint/2010/main" val="1965874506"/>
       </p:ext>
     </p:extLst>
   </p:cSld>
@@ -10347,14 +10396,45 @@
               <a:buChar char="•"/>
             </a:pPr>
             <a:r>
+              <a:rPr lang="en-US" baseline="0" dirty="0"/>
+              <a:t>Weak correlation between fair health and income ratio</a:t>
+            </a:r>
+          </a:p>
+          <a:p>
+            <a:pPr marL="628650" lvl="1" indent="-171450">
+              <a:buFont typeface="Arial" panose="020B0604020202020204" pitchFamily="34" charset="0"/>
+              <a:buChar char="•"/>
+            </a:pPr>
+            <a:r>
+              <a:rPr lang="en-US" baseline="0" dirty="0"/>
+              <a:t>Income ratio = ratio of household income at 80</a:t>
+            </a:r>
+            <a:r>
+              <a:rPr lang="en-US" baseline="30000" dirty="0"/>
+              <a:t>th</a:t>
+            </a:r>
+            <a:r>
+              <a:rPr lang="en-US" baseline="0" dirty="0"/>
+              <a:t> percentile of median household income to income at the 20</a:t>
+            </a:r>
+            <a:r>
+              <a:rPr lang="en-US" baseline="30000" dirty="0"/>
+              <a:t>th</a:t>
+            </a:r>
+            <a:r>
+              <a:rPr lang="en-US" baseline="0" dirty="0"/>
+              <a:t> percentile</a:t>
+            </a:r>
+          </a:p>
+          <a:p>
+            <a:pPr marL="171450" lvl="0" indent="-171450">
+              <a:buFont typeface="Arial" panose="020B0604020202020204" pitchFamily="34" charset="0"/>
+              <a:buChar char="•"/>
+            </a:pPr>
+            <a:r>
               <a:rPr lang="en-US" dirty="0"/>
-              <a:t>After determining sources, had to bring</a:t>
-            </a:r>
-            <a:r>
-              <a:rPr lang="en-US" baseline="0" dirty="0"/>
-              <a:t> all data together to perform desired analysis</a:t>
-            </a:r>
-            <a:endParaRPr lang="en-US" dirty="0"/>
+              <a:t>Thought that there would be stronger correlation – lower ratio would see higher health since less of a gap</a:t>
+            </a:r>
           </a:p>
         </p:txBody>
       </p:sp>
@@ -10365,7 +10445,7 @@
             <a:spLocks noGrp="1"/>
           </p:cNvSpPr>
           <p:nvPr>
-            <p:ph type="sldNum" sz="quarter" idx="5"/>
+            <p:ph type="sldNum" sz="quarter" idx="10"/>
           </p:nvPr>
         </p:nvSpPr>
         <p:spPr/>
@@ -10375,7 +10455,7 @@
           <a:p>
             <a:fld id="{BF105DB2-FD3E-441D-8B7E-7AE83ECE27B3}" type="slidenum">
               <a:rPr lang="en-US" smtClean="0"/>
-              <a:t>14</a:t>
+              <a:t>13</a:t>
             </a:fld>
             <a:endParaRPr lang="en-US" dirty="0"/>
           </a:p>
@@ -10384,7 +10464,7 @@
     </p:spTree>
     <p:extLst>
       <p:ext uri="{BB962C8B-B14F-4D97-AF65-F5344CB8AC3E}">
-        <p14:creationId xmlns:p14="http://schemas.microsoft.com/office/powerpoint/2010/main" val="3434819711"/>
+        <p14:creationId xmlns:p14="http://schemas.microsoft.com/office/powerpoint/2010/main" val="4258353429"/>
       </p:ext>
     </p:extLst>
   </p:cSld>
@@ -10438,124 +10518,13 @@
           <a:bodyPr/>
           <a:lstStyle/>
           <a:p>
-            <a:r>
-              <a:rPr lang="en-US" b="0" i="0" dirty="0">
-                <a:solidFill>
-                  <a:srgbClr val="555555"/>
-                </a:solidFill>
-                <a:effectLst/>
-                <a:latin typeface="Lato"/>
-              </a:rPr>
-              <a:t>Physical Inactivity is based on responses to the Behavioral Risk Factor Surveillance Survey and is the percentage of adults ages 20 and over reporting no leisure-time physical activity in the past month.</a:t>
-            </a:r>
-          </a:p>
-          <a:p>
-            <a:endParaRPr lang="en-US" b="0" i="0" dirty="0">
-              <a:solidFill>
-                <a:srgbClr val="555555"/>
-              </a:solidFill>
-              <a:effectLst/>
-              <a:latin typeface="Lato"/>
-            </a:endParaRPr>
-          </a:p>
-          <a:p>
-            <a:pPr algn="l"/>
-            <a:r>
-              <a:rPr lang="en-US" b="0" i="0" dirty="0">
-                <a:solidFill>
-                  <a:srgbClr val="555555"/>
-                </a:solidFill>
-                <a:effectLst/>
-                <a:latin typeface="Lato"/>
-              </a:rPr>
-              <a:t>Access to Exercise Opportunities measures the percentage of individuals in a county who live reasonably close to a location for physical activity. Locations for physical activity are defined as parks or recreational facilities. Individuals are considered to have access to exercise opportunities if they:</a:t>
-            </a:r>
-          </a:p>
-          <a:p>
-            <a:pPr algn="l"/>
-            <a:r>
-              <a:rPr lang="en-US" b="0" i="0" dirty="0">
-                <a:solidFill>
-                  <a:srgbClr val="555555"/>
-                </a:solidFill>
-                <a:effectLst/>
-                <a:latin typeface="Lato"/>
-              </a:rPr>
-              <a:t>• reside in a census block that is within a half mile of a park, or</a:t>
-            </a:r>
-            <a:br>
-              <a:rPr lang="en-US" b="0" i="0" dirty="0">
-                <a:solidFill>
-                  <a:srgbClr val="555555"/>
-                </a:solidFill>
-                <a:effectLst/>
-                <a:latin typeface="Lato"/>
-              </a:rPr>
-            </a:br>
-            <a:r>
-              <a:rPr lang="en-US" b="0" i="0" dirty="0">
-                <a:solidFill>
-                  <a:srgbClr val="555555"/>
-                </a:solidFill>
-                <a:effectLst/>
-                <a:latin typeface="Lato"/>
-              </a:rPr>
-              <a:t>• reside in an urban census block that is within one mile of a recreational facility, or</a:t>
-            </a:r>
-            <a:br>
-              <a:rPr lang="en-US" b="0" i="0" dirty="0">
-                <a:solidFill>
-                  <a:srgbClr val="555555"/>
-                </a:solidFill>
-                <a:effectLst/>
-                <a:latin typeface="Lato"/>
-              </a:rPr>
-            </a:br>
-            <a:r>
-              <a:rPr lang="en-US" b="0" i="0" dirty="0">
-                <a:solidFill>
-                  <a:srgbClr val="555555"/>
-                </a:solidFill>
-                <a:effectLst/>
-                <a:latin typeface="Lato"/>
-              </a:rPr>
-              <a:t>• reside in a rural census block that is within three miles of a recreational facility.</a:t>
-            </a:r>
-          </a:p>
-          <a:p>
-            <a:endParaRPr lang="en-US" dirty="0"/>
-          </a:p>
-          <a:p>
-            <a:r>
-              <a:rPr lang="en-US" b="0" i="0" dirty="0">
-                <a:solidFill>
-                  <a:srgbClr val="555555"/>
-                </a:solidFill>
-                <a:effectLst/>
-                <a:latin typeface="Lato"/>
-              </a:rPr>
-              <a:t>The </a:t>
-            </a:r>
-            <a:r>
-              <a:rPr lang="en-US" b="0" i="0" u="none" strike="noStrike" dirty="0">
-                <a:solidFill>
-                  <a:srgbClr val="1B70B6"/>
-                </a:solidFill>
-                <a:effectLst/>
-                <a:latin typeface="Lato"/>
-                <a:hlinkClick r:id="rId3"/>
-              </a:rPr>
-              <a:t>Walk Score</a:t>
-            </a:r>
-            <a:r>
-              <a:rPr lang="en-US" b="0" i="0" dirty="0">
-                <a:solidFill>
-                  <a:srgbClr val="555555"/>
-                </a:solidFill>
-                <a:effectLst/>
-                <a:latin typeface="Lato"/>
-              </a:rPr>
-              <a:t> site lets you insert any address and find the walkability of that location</a:t>
+            <a:pPr marL="171450" indent="-171450">
+              <a:buFont typeface="Arial" panose="020B0604020202020204" pitchFamily="34" charset="0"/>
+              <a:buChar char="•"/>
+            </a:pPr>
+            <a:r>
+              <a:rPr lang="en-US" baseline="0" dirty="0"/>
+              <a:t>20 highest-ranking counties with poor health fell into 6 states</a:t>
             </a:r>
             <a:endParaRPr lang="en-US" dirty="0"/>
           </a:p>
@@ -10568,7 +10537,7 @@
             <a:spLocks noGrp="1"/>
           </p:cNvSpPr>
           <p:nvPr>
-            <p:ph type="sldNum" sz="quarter" idx="5"/>
+            <p:ph type="sldNum" sz="quarter" idx="10"/>
           </p:nvPr>
         </p:nvSpPr>
         <p:spPr/>
@@ -10576,78 +10545,18 @@
           <a:bodyPr/>
           <a:lstStyle/>
           <a:p>
-            <a:pPr marL="0" marR="0" lvl="0" indent="0" algn="r" defTabSz="914400" rtl="0" eaLnBrk="1" fontAlgn="auto" latinLnBrk="0" hangingPunct="1">
-              <a:lnSpc>
-                <a:spcPct val="100000"/>
-              </a:lnSpc>
-              <a:spcBef>
-                <a:spcPts val="0"/>
-              </a:spcBef>
-              <a:spcAft>
-                <a:spcPts val="0"/>
-              </a:spcAft>
-              <a:buClrTx/>
-              <a:buSzTx/>
-              <a:buFontTx/>
-              <a:buNone/>
-              <a:tabLst/>
-              <a:defRPr/>
-            </a:pPr>
             <a:fld id="{BF105DB2-FD3E-441D-8B7E-7AE83ECE27B3}" type="slidenum">
-              <a:rPr kumimoji="0" lang="en-US" sz="1200" b="0" i="0" u="none" strike="noStrike" kern="1200" cap="none" spc="0" normalizeH="0" baseline="0" noProof="0" smtClean="0">
-                <a:ln>
-                  <a:noFill/>
-                </a:ln>
-                <a:solidFill>
-                  <a:prstClr val="black"/>
-                </a:solidFill>
-                <a:effectLst/>
-                <a:uLnTx/>
-                <a:uFillTx/>
-                <a:latin typeface="Calibri" panose="020F0502020204030204"/>
-                <a:ea typeface="+mn-ea"/>
-                <a:cs typeface="+mn-cs"/>
-              </a:rPr>
-              <a:pPr marL="0" marR="0" lvl="0" indent="0" algn="r" defTabSz="914400" rtl="0" eaLnBrk="1" fontAlgn="auto" latinLnBrk="0" hangingPunct="1">
-                <a:lnSpc>
-                  <a:spcPct val="100000"/>
-                </a:lnSpc>
-                <a:spcBef>
-                  <a:spcPts val="0"/>
-                </a:spcBef>
-                <a:spcAft>
-                  <a:spcPts val="0"/>
-                </a:spcAft>
-                <a:buClrTx/>
-                <a:buSzTx/>
-                <a:buFontTx/>
-                <a:buNone/>
-                <a:tabLst/>
-                <a:defRPr/>
-              </a:pPr>
-              <a:t>18</a:t>
+              <a:rPr lang="en-US" smtClean="0"/>
+              <a:t>14</a:t>
             </a:fld>
-            <a:endParaRPr kumimoji="0" lang="en-US" sz="1200" b="0" i="0" u="none" strike="noStrike" kern="1200" cap="none" spc="0" normalizeH="0" baseline="0" noProof="0" dirty="0">
-              <a:ln>
-                <a:noFill/>
-              </a:ln>
-              <a:solidFill>
-                <a:prstClr val="black"/>
-              </a:solidFill>
-              <a:effectLst/>
-              <a:uLnTx/>
-              <a:uFillTx/>
-              <a:latin typeface="Calibri" panose="020F0502020204030204"/>
-              <a:ea typeface="+mn-ea"/>
-              <a:cs typeface="+mn-cs"/>
-            </a:endParaRPr>
+            <a:endParaRPr lang="en-US" dirty="0"/>
           </a:p>
         </p:txBody>
       </p:sp>
     </p:spTree>
     <p:extLst>
       <p:ext uri="{BB962C8B-B14F-4D97-AF65-F5344CB8AC3E}">
-        <p14:creationId xmlns:p14="http://schemas.microsoft.com/office/powerpoint/2010/main" val="1028552949"/>
+        <p14:creationId xmlns:p14="http://schemas.microsoft.com/office/powerpoint/2010/main" val="2352331983"/>
       </p:ext>
     </p:extLst>
   </p:cSld>
@@ -10701,16 +10610,130 @@
           <a:bodyPr/>
           <a:lstStyle/>
           <a:p>
-            <a:r>
-              <a:rPr lang="en-US" b="0" i="0" dirty="0">
-                <a:solidFill>
-                  <a:srgbClr val="555555"/>
-                </a:solidFill>
-                <a:effectLst/>
-                <a:latin typeface="Lato"/>
-              </a:rPr>
-              <a:t>The Behavioral Risk Factor Surveillance System (BRFSS) is a state-based random digit dial (RDD) telephone survey that is conducted annually in all states, the District of Columbia, and U.S. territories. Data obtained from the BRFSS are representative of each state’s total non-institutionalized population over 18 years of age and have included more than 400,000 annual respondents with landline telephones or cellphones since 2011.</a:t>
-            </a:r>
+            <a:pPr marL="171450" indent="-171450">
+              <a:buFont typeface="Arial" panose="020B0604020202020204" pitchFamily="34" charset="0"/>
+              <a:buChar char="•"/>
+            </a:pPr>
+            <a:r>
+              <a:rPr lang="en-US" dirty="0"/>
+              <a:t>Challenging to get data into desired format for analysis</a:t>
+            </a:r>
+          </a:p>
+          <a:p>
+            <a:pPr marL="171450" indent="-171450">
+              <a:buFont typeface="Arial" panose="020B0604020202020204" pitchFamily="34" charset="0"/>
+              <a:buChar char="•"/>
+            </a:pPr>
+            <a:r>
+              <a:rPr lang="en-US" dirty="0"/>
+              <a:t>Wanted to show all of a certain place type in relation to county</a:t>
+            </a:r>
+          </a:p>
+          <a:p>
+            <a:pPr marL="628650" lvl="1" indent="-171450">
+              <a:buFont typeface="Arial" panose="020B0604020202020204" pitchFamily="34" charset="0"/>
+              <a:buChar char="•"/>
+            </a:pPr>
+            <a:r>
+              <a:rPr lang="en-US" dirty="0"/>
+              <a:t>“Nearby” just returns nearest place type</a:t>
+            </a:r>
+          </a:p>
+          <a:p>
+            <a:pPr marL="628650" lvl="1" indent="-171450">
+              <a:buFont typeface="Arial" panose="020B0604020202020204" pitchFamily="34" charset="0"/>
+              <a:buChar char="•"/>
+            </a:pPr>
+            <a:r>
+              <a:rPr lang="en-US" dirty="0"/>
+              <a:t>Would like to see if counties with higher fair health scores have more parks, gyms, health care providers, etc.</a:t>
+            </a:r>
+          </a:p>
+          <a:p>
+            <a:pPr marL="171450" lvl="0" indent="-171450">
+              <a:buFont typeface="Arial" panose="020B0604020202020204" pitchFamily="34" charset="0"/>
+              <a:buChar char="•"/>
+            </a:pPr>
+            <a:r>
+              <a:rPr lang="en-US" dirty="0"/>
+              <a:t>Previously mentioned that “Preventable Hospital Stays” limited to Medicare Enrollees</a:t>
+            </a:r>
+          </a:p>
+          <a:p>
+            <a:pPr marL="628650" lvl="1" indent="-171450">
+              <a:buFont typeface="Arial" panose="020B0604020202020204" pitchFamily="34" charset="0"/>
+              <a:buChar char="•"/>
+            </a:pPr>
+            <a:r>
+              <a:rPr lang="en-US" dirty="0"/>
+              <a:t>Could have looked for other data source to try to get this for entire population</a:t>
+            </a:r>
+          </a:p>
+          <a:p>
+            <a:pPr marL="171450" lvl="0" indent="-171450">
+              <a:buFont typeface="Arial" panose="020B0604020202020204" pitchFamily="34" charset="0"/>
+              <a:buChar char="•"/>
+            </a:pPr>
+            <a:r>
+              <a:rPr lang="en-US" dirty="0"/>
+              <a:t>Data accuracy</a:t>
+            </a:r>
+          </a:p>
+          <a:p>
+            <a:pPr marL="628650" lvl="1" indent="-171450">
+              <a:buFont typeface="Arial" panose="020B0604020202020204" pitchFamily="34" charset="0"/>
+              <a:buChar char="•"/>
+            </a:pPr>
+            <a:r>
+              <a:rPr lang="en-US" dirty="0"/>
+              <a:t>Were respondents truthful about alcohol consumption, obesity, mental/physical health, etc.?</a:t>
+            </a:r>
+          </a:p>
+          <a:p>
+            <a:pPr marL="171450" lvl="0" indent="-171450">
+              <a:buFont typeface="Arial" panose="020B0604020202020204" pitchFamily="34" charset="0"/>
+              <a:buChar char="•"/>
+            </a:pPr>
+            <a:r>
+              <a:rPr lang="en-US" dirty="0"/>
+              <a:t>Research tasks</a:t>
+            </a:r>
+          </a:p>
+          <a:p>
+            <a:pPr marL="628650" lvl="1" indent="-171450">
+              <a:buFont typeface="Arial" panose="020B0604020202020204" pitchFamily="34" charset="0"/>
+              <a:buChar char="•"/>
+            </a:pPr>
+            <a:r>
+              <a:rPr lang="en-US" dirty="0"/>
+              <a:t>Tried doing some research individually but kept regrouping because new questions arose</a:t>
+            </a:r>
+          </a:p>
+          <a:p>
+            <a:pPr marL="628650" lvl="1" indent="-171450">
+              <a:buFont typeface="Arial" panose="020B0604020202020204" pitchFamily="34" charset="0"/>
+              <a:buChar char="•"/>
+            </a:pPr>
+            <a:r>
+              <a:rPr lang="en-US" dirty="0"/>
+              <a:t>Found it more effective to assign certain tasks to each person then work through each as group</a:t>
+            </a:r>
+          </a:p>
+          <a:p>
+            <a:pPr marL="628650" lvl="1" indent="-171450">
+              <a:buFont typeface="Arial" panose="020B0604020202020204" pitchFamily="34" charset="0"/>
+              <a:buChar char="•"/>
+            </a:pPr>
+            <a:r>
+              <a:rPr lang="en-US" dirty="0"/>
+              <a:t>Assisted in real-time</a:t>
+            </a:r>
+          </a:p>
+          <a:p>
+            <a:pPr marL="628650" lvl="1" indent="-171450">
+              <a:buFont typeface="Arial" panose="020B0604020202020204" pitchFamily="34" charset="0"/>
+              <a:buChar char="•"/>
+            </a:pPr>
             <a:endParaRPr lang="en-US" dirty="0"/>
           </a:p>
         </p:txBody>
@@ -10722,7 +10745,7 @@
             <a:spLocks noGrp="1"/>
           </p:cNvSpPr>
           <p:nvPr>
-            <p:ph type="sldNum" sz="quarter" idx="5"/>
+            <p:ph type="sldNum" sz="quarter" idx="10"/>
           </p:nvPr>
         </p:nvSpPr>
         <p:spPr/>
@@ -10730,78 +10753,18 @@
           <a:bodyPr/>
           <a:lstStyle/>
           <a:p>
-            <a:pPr marL="0" marR="0" lvl="0" indent="0" algn="r" defTabSz="914400" rtl="0" eaLnBrk="1" fontAlgn="auto" latinLnBrk="0" hangingPunct="1">
-              <a:lnSpc>
-                <a:spcPct val="100000"/>
-              </a:lnSpc>
-              <a:spcBef>
-                <a:spcPts val="0"/>
-              </a:spcBef>
-              <a:spcAft>
-                <a:spcPts val="0"/>
-              </a:spcAft>
-              <a:buClrTx/>
-              <a:buSzTx/>
-              <a:buFontTx/>
-              <a:buNone/>
-              <a:tabLst/>
-              <a:defRPr/>
-            </a:pPr>
             <a:fld id="{BF105DB2-FD3E-441D-8B7E-7AE83ECE27B3}" type="slidenum">
-              <a:rPr kumimoji="0" lang="en-US" sz="1200" b="0" i="0" u="none" strike="noStrike" kern="1200" cap="none" spc="0" normalizeH="0" baseline="0" noProof="0" smtClean="0">
-                <a:ln>
-                  <a:noFill/>
-                </a:ln>
-                <a:solidFill>
-                  <a:prstClr val="black"/>
-                </a:solidFill>
-                <a:effectLst/>
-                <a:uLnTx/>
-                <a:uFillTx/>
-                <a:latin typeface="Calibri" panose="020F0502020204030204"/>
-                <a:ea typeface="+mn-ea"/>
-                <a:cs typeface="+mn-cs"/>
-              </a:rPr>
-              <a:pPr marL="0" marR="0" lvl="0" indent="0" algn="r" defTabSz="914400" rtl="0" eaLnBrk="1" fontAlgn="auto" latinLnBrk="0" hangingPunct="1">
-                <a:lnSpc>
-                  <a:spcPct val="100000"/>
-                </a:lnSpc>
-                <a:spcBef>
-                  <a:spcPts val="0"/>
-                </a:spcBef>
-                <a:spcAft>
-                  <a:spcPts val="0"/>
-                </a:spcAft>
-                <a:buClrTx/>
-                <a:buSzTx/>
-                <a:buFontTx/>
-                <a:buNone/>
-                <a:tabLst/>
-                <a:defRPr/>
-              </a:pPr>
-              <a:t>19</a:t>
+              <a:rPr lang="en-US" smtClean="0"/>
+              <a:t>15</a:t>
             </a:fld>
-            <a:endParaRPr kumimoji="0" lang="en-US" sz="1200" b="0" i="0" u="none" strike="noStrike" kern="1200" cap="none" spc="0" normalizeH="0" baseline="0" noProof="0" dirty="0">
-              <a:ln>
-                <a:noFill/>
-              </a:ln>
-              <a:solidFill>
-                <a:prstClr val="black"/>
-              </a:solidFill>
-              <a:effectLst/>
-              <a:uLnTx/>
-              <a:uFillTx/>
-              <a:latin typeface="Calibri" panose="020F0502020204030204"/>
-              <a:ea typeface="+mn-ea"/>
-              <a:cs typeface="+mn-cs"/>
-            </a:endParaRPr>
+            <a:endParaRPr lang="en-US" dirty="0"/>
           </a:p>
         </p:txBody>
       </p:sp>
     </p:spTree>
     <p:extLst>
       <p:ext uri="{BB962C8B-B14F-4D97-AF65-F5344CB8AC3E}">
-        <p14:creationId xmlns:p14="http://schemas.microsoft.com/office/powerpoint/2010/main" val="4081335663"/>
+        <p14:creationId xmlns:p14="http://schemas.microsoft.com/office/powerpoint/2010/main" val="1400489487"/>
       </p:ext>
     </p:extLst>
   </p:cSld>
@@ -10855,36 +10818,17 @@
           <a:bodyPr/>
           <a:lstStyle/>
           <a:p>
-            <a:r>
-              <a:rPr lang="en-US" b="0" i="0" dirty="0">
-                <a:solidFill>
-                  <a:srgbClr val="555555"/>
-                </a:solidFill>
-                <a:effectLst/>
-                <a:latin typeface="Lato"/>
-              </a:rPr>
-              <a:t>The numerator is the number of adults who reported 14 or more days in response to the question, “Now, thinking about your mental health, which includes stress, depression, and problems with emotions, for how many days during the past 30 days was your mental health not good?”</a:t>
-            </a:r>
-          </a:p>
-          <a:p>
-            <a:endParaRPr lang="en-US" b="0" i="0" dirty="0">
-              <a:solidFill>
-                <a:srgbClr val="555555"/>
-              </a:solidFill>
-              <a:effectLst/>
-              <a:latin typeface="Lato"/>
-            </a:endParaRPr>
-          </a:p>
-          <a:p>
-            <a:r>
-              <a:rPr lang="en-US" b="0" i="0" dirty="0">
-                <a:solidFill>
-                  <a:srgbClr val="555555"/>
-                </a:solidFill>
-                <a:effectLst/>
-                <a:latin typeface="Lato"/>
-              </a:rPr>
-              <a:t>The numerator is the number of adults who reported 14 or more days in response to the question, “Thinking about your physical health, which includes physical illness and injury, for how many days during the past 30 days was your physical health not good?”</a:t>
+            <a:pPr marL="171450" indent="-171450">
+              <a:buFont typeface="Arial" panose="020B0604020202020204" pitchFamily="34" charset="0"/>
+              <a:buChar char="•"/>
+            </a:pPr>
+            <a:r>
+              <a:rPr lang="en-US" dirty="0"/>
+              <a:t>After determining sources, had to bring</a:t>
+            </a:r>
+            <a:r>
+              <a:rPr lang="en-US" baseline="0" dirty="0"/>
+              <a:t> all data together to perform desired analysis</a:t>
             </a:r>
             <a:endParaRPr lang="en-US" dirty="0"/>
           </a:p>
@@ -10905,78 +10849,18 @@
           <a:bodyPr/>
           <a:lstStyle/>
           <a:p>
-            <a:pPr marL="0" marR="0" lvl="0" indent="0" algn="r" defTabSz="914400" rtl="0" eaLnBrk="1" fontAlgn="auto" latinLnBrk="0" hangingPunct="1">
-              <a:lnSpc>
-                <a:spcPct val="100000"/>
-              </a:lnSpc>
-              <a:spcBef>
-                <a:spcPts val="0"/>
-              </a:spcBef>
-              <a:spcAft>
-                <a:spcPts val="0"/>
-              </a:spcAft>
-              <a:buClrTx/>
-              <a:buSzTx/>
-              <a:buFontTx/>
-              <a:buNone/>
-              <a:tabLst/>
-              <a:defRPr/>
-            </a:pPr>
             <a:fld id="{BF105DB2-FD3E-441D-8B7E-7AE83ECE27B3}" type="slidenum">
-              <a:rPr kumimoji="0" lang="en-US" sz="1200" b="0" i="0" u="none" strike="noStrike" kern="1200" cap="none" spc="0" normalizeH="0" baseline="0" noProof="0" smtClean="0">
-                <a:ln>
-                  <a:noFill/>
-                </a:ln>
-                <a:solidFill>
-                  <a:prstClr val="black"/>
-                </a:solidFill>
-                <a:effectLst/>
-                <a:uLnTx/>
-                <a:uFillTx/>
-                <a:latin typeface="Calibri" panose="020F0502020204030204"/>
-                <a:ea typeface="+mn-ea"/>
-                <a:cs typeface="+mn-cs"/>
-              </a:rPr>
-              <a:pPr marL="0" marR="0" lvl="0" indent="0" algn="r" defTabSz="914400" rtl="0" eaLnBrk="1" fontAlgn="auto" latinLnBrk="0" hangingPunct="1">
-                <a:lnSpc>
-                  <a:spcPct val="100000"/>
-                </a:lnSpc>
-                <a:spcBef>
-                  <a:spcPts val="0"/>
-                </a:spcBef>
-                <a:spcAft>
-                  <a:spcPts val="0"/>
-                </a:spcAft>
-                <a:buClrTx/>
-                <a:buSzTx/>
-                <a:buFontTx/>
-                <a:buNone/>
-                <a:tabLst/>
-                <a:defRPr/>
-              </a:pPr>
-              <a:t>22</a:t>
+              <a:rPr lang="en-US" smtClean="0"/>
+              <a:t>16</a:t>
             </a:fld>
-            <a:endParaRPr kumimoji="0" lang="en-US" sz="1200" b="0" i="0" u="none" strike="noStrike" kern="1200" cap="none" spc="0" normalizeH="0" baseline="0" noProof="0" dirty="0">
-              <a:ln>
-                <a:noFill/>
-              </a:ln>
-              <a:solidFill>
-                <a:prstClr val="black"/>
-              </a:solidFill>
-              <a:effectLst/>
-              <a:uLnTx/>
-              <a:uFillTx/>
-              <a:latin typeface="Calibri" panose="020F0502020204030204"/>
-              <a:ea typeface="+mn-ea"/>
-              <a:cs typeface="+mn-cs"/>
-            </a:endParaRPr>
+            <a:endParaRPr lang="en-US" dirty="0"/>
           </a:p>
         </p:txBody>
       </p:sp>
     </p:spTree>
     <p:extLst>
       <p:ext uri="{BB962C8B-B14F-4D97-AF65-F5344CB8AC3E}">
-        <p14:creationId xmlns:p14="http://schemas.microsoft.com/office/powerpoint/2010/main" val="2026289857"/>
+        <p14:creationId xmlns:p14="http://schemas.microsoft.com/office/powerpoint/2010/main" val="3434819711"/>
       </p:ext>
     </p:extLst>
   </p:cSld>
@@ -11030,7 +10914,126 @@
           <a:bodyPr/>
           <a:lstStyle/>
           <a:p>
-            <a:endParaRPr lang="en-US"/>
+            <a:r>
+              <a:rPr lang="en-US" b="0" i="0" dirty="0">
+                <a:solidFill>
+                  <a:srgbClr val="555555"/>
+                </a:solidFill>
+                <a:effectLst/>
+                <a:latin typeface="Lato"/>
+              </a:rPr>
+              <a:t>Physical Inactivity is based on responses to the Behavioral Risk Factor Surveillance Survey and is the percentage of adults ages 20 and over reporting no leisure-time physical activity in the past month.</a:t>
+            </a:r>
+          </a:p>
+          <a:p>
+            <a:endParaRPr lang="en-US" b="0" i="0" dirty="0">
+              <a:solidFill>
+                <a:srgbClr val="555555"/>
+              </a:solidFill>
+              <a:effectLst/>
+              <a:latin typeface="Lato"/>
+            </a:endParaRPr>
+          </a:p>
+          <a:p>
+            <a:pPr algn="l"/>
+            <a:r>
+              <a:rPr lang="en-US" b="0" i="0" dirty="0">
+                <a:solidFill>
+                  <a:srgbClr val="555555"/>
+                </a:solidFill>
+                <a:effectLst/>
+                <a:latin typeface="Lato"/>
+              </a:rPr>
+              <a:t>Access to Exercise Opportunities measures the percentage of individuals in a county who live reasonably close to a location for physical activity. Locations for physical activity are defined as parks or recreational facilities. Individuals are considered to have access to exercise opportunities if they:</a:t>
+            </a:r>
+          </a:p>
+          <a:p>
+            <a:pPr algn="l"/>
+            <a:r>
+              <a:rPr lang="en-US" b="0" i="0" dirty="0">
+                <a:solidFill>
+                  <a:srgbClr val="555555"/>
+                </a:solidFill>
+                <a:effectLst/>
+                <a:latin typeface="Lato"/>
+              </a:rPr>
+              <a:t>• reside in a census block that is within a half mile of a park, or</a:t>
+            </a:r>
+            <a:br>
+              <a:rPr lang="en-US" b="0" i="0" dirty="0">
+                <a:solidFill>
+                  <a:srgbClr val="555555"/>
+                </a:solidFill>
+                <a:effectLst/>
+                <a:latin typeface="Lato"/>
+              </a:rPr>
+            </a:br>
+            <a:r>
+              <a:rPr lang="en-US" b="0" i="0" dirty="0">
+                <a:solidFill>
+                  <a:srgbClr val="555555"/>
+                </a:solidFill>
+                <a:effectLst/>
+                <a:latin typeface="Lato"/>
+              </a:rPr>
+              <a:t>• reside in an urban census block that is within one mile of a recreational facility, or</a:t>
+            </a:r>
+            <a:br>
+              <a:rPr lang="en-US" b="0" i="0" dirty="0">
+                <a:solidFill>
+                  <a:srgbClr val="555555"/>
+                </a:solidFill>
+                <a:effectLst/>
+                <a:latin typeface="Lato"/>
+              </a:rPr>
+            </a:br>
+            <a:r>
+              <a:rPr lang="en-US" b="0" i="0" dirty="0">
+                <a:solidFill>
+                  <a:srgbClr val="555555"/>
+                </a:solidFill>
+                <a:effectLst/>
+                <a:latin typeface="Lato"/>
+              </a:rPr>
+              <a:t>• reside in a rural census block that is within three miles of a recreational facility.</a:t>
+            </a:r>
+          </a:p>
+          <a:p>
+            <a:endParaRPr lang="en-US" dirty="0"/>
+          </a:p>
+          <a:p>
+            <a:r>
+              <a:rPr lang="en-US" b="0" i="0" dirty="0">
+                <a:solidFill>
+                  <a:srgbClr val="555555"/>
+                </a:solidFill>
+                <a:effectLst/>
+                <a:latin typeface="Lato"/>
+              </a:rPr>
+              <a:t>The </a:t>
+            </a:r>
+            <a:r>
+              <a:rPr lang="en-US" b="0" i="0" u="none" strike="noStrike" dirty="0">
+                <a:solidFill>
+                  <a:srgbClr val="1B70B6"/>
+                </a:solidFill>
+                <a:effectLst/>
+                <a:latin typeface="Lato"/>
+                <a:hlinkClick r:id="rId3"/>
+              </a:rPr>
+              <a:t>Walk Score</a:t>
+            </a:r>
+            <a:r>
+              <a:rPr lang="en-US" b="0" i="0" dirty="0">
+                <a:solidFill>
+                  <a:srgbClr val="555555"/>
+                </a:solidFill>
+                <a:effectLst/>
+                <a:latin typeface="Lato"/>
+              </a:rPr>
+              <a:t> site lets you insert any address and find the walkability of that location</a:t>
+            </a:r>
+            <a:endParaRPr lang="en-US" dirty="0"/>
           </a:p>
         </p:txBody>
       </p:sp>
@@ -11041,7 +11044,7 @@
             <a:spLocks noGrp="1"/>
           </p:cNvSpPr>
           <p:nvPr>
-            <p:ph type="sldNum" sz="quarter" idx="10"/>
+            <p:ph type="sldNum" sz="quarter" idx="5"/>
           </p:nvPr>
         </p:nvSpPr>
         <p:spPr/>
@@ -11049,18 +11052,78 @@
           <a:bodyPr/>
           <a:lstStyle/>
           <a:p>
+            <a:pPr marL="0" marR="0" lvl="0" indent="0" algn="r" defTabSz="914400" rtl="0" eaLnBrk="1" fontAlgn="auto" latinLnBrk="0" hangingPunct="1">
+              <a:lnSpc>
+                <a:spcPct val="100000"/>
+              </a:lnSpc>
+              <a:spcBef>
+                <a:spcPts val="0"/>
+              </a:spcBef>
+              <a:spcAft>
+                <a:spcPts val="0"/>
+              </a:spcAft>
+              <a:buClrTx/>
+              <a:buSzTx/>
+              <a:buFontTx/>
+              <a:buNone/>
+              <a:tabLst/>
+              <a:defRPr/>
+            </a:pPr>
             <a:fld id="{BF105DB2-FD3E-441D-8B7E-7AE83ECE27B3}" type="slidenum">
-              <a:rPr lang="en-US" smtClean="0"/>
-              <a:t>24</a:t>
+              <a:rPr kumimoji="0" lang="en-US" sz="1200" b="0" i="0" u="none" strike="noStrike" kern="1200" cap="none" spc="0" normalizeH="0" baseline="0" noProof="0" smtClean="0">
+                <a:ln>
+                  <a:noFill/>
+                </a:ln>
+                <a:solidFill>
+                  <a:prstClr val="black"/>
+                </a:solidFill>
+                <a:effectLst/>
+                <a:uLnTx/>
+                <a:uFillTx/>
+                <a:latin typeface="Calibri" panose="020F0502020204030204"/>
+                <a:ea typeface="+mn-ea"/>
+                <a:cs typeface="+mn-cs"/>
+              </a:rPr>
+              <a:pPr marL="0" marR="0" lvl="0" indent="0" algn="r" defTabSz="914400" rtl="0" eaLnBrk="1" fontAlgn="auto" latinLnBrk="0" hangingPunct="1">
+                <a:lnSpc>
+                  <a:spcPct val="100000"/>
+                </a:lnSpc>
+                <a:spcBef>
+                  <a:spcPts val="0"/>
+                </a:spcBef>
+                <a:spcAft>
+                  <a:spcPts val="0"/>
+                </a:spcAft>
+                <a:buClrTx/>
+                <a:buSzTx/>
+                <a:buFontTx/>
+                <a:buNone/>
+                <a:tabLst/>
+                <a:defRPr/>
+              </a:pPr>
+              <a:t>20</a:t>
             </a:fld>
-            <a:endParaRPr lang="en-US" dirty="0"/>
+            <a:endParaRPr kumimoji="0" lang="en-US" sz="1200" b="0" i="0" u="none" strike="noStrike" kern="1200" cap="none" spc="0" normalizeH="0" baseline="0" noProof="0" dirty="0">
+              <a:ln>
+                <a:noFill/>
+              </a:ln>
+              <a:solidFill>
+                <a:prstClr val="black"/>
+              </a:solidFill>
+              <a:effectLst/>
+              <a:uLnTx/>
+              <a:uFillTx/>
+              <a:latin typeface="Calibri" panose="020F0502020204030204"/>
+              <a:ea typeface="+mn-ea"/>
+              <a:cs typeface="+mn-cs"/>
+            </a:endParaRPr>
           </a:p>
         </p:txBody>
       </p:sp>
     </p:spTree>
     <p:extLst>
       <p:ext uri="{BB962C8B-B14F-4D97-AF65-F5344CB8AC3E}">
-        <p14:creationId xmlns:p14="http://schemas.microsoft.com/office/powerpoint/2010/main" val="1169345696"/>
+        <p14:creationId xmlns:p14="http://schemas.microsoft.com/office/powerpoint/2010/main" val="1028552949"/>
       </p:ext>
     </p:extLst>
   </p:cSld>
@@ -11114,7 +11177,17 @@
           <a:bodyPr/>
           <a:lstStyle/>
           <a:p>
-            <a:endParaRPr lang="en-US"/>
+            <a:r>
+              <a:rPr lang="en-US" b="0" i="0" dirty="0">
+                <a:solidFill>
+                  <a:srgbClr val="555555"/>
+                </a:solidFill>
+                <a:effectLst/>
+                <a:latin typeface="Lato"/>
+              </a:rPr>
+              <a:t>The Behavioral Risk Factor Surveillance System (BRFSS) is a state-based random digit dial (RDD) telephone survey that is conducted annually in all states, the District of Columbia, and U.S. territories. Data obtained from the BRFSS are representative of each state’s total non-institutionalized population over 18 years of age and have included more than 400,000 annual respondents with landline telephones or cellphones since 2011.</a:t>
+            </a:r>
+            <a:endParaRPr lang="en-US" dirty="0"/>
           </a:p>
         </p:txBody>
       </p:sp>
@@ -11125,7 +11198,7 @@
             <a:spLocks noGrp="1"/>
           </p:cNvSpPr>
           <p:nvPr>
-            <p:ph type="sldNum" sz="quarter" idx="10"/>
+            <p:ph type="sldNum" sz="quarter" idx="5"/>
           </p:nvPr>
         </p:nvSpPr>
         <p:spPr/>
@@ -11133,18 +11206,78 @@
           <a:bodyPr/>
           <a:lstStyle/>
           <a:p>
+            <a:pPr marL="0" marR="0" lvl="0" indent="0" algn="r" defTabSz="914400" rtl="0" eaLnBrk="1" fontAlgn="auto" latinLnBrk="0" hangingPunct="1">
+              <a:lnSpc>
+                <a:spcPct val="100000"/>
+              </a:lnSpc>
+              <a:spcBef>
+                <a:spcPts val="0"/>
+              </a:spcBef>
+              <a:spcAft>
+                <a:spcPts val="0"/>
+              </a:spcAft>
+              <a:buClrTx/>
+              <a:buSzTx/>
+              <a:buFontTx/>
+              <a:buNone/>
+              <a:tabLst/>
+              <a:defRPr/>
+            </a:pPr>
             <a:fld id="{BF105DB2-FD3E-441D-8B7E-7AE83ECE27B3}" type="slidenum">
-              <a:rPr lang="en-US" smtClean="0"/>
-              <a:t>25</a:t>
+              <a:rPr kumimoji="0" lang="en-US" sz="1200" b="0" i="0" u="none" strike="noStrike" kern="1200" cap="none" spc="0" normalizeH="0" baseline="0" noProof="0" smtClean="0">
+                <a:ln>
+                  <a:noFill/>
+                </a:ln>
+                <a:solidFill>
+                  <a:prstClr val="black"/>
+                </a:solidFill>
+                <a:effectLst/>
+                <a:uLnTx/>
+                <a:uFillTx/>
+                <a:latin typeface="Calibri" panose="020F0502020204030204"/>
+                <a:ea typeface="+mn-ea"/>
+                <a:cs typeface="+mn-cs"/>
+              </a:rPr>
+              <a:pPr marL="0" marR="0" lvl="0" indent="0" algn="r" defTabSz="914400" rtl="0" eaLnBrk="1" fontAlgn="auto" latinLnBrk="0" hangingPunct="1">
+                <a:lnSpc>
+                  <a:spcPct val="100000"/>
+                </a:lnSpc>
+                <a:spcBef>
+                  <a:spcPts val="0"/>
+                </a:spcBef>
+                <a:spcAft>
+                  <a:spcPts val="0"/>
+                </a:spcAft>
+                <a:buClrTx/>
+                <a:buSzTx/>
+                <a:buFontTx/>
+                <a:buNone/>
+                <a:tabLst/>
+                <a:defRPr/>
+              </a:pPr>
+              <a:t>21</a:t>
             </a:fld>
-            <a:endParaRPr lang="en-US" dirty="0"/>
+            <a:endParaRPr kumimoji="0" lang="en-US" sz="1200" b="0" i="0" u="none" strike="noStrike" kern="1200" cap="none" spc="0" normalizeH="0" baseline="0" noProof="0" dirty="0">
+              <a:ln>
+                <a:noFill/>
+              </a:ln>
+              <a:solidFill>
+                <a:prstClr val="black"/>
+              </a:solidFill>
+              <a:effectLst/>
+              <a:uLnTx/>
+              <a:uFillTx/>
+              <a:latin typeface="Calibri" panose="020F0502020204030204"/>
+              <a:ea typeface="+mn-ea"/>
+              <a:cs typeface="+mn-cs"/>
+            </a:endParaRPr>
           </a:p>
         </p:txBody>
       </p:sp>
     </p:spTree>
     <p:extLst>
       <p:ext uri="{BB962C8B-B14F-4D97-AF65-F5344CB8AC3E}">
-        <p14:creationId xmlns:p14="http://schemas.microsoft.com/office/powerpoint/2010/main" val="3358315363"/>
+        <p14:creationId xmlns:p14="http://schemas.microsoft.com/office/powerpoint/2010/main" val="4081335663"/>
       </p:ext>
     </p:extLst>
   </p:cSld>
@@ -11198,6 +11331,37 @@
           <a:bodyPr/>
           <a:lstStyle/>
           <a:p>
+            <a:r>
+              <a:rPr lang="en-US" b="0" i="0" dirty="0">
+                <a:solidFill>
+                  <a:srgbClr val="555555"/>
+                </a:solidFill>
+                <a:effectLst/>
+                <a:latin typeface="Lato"/>
+              </a:rPr>
+              <a:t>The numerator is the number of adults who reported 14 or more days in response to the question, “Now, thinking about your mental health, which includes stress, depression, and problems with emotions, for how many days during the past 30 days was your mental health not good?”</a:t>
+            </a:r>
+          </a:p>
+          <a:p>
+            <a:endParaRPr lang="en-US" b="0" i="0" dirty="0">
+              <a:solidFill>
+                <a:srgbClr val="555555"/>
+              </a:solidFill>
+              <a:effectLst/>
+              <a:latin typeface="Lato"/>
+            </a:endParaRPr>
+          </a:p>
+          <a:p>
+            <a:r>
+              <a:rPr lang="en-US" b="0" i="0" dirty="0">
+                <a:solidFill>
+                  <a:srgbClr val="555555"/>
+                </a:solidFill>
+                <a:effectLst/>
+                <a:latin typeface="Lato"/>
+              </a:rPr>
+              <a:t>The numerator is the number of adults who reported 14 or more days in response to the question, “Thinking about your physical health, which includes physical illness and injury, for how many days during the past 30 days was your physical health not good?”</a:t>
+            </a:r>
             <a:endParaRPr lang="en-US" dirty="0"/>
           </a:p>
         </p:txBody>
@@ -11209,7 +11373,7 @@
             <a:spLocks noGrp="1"/>
           </p:cNvSpPr>
           <p:nvPr>
-            <p:ph type="sldNum" sz="quarter" idx="10"/>
+            <p:ph type="sldNum" sz="quarter" idx="5"/>
           </p:nvPr>
         </p:nvSpPr>
         <p:spPr/>
@@ -11217,18 +11381,78 @@
           <a:bodyPr/>
           <a:lstStyle/>
           <a:p>
+            <a:pPr marL="0" marR="0" lvl="0" indent="0" algn="r" defTabSz="914400" rtl="0" eaLnBrk="1" fontAlgn="auto" latinLnBrk="0" hangingPunct="1">
+              <a:lnSpc>
+                <a:spcPct val="100000"/>
+              </a:lnSpc>
+              <a:spcBef>
+                <a:spcPts val="0"/>
+              </a:spcBef>
+              <a:spcAft>
+                <a:spcPts val="0"/>
+              </a:spcAft>
+              <a:buClrTx/>
+              <a:buSzTx/>
+              <a:buFontTx/>
+              <a:buNone/>
+              <a:tabLst/>
+              <a:defRPr/>
+            </a:pPr>
             <a:fld id="{BF105DB2-FD3E-441D-8B7E-7AE83ECE27B3}" type="slidenum">
-              <a:rPr lang="en-US" smtClean="0"/>
-              <a:t>26</a:t>
+              <a:rPr kumimoji="0" lang="en-US" sz="1200" b="0" i="0" u="none" strike="noStrike" kern="1200" cap="none" spc="0" normalizeH="0" baseline="0" noProof="0" smtClean="0">
+                <a:ln>
+                  <a:noFill/>
+                </a:ln>
+                <a:solidFill>
+                  <a:prstClr val="black"/>
+                </a:solidFill>
+                <a:effectLst/>
+                <a:uLnTx/>
+                <a:uFillTx/>
+                <a:latin typeface="Calibri" panose="020F0502020204030204"/>
+                <a:ea typeface="+mn-ea"/>
+                <a:cs typeface="+mn-cs"/>
+              </a:rPr>
+              <a:pPr marL="0" marR="0" lvl="0" indent="0" algn="r" defTabSz="914400" rtl="0" eaLnBrk="1" fontAlgn="auto" latinLnBrk="0" hangingPunct="1">
+                <a:lnSpc>
+                  <a:spcPct val="100000"/>
+                </a:lnSpc>
+                <a:spcBef>
+                  <a:spcPts val="0"/>
+                </a:spcBef>
+                <a:spcAft>
+                  <a:spcPts val="0"/>
+                </a:spcAft>
+                <a:buClrTx/>
+                <a:buSzTx/>
+                <a:buFontTx/>
+                <a:buNone/>
+                <a:tabLst/>
+                <a:defRPr/>
+              </a:pPr>
+              <a:t>24</a:t>
             </a:fld>
-            <a:endParaRPr lang="en-US" dirty="0"/>
+            <a:endParaRPr kumimoji="0" lang="en-US" sz="1200" b="0" i="0" u="none" strike="noStrike" kern="1200" cap="none" spc="0" normalizeH="0" baseline="0" noProof="0" dirty="0">
+              <a:ln>
+                <a:noFill/>
+              </a:ln>
+              <a:solidFill>
+                <a:prstClr val="black"/>
+              </a:solidFill>
+              <a:effectLst/>
+              <a:uLnTx/>
+              <a:uFillTx/>
+              <a:latin typeface="Calibri" panose="020F0502020204030204"/>
+              <a:ea typeface="+mn-ea"/>
+              <a:cs typeface="+mn-cs"/>
+            </a:endParaRPr>
           </a:p>
         </p:txBody>
       </p:sp>
     </p:spTree>
     <p:extLst>
       <p:ext uri="{BB962C8B-B14F-4D97-AF65-F5344CB8AC3E}">
-        <p14:creationId xmlns:p14="http://schemas.microsoft.com/office/powerpoint/2010/main" val="3974002071"/>
+        <p14:creationId xmlns:p14="http://schemas.microsoft.com/office/powerpoint/2010/main" val="2026289857"/>
       </p:ext>
     </p:extLst>
   </p:cSld>
@@ -11378,7 +11602,7 @@
           <a:bodyPr/>
           <a:lstStyle/>
           <a:p>
-            <a:endParaRPr lang="en-US" dirty="0"/>
+            <a:endParaRPr lang="en-US"/>
           </a:p>
         </p:txBody>
       </p:sp>
@@ -11399,7 +11623,259 @@
           <a:p>
             <a:fld id="{BF105DB2-FD3E-441D-8B7E-7AE83ECE27B3}" type="slidenum">
               <a:rPr lang="en-US" smtClean="0"/>
+              <a:t>26</a:t>
+            </a:fld>
+            <a:endParaRPr lang="en-US" dirty="0"/>
+          </a:p>
+        </p:txBody>
+      </p:sp>
+    </p:spTree>
+    <p:extLst>
+      <p:ext uri="{BB962C8B-B14F-4D97-AF65-F5344CB8AC3E}">
+        <p14:creationId xmlns:p14="http://schemas.microsoft.com/office/powerpoint/2010/main" val="1169345696"/>
+      </p:ext>
+    </p:extLst>
+  </p:cSld>
+  <p:clrMapOvr>
+    <a:masterClrMapping/>
+  </p:clrMapOvr>
+</p:notes>
+</file>
+
+<file path=ppt/notesSlides/notesSlide21.xml><?xml version="1.0" encoding="utf-8"?>
+<p:notes xmlns:a="http://schemas.openxmlformats.org/drawingml/2006/main" xmlns:r="http://schemas.openxmlformats.org/officeDocument/2006/relationships" xmlns:p="http://schemas.openxmlformats.org/presentationml/2006/main">
+  <p:cSld>
+    <p:spTree>
+      <p:nvGrpSpPr>
+        <p:cNvPr id="1" name=""/>
+        <p:cNvGrpSpPr/>
+        <p:nvPr/>
+      </p:nvGrpSpPr>
+      <p:grpSpPr>
+        <a:xfrm>
+          <a:off x="0" y="0"/>
+          <a:ext cx="0" cy="0"/>
+          <a:chOff x="0" y="0"/>
+          <a:chExt cx="0" cy="0"/>
+        </a:xfrm>
+      </p:grpSpPr>
+      <p:sp>
+        <p:nvSpPr>
+          <p:cNvPr id="2" name="Slide Image Placeholder 1"/>
+          <p:cNvSpPr>
+            <a:spLocks noGrp="1" noRot="1" noChangeAspect="1"/>
+          </p:cNvSpPr>
+          <p:nvPr>
+            <p:ph type="sldImg"/>
+          </p:nvPr>
+        </p:nvSpPr>
+        <p:spPr/>
+      </p:sp>
+      <p:sp>
+        <p:nvSpPr>
+          <p:cNvPr id="3" name="Notes Placeholder 2"/>
+          <p:cNvSpPr>
+            <a:spLocks noGrp="1"/>
+          </p:cNvSpPr>
+          <p:nvPr>
+            <p:ph type="body" idx="1"/>
+          </p:nvPr>
+        </p:nvSpPr>
+        <p:spPr/>
+        <p:txBody>
+          <a:bodyPr/>
+          <a:lstStyle/>
+          <a:p>
+            <a:endParaRPr lang="en-US"/>
+          </a:p>
+        </p:txBody>
+      </p:sp>
+      <p:sp>
+        <p:nvSpPr>
+          <p:cNvPr id="4" name="Slide Number Placeholder 3"/>
+          <p:cNvSpPr>
+            <a:spLocks noGrp="1"/>
+          </p:cNvSpPr>
+          <p:nvPr>
+            <p:ph type="sldNum" sz="quarter" idx="10"/>
+          </p:nvPr>
+        </p:nvSpPr>
+        <p:spPr/>
+        <p:txBody>
+          <a:bodyPr/>
+          <a:lstStyle/>
+          <a:p>
+            <a:fld id="{BF105DB2-FD3E-441D-8B7E-7AE83ECE27B3}" type="slidenum">
+              <a:rPr lang="en-US" smtClean="0"/>
               <a:t>27</a:t>
+            </a:fld>
+            <a:endParaRPr lang="en-US" dirty="0"/>
+          </a:p>
+        </p:txBody>
+      </p:sp>
+    </p:spTree>
+    <p:extLst>
+      <p:ext uri="{BB962C8B-B14F-4D97-AF65-F5344CB8AC3E}">
+        <p14:creationId xmlns:p14="http://schemas.microsoft.com/office/powerpoint/2010/main" val="3358315363"/>
+      </p:ext>
+    </p:extLst>
+  </p:cSld>
+  <p:clrMapOvr>
+    <a:masterClrMapping/>
+  </p:clrMapOvr>
+</p:notes>
+</file>
+
+<file path=ppt/notesSlides/notesSlide22.xml><?xml version="1.0" encoding="utf-8"?>
+<p:notes xmlns:a="http://schemas.openxmlformats.org/drawingml/2006/main" xmlns:r="http://schemas.openxmlformats.org/officeDocument/2006/relationships" xmlns:p="http://schemas.openxmlformats.org/presentationml/2006/main">
+  <p:cSld>
+    <p:spTree>
+      <p:nvGrpSpPr>
+        <p:cNvPr id="1" name=""/>
+        <p:cNvGrpSpPr/>
+        <p:nvPr/>
+      </p:nvGrpSpPr>
+      <p:grpSpPr>
+        <a:xfrm>
+          <a:off x="0" y="0"/>
+          <a:ext cx="0" cy="0"/>
+          <a:chOff x="0" y="0"/>
+          <a:chExt cx="0" cy="0"/>
+        </a:xfrm>
+      </p:grpSpPr>
+      <p:sp>
+        <p:nvSpPr>
+          <p:cNvPr id="2" name="Slide Image Placeholder 1"/>
+          <p:cNvSpPr>
+            <a:spLocks noGrp="1" noRot="1" noChangeAspect="1"/>
+          </p:cNvSpPr>
+          <p:nvPr>
+            <p:ph type="sldImg"/>
+          </p:nvPr>
+        </p:nvSpPr>
+        <p:spPr/>
+      </p:sp>
+      <p:sp>
+        <p:nvSpPr>
+          <p:cNvPr id="3" name="Notes Placeholder 2"/>
+          <p:cNvSpPr>
+            <a:spLocks noGrp="1"/>
+          </p:cNvSpPr>
+          <p:nvPr>
+            <p:ph type="body" idx="1"/>
+          </p:nvPr>
+        </p:nvSpPr>
+        <p:spPr/>
+        <p:txBody>
+          <a:bodyPr/>
+          <a:lstStyle/>
+          <a:p>
+            <a:endParaRPr lang="en-US" dirty="0"/>
+          </a:p>
+        </p:txBody>
+      </p:sp>
+      <p:sp>
+        <p:nvSpPr>
+          <p:cNvPr id="4" name="Slide Number Placeholder 3"/>
+          <p:cNvSpPr>
+            <a:spLocks noGrp="1"/>
+          </p:cNvSpPr>
+          <p:nvPr>
+            <p:ph type="sldNum" sz="quarter" idx="10"/>
+          </p:nvPr>
+        </p:nvSpPr>
+        <p:spPr/>
+        <p:txBody>
+          <a:bodyPr/>
+          <a:lstStyle/>
+          <a:p>
+            <a:fld id="{BF105DB2-FD3E-441D-8B7E-7AE83ECE27B3}" type="slidenum">
+              <a:rPr lang="en-US" smtClean="0"/>
+              <a:t>28</a:t>
+            </a:fld>
+            <a:endParaRPr lang="en-US" dirty="0"/>
+          </a:p>
+        </p:txBody>
+      </p:sp>
+    </p:spTree>
+    <p:extLst>
+      <p:ext uri="{BB962C8B-B14F-4D97-AF65-F5344CB8AC3E}">
+        <p14:creationId xmlns:p14="http://schemas.microsoft.com/office/powerpoint/2010/main" val="3974002071"/>
+      </p:ext>
+    </p:extLst>
+  </p:cSld>
+  <p:clrMapOvr>
+    <a:masterClrMapping/>
+  </p:clrMapOvr>
+</p:notes>
+</file>
+
+<file path=ppt/notesSlides/notesSlide23.xml><?xml version="1.0" encoding="utf-8"?>
+<p:notes xmlns:a="http://schemas.openxmlformats.org/drawingml/2006/main" xmlns:r="http://schemas.openxmlformats.org/officeDocument/2006/relationships" xmlns:p="http://schemas.openxmlformats.org/presentationml/2006/main">
+  <p:cSld>
+    <p:spTree>
+      <p:nvGrpSpPr>
+        <p:cNvPr id="1" name=""/>
+        <p:cNvGrpSpPr/>
+        <p:nvPr/>
+      </p:nvGrpSpPr>
+      <p:grpSpPr>
+        <a:xfrm>
+          <a:off x="0" y="0"/>
+          <a:ext cx="0" cy="0"/>
+          <a:chOff x="0" y="0"/>
+          <a:chExt cx="0" cy="0"/>
+        </a:xfrm>
+      </p:grpSpPr>
+      <p:sp>
+        <p:nvSpPr>
+          <p:cNvPr id="2" name="Slide Image Placeholder 1"/>
+          <p:cNvSpPr>
+            <a:spLocks noGrp="1" noRot="1" noChangeAspect="1"/>
+          </p:cNvSpPr>
+          <p:nvPr>
+            <p:ph type="sldImg"/>
+          </p:nvPr>
+        </p:nvSpPr>
+        <p:spPr/>
+      </p:sp>
+      <p:sp>
+        <p:nvSpPr>
+          <p:cNvPr id="3" name="Notes Placeholder 2"/>
+          <p:cNvSpPr>
+            <a:spLocks noGrp="1"/>
+          </p:cNvSpPr>
+          <p:nvPr>
+            <p:ph type="body" idx="1"/>
+          </p:nvPr>
+        </p:nvSpPr>
+        <p:spPr/>
+        <p:txBody>
+          <a:bodyPr/>
+          <a:lstStyle/>
+          <a:p>
+            <a:endParaRPr lang="en-US" dirty="0"/>
+          </a:p>
+        </p:txBody>
+      </p:sp>
+      <p:sp>
+        <p:nvSpPr>
+          <p:cNvPr id="4" name="Slide Number Placeholder 3"/>
+          <p:cNvSpPr>
+            <a:spLocks noGrp="1"/>
+          </p:cNvSpPr>
+          <p:nvPr>
+            <p:ph type="sldNum" sz="quarter" idx="10"/>
+          </p:nvPr>
+        </p:nvSpPr>
+        <p:spPr/>
+        <p:txBody>
+          <a:bodyPr/>
+          <a:lstStyle/>
+          <a:p>
+            <a:fld id="{BF105DB2-FD3E-441D-8B7E-7AE83ECE27B3}" type="slidenum">
+              <a:rPr lang="en-US" smtClean="0"/>
+              <a:t>29</a:t>
             </a:fld>
             <a:endParaRPr lang="en-US" dirty="0"/>
           </a:p>
@@ -11462,7 +11938,54 @@
           <a:bodyPr/>
           <a:lstStyle/>
           <a:p>
-            <a:endParaRPr lang="en-US"/>
+            <a:pPr marL="171450" indent="-171450">
+              <a:buFont typeface="Arial" panose="020B0604020202020204" pitchFamily="34" charset="0"/>
+              <a:buChar char="•"/>
+            </a:pPr>
+            <a:r>
+              <a:rPr lang="en-US" dirty="0"/>
+              <a:t>Focused initially on preventable hospitalization rate</a:t>
+            </a:r>
+          </a:p>
+          <a:p>
+            <a:pPr marL="628650" lvl="1" indent="-171450">
+              <a:buFont typeface="Arial" panose="020B0604020202020204" pitchFamily="34" charset="0"/>
+              <a:buChar char="•"/>
+            </a:pPr>
+            <a:r>
+              <a:rPr lang="en-US" dirty="0"/>
+              <a:t>Thought that was closest to health outcomes, which was area of interest</a:t>
+            </a:r>
+          </a:p>
+          <a:p>
+            <a:pPr marL="171450" indent="-171450">
+              <a:buFont typeface="Arial" panose="020B0604020202020204" pitchFamily="34" charset="0"/>
+              <a:buChar char="•"/>
+            </a:pPr>
+            <a:r>
+              <a:rPr lang="en-US" dirty="0"/>
+              <a:t>Thought that lower income counties would report higher preventable hospitalization rates</a:t>
+            </a:r>
+          </a:p>
+          <a:p>
+            <a:pPr marL="171450" indent="-171450">
+              <a:buFont typeface="Arial" panose="020B0604020202020204" pitchFamily="34" charset="0"/>
+              <a:buChar char="•"/>
+            </a:pPr>
+            <a:r>
+              <a:rPr lang="en-US" dirty="0"/>
+              <a:t>Less access to exercise opportunities and healthy food</a:t>
+            </a:r>
+          </a:p>
+          <a:p>
+            <a:pPr marL="171450" indent="-171450">
+              <a:buFont typeface="Arial" panose="020B0604020202020204" pitchFamily="34" charset="0"/>
+              <a:buChar char="•"/>
+            </a:pPr>
+            <a:r>
+              <a:rPr lang="en-US" dirty="0"/>
+              <a:t>Irregular doctor visits/fewer preventative measures</a:t>
+            </a:r>
           </a:p>
         </p:txBody>
       </p:sp>
@@ -11483,7 +12006,7 @@
           <a:p>
             <a:fld id="{BF105DB2-FD3E-441D-8B7E-7AE83ECE27B3}" type="slidenum">
               <a:rPr lang="en-US" smtClean="0"/>
-              <a:t>4</a:t>
+              <a:t>3</a:t>
             </a:fld>
             <a:endParaRPr lang="en-US" dirty="0"/>
           </a:p>
@@ -11492,7 +12015,7 @@
     </p:spTree>
     <p:extLst>
       <p:ext uri="{BB962C8B-B14F-4D97-AF65-F5344CB8AC3E}">
-        <p14:creationId xmlns:p14="http://schemas.microsoft.com/office/powerpoint/2010/main" val="2725600195"/>
+        <p14:creationId xmlns:p14="http://schemas.microsoft.com/office/powerpoint/2010/main" val="3040177873"/>
       </p:ext>
     </p:extLst>
   </p:cSld>
@@ -11546,7 +12069,11 @@
           <a:bodyPr/>
           <a:lstStyle/>
           <a:p>
-            <a:endParaRPr lang="en-US"/>
+            <a:pPr marL="171450" indent="-171450">
+              <a:buFont typeface="Arial" panose="020B0604020202020204" pitchFamily="34" charset="0"/>
+              <a:buChar char="•"/>
+            </a:pPr>
+            <a:endParaRPr lang="en-US" dirty="0"/>
           </a:p>
         </p:txBody>
       </p:sp>
@@ -11557,7 +12084,7 @@
             <a:spLocks noGrp="1"/>
           </p:cNvSpPr>
           <p:nvPr>
-            <p:ph type="sldNum" sz="quarter" idx="10"/>
+            <p:ph type="sldNum" sz="quarter" idx="5"/>
           </p:nvPr>
         </p:nvSpPr>
         <p:spPr/>
@@ -11567,7 +12094,7 @@
           <a:p>
             <a:fld id="{BF105DB2-FD3E-441D-8B7E-7AE83ECE27B3}" type="slidenum">
               <a:rPr lang="en-US" smtClean="0"/>
-              <a:t>5</a:t>
+              <a:t>4</a:t>
             </a:fld>
             <a:endParaRPr lang="en-US" dirty="0"/>
           </a:p>
@@ -11576,7 +12103,7 @@
     </p:spTree>
     <p:extLst>
       <p:ext uri="{BB962C8B-B14F-4D97-AF65-F5344CB8AC3E}">
-        <p14:creationId xmlns:p14="http://schemas.microsoft.com/office/powerpoint/2010/main" val="5566042"/>
+        <p14:creationId xmlns:p14="http://schemas.microsoft.com/office/powerpoint/2010/main" val="3887435269"/>
       </p:ext>
     </p:extLst>
   </p:cSld>
@@ -11630,19 +12157,7 @@
           <a:bodyPr/>
           <a:lstStyle/>
           <a:p>
-            <a:pPr marL="171450" indent="-171450">
-              <a:buFont typeface="Arial" panose="020B0604020202020204" pitchFamily="34" charset="0"/>
-              <a:buChar char="•"/>
-            </a:pPr>
-            <a:r>
-              <a:rPr lang="en-US" dirty="0"/>
-              <a:t>After determining sources, had to bring</a:t>
-            </a:r>
-            <a:r>
-              <a:rPr lang="en-US" baseline="0" dirty="0"/>
-              <a:t> all data together to perform desired analysis</a:t>
-            </a:r>
-            <a:endParaRPr lang="en-US" dirty="0"/>
+            <a:endParaRPr lang="en-US"/>
           </a:p>
         </p:txBody>
       </p:sp>
@@ -11653,7 +12168,7 @@
             <a:spLocks noGrp="1"/>
           </p:cNvSpPr>
           <p:nvPr>
-            <p:ph type="sldNum" sz="quarter" idx="5"/>
+            <p:ph type="sldNum" sz="quarter" idx="10"/>
           </p:nvPr>
         </p:nvSpPr>
         <p:spPr/>
@@ -11663,7 +12178,7 @@
           <a:p>
             <a:fld id="{BF105DB2-FD3E-441D-8B7E-7AE83ECE27B3}" type="slidenum">
               <a:rPr lang="en-US" smtClean="0"/>
-              <a:t>6</a:t>
+              <a:t>5</a:t>
             </a:fld>
             <a:endParaRPr lang="en-US" dirty="0"/>
           </a:p>
@@ -11672,7 +12187,7 @@
     </p:spTree>
     <p:extLst>
       <p:ext uri="{BB962C8B-B14F-4D97-AF65-F5344CB8AC3E}">
-        <p14:creationId xmlns:p14="http://schemas.microsoft.com/office/powerpoint/2010/main" val="3615402237"/>
+        <p14:creationId xmlns:p14="http://schemas.microsoft.com/office/powerpoint/2010/main" val="2725600195"/>
       </p:ext>
     </p:extLst>
   </p:cSld>
@@ -11747,7 +12262,7 @@
           <a:p>
             <a:fld id="{BF105DB2-FD3E-441D-8B7E-7AE83ECE27B3}" type="slidenum">
               <a:rPr lang="en-US" smtClean="0"/>
-              <a:t>7</a:t>
+              <a:t>6</a:t>
             </a:fld>
             <a:endParaRPr lang="en-US" dirty="0"/>
           </a:p>
@@ -11756,7 +12271,7 @@
     </p:spTree>
     <p:extLst>
       <p:ext uri="{BB962C8B-B14F-4D97-AF65-F5344CB8AC3E}">
-        <p14:creationId xmlns:p14="http://schemas.microsoft.com/office/powerpoint/2010/main" val="1581744821"/>
+        <p14:creationId xmlns:p14="http://schemas.microsoft.com/office/powerpoint/2010/main" val="5566042"/>
       </p:ext>
     </p:extLst>
   </p:cSld>
@@ -11816,12 +12331,59 @@
             </a:pPr>
             <a:r>
               <a:rPr lang="en-US" dirty="0"/>
-              <a:t>After determining sources, had to bring</a:t>
-            </a:r>
-            <a:r>
-              <a:rPr lang="en-US" baseline="0" dirty="0"/>
-              <a:t> all data together to perform desired analysis</a:t>
-            </a:r>
+              <a:t>Fair Health: </a:t>
+            </a:r>
+            <a:r>
+              <a:rPr lang="en-US" sz="1200" b="0" i="0" kern="1200" dirty="0">
+                <a:solidFill>
+                  <a:schemeClr val="tx1"/>
+                </a:solidFill>
+                <a:effectLst/>
+                <a:latin typeface="+mn-lt"/>
+                <a:ea typeface="+mn-ea"/>
+                <a:cs typeface="+mn-cs"/>
+              </a:rPr>
+              <a:t>Poor or Fair Health measures the percentage of adults in a county who consider themselves to be in poor or fair health.</a:t>
+            </a:r>
+          </a:p>
+          <a:p>
+            <a:pPr marL="628650" lvl="1" indent="-171450">
+              <a:buFont typeface="Arial" panose="020B0604020202020204" pitchFamily="34" charset="0"/>
+              <a:buChar char="•"/>
+            </a:pPr>
+            <a:r>
+              <a:rPr lang="en-US" sz="1200" b="0" i="0" kern="1200" dirty="0">
+                <a:solidFill>
+                  <a:schemeClr val="tx1"/>
+                </a:solidFill>
+                <a:effectLst/>
+                <a:latin typeface="+mn-lt"/>
+                <a:ea typeface="+mn-ea"/>
+                <a:cs typeface="+mn-cs"/>
+              </a:rPr>
+              <a:t>https://www.countyhealthrankings.org/explore-health-rankings/measures-data-sources/county-health-rankings-model/health-outcomes/quality-of-life/poor-or-fair-health</a:t>
+            </a:r>
+          </a:p>
+          <a:p>
+            <a:pPr marL="0" lvl="0" indent="0">
+              <a:buFont typeface="Arial" panose="020B0604020202020204" pitchFamily="34" charset="0"/>
+              <a:buNone/>
+            </a:pPr>
+            <a:endParaRPr lang="en-US" sz="1200" b="0" i="0" kern="1200" dirty="0">
+              <a:solidFill>
+                <a:schemeClr val="tx1"/>
+              </a:solidFill>
+              <a:effectLst/>
+              <a:latin typeface="+mn-lt"/>
+              <a:ea typeface="+mn-ea"/>
+              <a:cs typeface="+mn-cs"/>
+            </a:endParaRPr>
+          </a:p>
+          <a:p>
+            <a:pPr marL="171450" indent="-171450">
+              <a:buFont typeface="Arial" panose="020B0604020202020204" pitchFamily="34" charset="0"/>
+              <a:buChar char="•"/>
+            </a:pPr>
             <a:endParaRPr lang="en-US" dirty="0"/>
           </a:p>
         </p:txBody>
@@ -11833,7 +12395,7 @@
             <a:spLocks noGrp="1"/>
           </p:cNvSpPr>
           <p:nvPr>
-            <p:ph type="sldNum" sz="quarter" idx="5"/>
+            <p:ph type="sldNum" sz="quarter" idx="10"/>
           </p:nvPr>
         </p:nvSpPr>
         <p:spPr/>
@@ -11843,7 +12405,7 @@
           <a:p>
             <a:fld id="{BF105DB2-FD3E-441D-8B7E-7AE83ECE27B3}" type="slidenum">
               <a:rPr lang="en-US" smtClean="0"/>
-              <a:t>8</a:t>
+              <a:t>7</a:t>
             </a:fld>
             <a:endParaRPr lang="en-US" dirty="0"/>
           </a:p>
@@ -11852,7 +12414,7 @@
     </p:spTree>
     <p:extLst>
       <p:ext uri="{BB962C8B-B14F-4D97-AF65-F5344CB8AC3E}">
-        <p14:creationId xmlns:p14="http://schemas.microsoft.com/office/powerpoint/2010/main" val="4268257121"/>
+        <p14:creationId xmlns:p14="http://schemas.microsoft.com/office/powerpoint/2010/main" val="2792953391"/>
       </p:ext>
     </p:extLst>
   </p:cSld>
@@ -11912,158 +12474,11 @@
             </a:pPr>
             <a:r>
               <a:rPr lang="en-US" dirty="0"/>
-              <a:t>Understanding data</a:t>
-            </a:r>
-          </a:p>
-          <a:p>
-            <a:pPr marL="628650" lvl="1" indent="-171450">
-              <a:buFont typeface="Arial" panose="020B0604020202020204" pitchFamily="34" charset="0"/>
-              <a:buChar char="•"/>
-            </a:pPr>
-            <a:r>
-              <a:rPr lang="en-US" dirty="0"/>
-              <a:t>County</a:t>
+              <a:t>After determining sources, had to bring</a:t>
             </a:r>
             <a:r>
               <a:rPr lang="en-US" baseline="0" dirty="0"/>
-              <a:t> Health Rankings (CHR) had wealth of information</a:t>
-            </a:r>
-          </a:p>
-          <a:p>
-            <a:pPr marL="628650" lvl="1" indent="-171450">
-              <a:buFont typeface="Arial" panose="020B0604020202020204" pitchFamily="34" charset="0"/>
-              <a:buChar char="•"/>
-            </a:pPr>
-            <a:r>
-              <a:rPr lang="en-US" baseline="0" dirty="0"/>
-              <a:t>Hours spent reviewing documentation/asking additional questions</a:t>
-            </a:r>
-          </a:p>
-          <a:p>
-            <a:pPr marL="1085850" lvl="2" indent="-171450">
-              <a:buFont typeface="Arial" panose="020B0604020202020204" pitchFamily="34" charset="0"/>
-              <a:buChar char="•"/>
-            </a:pPr>
-            <a:r>
-              <a:rPr lang="en-US" baseline="0" dirty="0"/>
-              <a:t>Meanings of ratios</a:t>
-            </a:r>
-          </a:p>
-          <a:p>
-            <a:pPr marL="1085850" lvl="2" indent="-171450">
-              <a:buFont typeface="Arial" panose="020B0604020202020204" pitchFamily="34" charset="0"/>
-              <a:buChar char="•"/>
-            </a:pPr>
-            <a:r>
-              <a:rPr lang="en-US" baseline="0" dirty="0"/>
-              <a:t>How data were grouped</a:t>
-            </a:r>
-          </a:p>
-          <a:p>
-            <a:pPr marL="171450" lvl="0" indent="-171450">
-              <a:buFont typeface="Arial" panose="020B0604020202020204" pitchFamily="34" charset="0"/>
-              <a:buChar char="•"/>
-            </a:pPr>
-            <a:r>
-              <a:rPr lang="en-US" baseline="0" dirty="0"/>
-              <a:t>Narrow focus</a:t>
-            </a:r>
-          </a:p>
-          <a:p>
-            <a:pPr marL="628650" lvl="1" indent="-171450">
-              <a:buFont typeface="Arial" panose="020B0604020202020204" pitchFamily="34" charset="0"/>
-              <a:buChar char="•"/>
-            </a:pPr>
-            <a:r>
-              <a:rPr lang="en-US" baseline="0" dirty="0"/>
-              <a:t>Continued to think about other comparisons but had to narrow focus</a:t>
-            </a:r>
-          </a:p>
-          <a:p>
-            <a:pPr marL="628650" lvl="1" indent="-171450">
-              <a:buFont typeface="Arial" panose="020B0604020202020204" pitchFamily="34" charset="0"/>
-              <a:buChar char="•"/>
-            </a:pPr>
-            <a:r>
-              <a:rPr lang="en-US" baseline="0" dirty="0"/>
-              <a:t>Created filtered </a:t>
-            </a:r>
-            <a:r>
-              <a:rPr lang="en-US" baseline="0" dirty="0" err="1"/>
-              <a:t>dataframe</a:t>
-            </a:r>
-            <a:r>
-              <a:rPr lang="en-US" baseline="0" dirty="0"/>
-              <a:t> that contained only information we could analyze within given timeframe</a:t>
-            </a:r>
-          </a:p>
-          <a:p>
-            <a:pPr marL="628650" lvl="1" indent="-171450">
-              <a:buFont typeface="Arial" panose="020B0604020202020204" pitchFamily="34" charset="0"/>
-              <a:buChar char="•"/>
-            </a:pPr>
-            <a:r>
-              <a:rPr lang="en-US" baseline="0" dirty="0"/>
-              <a:t>Decided to look at top and bottom 20 counties within U.S. based on % fair health</a:t>
-            </a:r>
-          </a:p>
-          <a:p>
-            <a:pPr marL="171450" lvl="0" indent="-171450">
-              <a:buFont typeface="Arial" panose="020B0604020202020204" pitchFamily="34" charset="0"/>
-              <a:buChar char="•"/>
-            </a:pPr>
-            <a:r>
-              <a:rPr lang="en-US" baseline="0" dirty="0"/>
-              <a:t>Prepare data</a:t>
-            </a:r>
-          </a:p>
-          <a:p>
-            <a:pPr marL="628650" lvl="1" indent="-171450">
-              <a:buFont typeface="Arial" panose="020B0604020202020204" pitchFamily="34" charset="0"/>
-              <a:buChar char="•"/>
-            </a:pPr>
-            <a:r>
-              <a:rPr lang="en-US" baseline="0" dirty="0"/>
-              <a:t>Ranking assigned in CHR was not what we wanted to analyze</a:t>
-            </a:r>
-          </a:p>
-          <a:p>
-            <a:pPr marL="1085850" lvl="2" indent="-171450">
-              <a:buFont typeface="Arial" panose="020B0604020202020204" pitchFamily="34" charset="0"/>
-              <a:buChar char="•"/>
-            </a:pPr>
-            <a:r>
-              <a:rPr lang="en-US" baseline="0" dirty="0"/>
-              <a:t>By state, not entire country</a:t>
-            </a:r>
-          </a:p>
-          <a:p>
-            <a:pPr marL="1085850" lvl="2" indent="-171450">
-              <a:buFont typeface="Arial" panose="020B0604020202020204" pitchFamily="34" charset="0"/>
-              <a:buChar char="•"/>
-            </a:pPr>
-            <a:endParaRPr lang="en-US" baseline="0" dirty="0"/>
-          </a:p>
-          <a:p>
-            <a:pPr marL="628650" lvl="1" indent="-171450">
-              <a:buFont typeface="Arial" panose="020B0604020202020204" pitchFamily="34" charset="0"/>
-              <a:buChar char="•"/>
-            </a:pPr>
-            <a:r>
-              <a:rPr lang="en-US" baseline="0" dirty="0"/>
-              <a:t>Added state and location (latitude/longitude) to </a:t>
-            </a:r>
-            <a:r>
-              <a:rPr lang="en-US" baseline="0" dirty="0" err="1"/>
-              <a:t>dataframe</a:t>
-            </a:r>
-            <a:r>
-              <a:rPr lang="en-US" baseline="0" dirty="0"/>
-              <a:t> to allow for </a:t>
-            </a:r>
-            <a:r>
-              <a:rPr lang="en-US" baseline="0" dirty="0" err="1"/>
-              <a:t>geoanalysis</a:t>
+              <a:t> all data together to perform desired analysis</a:t>
             </a:r>
             <a:endParaRPr lang="en-US" dirty="0"/>
           </a:p>
@@ -12076,7 +12491,7 @@
             <a:spLocks noGrp="1"/>
           </p:cNvSpPr>
           <p:nvPr>
-            <p:ph type="sldNum" sz="quarter" idx="10"/>
+            <p:ph type="sldNum" sz="quarter" idx="5"/>
           </p:nvPr>
         </p:nvSpPr>
         <p:spPr/>
@@ -12086,7 +12501,7 @@
           <a:p>
             <a:fld id="{BF105DB2-FD3E-441D-8B7E-7AE83ECE27B3}" type="slidenum">
               <a:rPr lang="en-US" smtClean="0"/>
-              <a:t>9</a:t>
+              <a:t>8</a:t>
             </a:fld>
             <a:endParaRPr lang="en-US" dirty="0"/>
           </a:p>
@@ -12095,7 +12510,7 @@
     </p:spTree>
     <p:extLst>
       <p:ext uri="{BB962C8B-B14F-4D97-AF65-F5344CB8AC3E}">
-        <p14:creationId xmlns:p14="http://schemas.microsoft.com/office/powerpoint/2010/main" val="2805730251"/>
+        <p14:creationId xmlns:p14="http://schemas.microsoft.com/office/powerpoint/2010/main" val="3615402237"/>
       </p:ext>
     </p:extLst>
   </p:cSld>
@@ -12149,58 +12564,7 @@
           <a:bodyPr/>
           <a:lstStyle/>
           <a:p>
-            <a:pPr marL="171450" indent="-171450">
-              <a:buFont typeface="Arial" panose="020B0604020202020204" pitchFamily="34" charset="0"/>
-              <a:buChar char="•"/>
-            </a:pPr>
-            <a:r>
-              <a:rPr lang="en-US" dirty="0"/>
-              <a:t>Initially overwhelmed</a:t>
-            </a:r>
-            <a:r>
-              <a:rPr lang="en-US" baseline="0" dirty="0"/>
-              <a:t> by amount of data available for U.S. counties</a:t>
-            </a:r>
-          </a:p>
-          <a:p>
-            <a:pPr marL="171450" indent="-171450">
-              <a:buFont typeface="Arial" panose="020B0604020202020204" pitchFamily="34" charset="0"/>
-              <a:buChar char="•"/>
-            </a:pPr>
-            <a:r>
-              <a:rPr lang="en-US" baseline="0" dirty="0"/>
-              <a:t>Went through plethora of comparisons/analyses</a:t>
-            </a:r>
-          </a:p>
-          <a:p>
-            <a:pPr marL="171450" indent="-171450">
-              <a:buFont typeface="Arial" panose="020B0604020202020204" pitchFamily="34" charset="0"/>
-              <a:buChar char="•"/>
-            </a:pPr>
-            <a:r>
-              <a:rPr lang="en-US" baseline="0" dirty="0"/>
-              <a:t>Surprised by weak correlation between fair health and obesity</a:t>
-            </a:r>
-          </a:p>
-          <a:p>
-            <a:pPr marL="628650" lvl="1" indent="-171450">
-              <a:buFont typeface="Arial" panose="020B0604020202020204" pitchFamily="34" charset="0"/>
-              <a:buChar char="•"/>
-            </a:pPr>
-            <a:r>
-              <a:rPr lang="en-US" baseline="0" dirty="0"/>
-              <a:t>Obesity defined as adults reporting BMI &gt;30</a:t>
-            </a:r>
-          </a:p>
-          <a:p>
-            <a:pPr marL="628650" lvl="1" indent="-171450">
-              <a:buFont typeface="Arial" panose="020B0604020202020204" pitchFamily="34" charset="0"/>
-              <a:buChar char="•"/>
-            </a:pPr>
-            <a:r>
-              <a:rPr lang="en-US" baseline="0" dirty="0"/>
-              <a:t>Respondents may not have been truthful or understood how to define themselves as obese</a:t>
-            </a:r>
+            <a:endParaRPr lang="en-US"/>
           </a:p>
         </p:txBody>
       </p:sp>
@@ -12221,7 +12585,7 @@
           <a:p>
             <a:fld id="{BF105DB2-FD3E-441D-8B7E-7AE83ECE27B3}" type="slidenum">
               <a:rPr lang="en-US" smtClean="0"/>
-              <a:t>10</a:t>
+              <a:t>9</a:t>
             </a:fld>
             <a:endParaRPr lang="en-US" dirty="0"/>
           </a:p>
@@ -12230,7 +12594,7 @@
     </p:spTree>
     <p:extLst>
       <p:ext uri="{BB962C8B-B14F-4D97-AF65-F5344CB8AC3E}">
-        <p14:creationId xmlns:p14="http://schemas.microsoft.com/office/powerpoint/2010/main" val="1965874506"/>
+        <p14:creationId xmlns:p14="http://schemas.microsoft.com/office/powerpoint/2010/main" val="1581744821"/>
       </p:ext>
     </p:extLst>
   </p:cSld>
@@ -16852,18 +17216,24 @@
       </p:grpSpPr>
       <p:sp>
         <p:nvSpPr>
-          <p:cNvPr id="3" name="Title 2"/>
+          <p:cNvPr id="2" name="Title 1">
+            <a:extLst>
+              <a:ext uri="{FF2B5EF4-FFF2-40B4-BE49-F238E27FC236}">
+                <a16:creationId xmlns:a16="http://schemas.microsoft.com/office/drawing/2014/main" id="{782DD051-32BC-4EEA-B089-E9D7BAB9AFE8}"/>
+              </a:ext>
+            </a:extLst>
+          </p:cNvPr>
           <p:cNvSpPr>
             <a:spLocks noGrp="1"/>
           </p:cNvSpPr>
           <p:nvPr>
-            <p:ph type="title"/>
+            <p:ph type="ctrTitle"/>
           </p:nvPr>
         </p:nvSpPr>
         <p:spPr>
           <a:xfrm>
-            <a:off x="7923214" y="1371600"/>
-            <a:ext cx="3124200" cy="2057400"/>
+            <a:off x="1522414" y="1905000"/>
+            <a:ext cx="9143998" cy="2667000"/>
           </a:xfrm>
         </p:spPr>
         <p:txBody>
@@ -16873,83 +17243,16 @@
           <a:lstStyle/>
           <a:p>
             <a:r>
-              <a:rPr lang="en-US" dirty="0"/>
-              <a:t>Unanticipated Insights</a:t>
-            </a:r>
-          </a:p>
-        </p:txBody>
-      </p:sp>
-      <p:pic>
-        <p:nvPicPr>
-          <p:cNvPr id="5" name="Picture 4" descr="A close up of a map&#10;&#10;Description automatically generated">
-            <a:extLst>
-              <a:ext uri="{FF2B5EF4-FFF2-40B4-BE49-F238E27FC236}">
-                <a16:creationId xmlns:a16="http://schemas.microsoft.com/office/drawing/2014/main" id="{B83940A4-24F5-4FEB-A0D8-2AEF328905F9}"/>
-              </a:ext>
-            </a:extLst>
-          </p:cNvPr>
-          <p:cNvPicPr>
-            <a:picLocks noChangeAspect="1"/>
-          </p:cNvPicPr>
-          <p:nvPr/>
-        </p:nvPicPr>
-        <p:blipFill>
-          <a:blip r:embed="rId3"/>
-          <a:stretch>
-            <a:fillRect/>
-          </a:stretch>
-        </p:blipFill>
-        <p:spPr>
-          <a:xfrm>
-            <a:off x="1400490" y="1384935"/>
-            <a:ext cx="5760720" cy="3840479"/>
-          </a:xfrm>
-          <a:prstGeom prst="rect">
-            <a:avLst/>
-          </a:prstGeom>
-          <a:noFill/>
-        </p:spPr>
-      </p:pic>
-      <p:sp>
-        <p:nvSpPr>
-          <p:cNvPr id="2" name="Content Placeholder 1"/>
-          <p:cNvSpPr>
-            <a:spLocks noGrp="1"/>
-          </p:cNvSpPr>
-          <p:nvPr>
-            <p:ph type="body" sz="half" idx="2"/>
-          </p:nvPr>
-        </p:nvSpPr>
-        <p:spPr>
-          <a:xfrm>
-            <a:off x="7923214" y="3536829"/>
-            <a:ext cx="3124200" cy="1797171"/>
-          </a:xfrm>
-        </p:spPr>
-        <p:txBody>
-          <a:bodyPr>
-            <a:normAutofit/>
-          </a:bodyPr>
-          <a:lstStyle/>
-          <a:p>
-            <a:r>
-              <a:rPr lang="en-US" dirty="0"/>
-              <a:t>Weak correlation between fair health and obesity (.193)</a:t>
-            </a:r>
-          </a:p>
-          <a:p>
-            <a:endParaRPr lang="en-US" dirty="0"/>
-          </a:p>
-          <a:p>
-            <a:pPr lvl="1"/>
-            <a:endParaRPr lang="en-US" sz="1600"/>
+              <a:rPr lang="en-US" sz="6000" dirty="0"/>
+              <a:t>Data Cleanup &amp; Exploration</a:t>
+            </a:r>
           </a:p>
         </p:txBody>
       </p:sp>
     </p:spTree>
     <p:extLst>
       <p:ext uri="{BB962C8B-B14F-4D97-AF65-F5344CB8AC3E}">
-        <p14:creationId xmlns:p14="http://schemas.microsoft.com/office/powerpoint/2010/main" val="3224243975"/>
+        <p14:creationId xmlns:p14="http://schemas.microsoft.com/office/powerpoint/2010/main" val="1429117195"/>
       </p:ext>
     </p:extLst>
   </p:cSld>
@@ -17000,8 +17303,8 @@
         </p:nvSpPr>
         <p:spPr>
           <a:xfrm>
-            <a:off x="7923214" y="1371600"/>
-            <a:ext cx="3124200" cy="2057400"/>
+            <a:off x="1522876" y="609600"/>
+            <a:ext cx="9143538" cy="1066800"/>
           </a:xfrm>
         </p:spPr>
         <p:txBody>
@@ -17012,82 +17315,46 @@
           <a:p>
             <a:r>
               <a:rPr lang="en-US" dirty="0"/>
-              <a:t>Unanticipated Insights</a:t>
+              <a:t>Exploration &amp; Cleanup Process</a:t>
             </a:r>
           </a:p>
         </p:txBody>
       </p:sp>
-      <p:pic>
-        <p:nvPicPr>
-          <p:cNvPr id="6" name="Picture 5" descr="A screenshot of a cell phone&#10;&#10;Description automatically generated">
+      <p:graphicFrame>
+        <p:nvGraphicFramePr>
+          <p:cNvPr id="5" name="Content Placeholder 1">
             <a:extLst>
               <a:ext uri="{FF2B5EF4-FFF2-40B4-BE49-F238E27FC236}">
-                <a16:creationId xmlns:a16="http://schemas.microsoft.com/office/drawing/2014/main" id="{1CEC19A1-952A-4157-AD90-135D62ACB6BF}"/>
+                <a16:creationId xmlns:a16="http://schemas.microsoft.com/office/drawing/2014/main" id="{47FC2124-A60C-4D69-BF2A-87E754483324}"/>
               </a:ext>
             </a:extLst>
           </p:cNvPr>
-          <p:cNvPicPr>
-            <a:picLocks noChangeAspect="1"/>
-          </p:cNvPicPr>
-          <p:nvPr/>
-        </p:nvPicPr>
-        <p:blipFill>
-          <a:blip r:embed="rId3"/>
-          <a:stretch>
-            <a:fillRect/>
-          </a:stretch>
-        </p:blipFill>
-        <p:spPr>
-          <a:xfrm>
-            <a:off x="1400490" y="1384935"/>
-            <a:ext cx="5760720" cy="3840479"/>
-          </a:xfrm>
-          <a:prstGeom prst="rect">
-            <a:avLst/>
-          </a:prstGeom>
-          <a:noFill/>
-        </p:spPr>
-      </p:pic>
-      <p:sp>
-        <p:nvSpPr>
-          <p:cNvPr id="2" name="Content Placeholder 1"/>
-          <p:cNvSpPr>
-            <a:spLocks noGrp="1"/>
-          </p:cNvSpPr>
+          <p:cNvGraphicFramePr>
+            <a:graphicFrameLocks noGrp="1"/>
+          </p:cNvGraphicFramePr>
           <p:nvPr>
-            <p:ph type="body" sz="half" idx="2"/>
+            <p:ph idx="1"/>
+            <p:extLst>
+              <p:ext uri="{D42A27DB-BD31-4B8C-83A1-F6EECF244321}">
+                <p14:modId xmlns:p14="http://schemas.microsoft.com/office/powerpoint/2010/main" val="1465033406"/>
+              </p:ext>
+            </p:extLst>
           </p:nvPr>
-        </p:nvSpPr>
-        <p:spPr>
-          <a:xfrm>
-            <a:off x="7923214" y="3536829"/>
-            <a:ext cx="3124200" cy="1797171"/>
-          </a:xfrm>
-        </p:spPr>
-        <p:txBody>
-          <a:bodyPr>
-            <a:normAutofit/>
-          </a:bodyPr>
-          <a:lstStyle/>
-          <a:p>
-            <a:r>
-              <a:rPr lang="en-US" dirty="0"/>
-              <a:t>Weak correlation between fair health and income ratio (.286)</a:t>
-            </a:r>
-          </a:p>
-          <a:p>
-            <a:endParaRPr lang="en-US" dirty="0"/>
-          </a:p>
-          <a:p>
-            <a:pPr lvl="1"/>
-            <a:endParaRPr lang="en-US" sz="1600"/>
-          </a:p>
-        </p:txBody>
-      </p:sp>
+        </p:nvGraphicFramePr>
+        <p:xfrm>
+          <a:off x="1522876" y="1905000"/>
+          <a:ext cx="9143538" cy="3697465"/>
+        </p:xfrm>
+        <a:graphic>
+          <a:graphicData uri="http://schemas.openxmlformats.org/drawingml/2006/diagram">
+            <dgm:relIds xmlns:dgm="http://schemas.openxmlformats.org/drawingml/2006/diagram" xmlns:r="http://schemas.openxmlformats.org/officeDocument/2006/relationships" r:dm="rId3" r:lo="rId4" r:qs="rId5" r:cs="rId6"/>
+          </a:graphicData>
+        </a:graphic>
+      </p:graphicFrame>
     </p:spTree>
     <p:extLst>
       <p:ext uri="{BB962C8B-B14F-4D97-AF65-F5344CB8AC3E}">
-        <p14:creationId xmlns:p14="http://schemas.microsoft.com/office/powerpoint/2010/main" val="2218539131"/>
+        <p14:creationId xmlns:p14="http://schemas.microsoft.com/office/powerpoint/2010/main" val="1255868717"/>
       </p:ext>
     </p:extLst>
   </p:cSld>
@@ -17157,6 +17424,282 @@
       </p:sp>
       <p:pic>
         <p:nvPicPr>
+          <p:cNvPr id="5" name="Picture 4" descr="A close up of a map&#10;&#10;Description automatically generated">
+            <a:extLst>
+              <a:ext uri="{FF2B5EF4-FFF2-40B4-BE49-F238E27FC236}">
+                <a16:creationId xmlns:a16="http://schemas.microsoft.com/office/drawing/2014/main" id="{B83940A4-24F5-4FEB-A0D8-2AEF328905F9}"/>
+              </a:ext>
+            </a:extLst>
+          </p:cNvPr>
+          <p:cNvPicPr>
+            <a:picLocks noChangeAspect="1"/>
+          </p:cNvPicPr>
+          <p:nvPr/>
+        </p:nvPicPr>
+        <p:blipFill>
+          <a:blip r:embed="rId3"/>
+          <a:stretch>
+            <a:fillRect/>
+          </a:stretch>
+        </p:blipFill>
+        <p:spPr>
+          <a:xfrm>
+            <a:off x="1400490" y="1384935"/>
+            <a:ext cx="5760720" cy="3840479"/>
+          </a:xfrm>
+          <a:prstGeom prst="rect">
+            <a:avLst/>
+          </a:prstGeom>
+          <a:noFill/>
+        </p:spPr>
+      </p:pic>
+      <p:sp>
+        <p:nvSpPr>
+          <p:cNvPr id="2" name="Content Placeholder 1"/>
+          <p:cNvSpPr>
+            <a:spLocks noGrp="1"/>
+          </p:cNvSpPr>
+          <p:nvPr>
+            <p:ph type="body" sz="half" idx="2"/>
+          </p:nvPr>
+        </p:nvSpPr>
+        <p:spPr>
+          <a:xfrm>
+            <a:off x="7923214" y="3536829"/>
+            <a:ext cx="3124200" cy="1797171"/>
+          </a:xfrm>
+        </p:spPr>
+        <p:txBody>
+          <a:bodyPr>
+            <a:normAutofit/>
+          </a:bodyPr>
+          <a:lstStyle/>
+          <a:p>
+            <a:r>
+              <a:rPr lang="en-US" dirty="0"/>
+              <a:t>Weak correlation between fair health and obesity (.193)</a:t>
+            </a:r>
+          </a:p>
+          <a:p>
+            <a:endParaRPr lang="en-US" dirty="0"/>
+          </a:p>
+          <a:p>
+            <a:pPr lvl="1"/>
+            <a:endParaRPr lang="en-US" sz="1600"/>
+          </a:p>
+        </p:txBody>
+      </p:sp>
+    </p:spTree>
+    <p:extLst>
+      <p:ext uri="{BB962C8B-B14F-4D97-AF65-F5344CB8AC3E}">
+        <p14:creationId xmlns:p14="http://schemas.microsoft.com/office/powerpoint/2010/main" val="3224243975"/>
+      </p:ext>
+    </p:extLst>
+  </p:cSld>
+  <p:clrMapOvr>
+    <a:masterClrMapping/>
+  </p:clrMapOvr>
+  <mc:AlternateContent xmlns:mc="http://schemas.openxmlformats.org/markup-compatibility/2006" xmlns:p14="http://schemas.microsoft.com/office/powerpoint/2010/main">
+    <mc:Choice Requires="p14">
+      <p:transition spd="med" p14:dur="700">
+        <p:fade/>
+      </p:transition>
+    </mc:Choice>
+    <mc:Fallback xmlns="">
+      <p:transition spd="med">
+        <p:fade/>
+      </p:transition>
+    </mc:Fallback>
+  </mc:AlternateContent>
+</p:sld>
+</file>
+
+<file path=ppt/slides/slide13.xml><?xml version="1.0" encoding="utf-8"?>
+<p:sld xmlns:a="http://schemas.openxmlformats.org/drawingml/2006/main" xmlns:r="http://schemas.openxmlformats.org/officeDocument/2006/relationships" xmlns:p="http://schemas.openxmlformats.org/presentationml/2006/main">
+  <p:cSld>
+    <p:spTree>
+      <p:nvGrpSpPr>
+        <p:cNvPr id="1" name=""/>
+        <p:cNvGrpSpPr/>
+        <p:nvPr/>
+      </p:nvGrpSpPr>
+      <p:grpSpPr>
+        <a:xfrm>
+          <a:off x="0" y="0"/>
+          <a:ext cx="0" cy="0"/>
+          <a:chOff x="0" y="0"/>
+          <a:chExt cx="0" cy="0"/>
+        </a:xfrm>
+      </p:grpSpPr>
+      <p:sp>
+        <p:nvSpPr>
+          <p:cNvPr id="3" name="Title 2"/>
+          <p:cNvSpPr>
+            <a:spLocks noGrp="1"/>
+          </p:cNvSpPr>
+          <p:nvPr>
+            <p:ph type="title"/>
+          </p:nvPr>
+        </p:nvSpPr>
+        <p:spPr>
+          <a:xfrm>
+            <a:off x="7923214" y="1371600"/>
+            <a:ext cx="3124200" cy="2057400"/>
+          </a:xfrm>
+        </p:spPr>
+        <p:txBody>
+          <a:bodyPr anchor="b">
+            <a:normAutofit/>
+          </a:bodyPr>
+          <a:lstStyle/>
+          <a:p>
+            <a:r>
+              <a:rPr lang="en-US" dirty="0"/>
+              <a:t>Unanticipated Insights</a:t>
+            </a:r>
+          </a:p>
+        </p:txBody>
+      </p:sp>
+      <p:pic>
+        <p:nvPicPr>
+          <p:cNvPr id="6" name="Picture 5" descr="A screenshot of a cell phone&#10;&#10;Description automatically generated">
+            <a:extLst>
+              <a:ext uri="{FF2B5EF4-FFF2-40B4-BE49-F238E27FC236}">
+                <a16:creationId xmlns:a16="http://schemas.microsoft.com/office/drawing/2014/main" id="{1CEC19A1-952A-4157-AD90-135D62ACB6BF}"/>
+              </a:ext>
+            </a:extLst>
+          </p:cNvPr>
+          <p:cNvPicPr>
+            <a:picLocks noChangeAspect="1"/>
+          </p:cNvPicPr>
+          <p:nvPr/>
+        </p:nvPicPr>
+        <p:blipFill>
+          <a:blip r:embed="rId3"/>
+          <a:stretch>
+            <a:fillRect/>
+          </a:stretch>
+        </p:blipFill>
+        <p:spPr>
+          <a:xfrm>
+            <a:off x="1400490" y="1384935"/>
+            <a:ext cx="5760720" cy="3840479"/>
+          </a:xfrm>
+          <a:prstGeom prst="rect">
+            <a:avLst/>
+          </a:prstGeom>
+          <a:noFill/>
+        </p:spPr>
+      </p:pic>
+      <p:sp>
+        <p:nvSpPr>
+          <p:cNvPr id="2" name="Content Placeholder 1"/>
+          <p:cNvSpPr>
+            <a:spLocks noGrp="1"/>
+          </p:cNvSpPr>
+          <p:nvPr>
+            <p:ph type="body" sz="half" idx="2"/>
+          </p:nvPr>
+        </p:nvSpPr>
+        <p:spPr>
+          <a:xfrm>
+            <a:off x="7923214" y="3536829"/>
+            <a:ext cx="3124200" cy="1797171"/>
+          </a:xfrm>
+        </p:spPr>
+        <p:txBody>
+          <a:bodyPr>
+            <a:normAutofit/>
+          </a:bodyPr>
+          <a:lstStyle/>
+          <a:p>
+            <a:r>
+              <a:rPr lang="en-US" dirty="0"/>
+              <a:t>Weak correlation between fair health and income ratio (.286)</a:t>
+            </a:r>
+          </a:p>
+          <a:p>
+            <a:endParaRPr lang="en-US" dirty="0"/>
+          </a:p>
+          <a:p>
+            <a:pPr lvl="1"/>
+            <a:endParaRPr lang="en-US" sz="1600"/>
+          </a:p>
+        </p:txBody>
+      </p:sp>
+    </p:spTree>
+    <p:extLst>
+      <p:ext uri="{BB962C8B-B14F-4D97-AF65-F5344CB8AC3E}">
+        <p14:creationId xmlns:p14="http://schemas.microsoft.com/office/powerpoint/2010/main" val="2218539131"/>
+      </p:ext>
+    </p:extLst>
+  </p:cSld>
+  <p:clrMapOvr>
+    <a:masterClrMapping/>
+  </p:clrMapOvr>
+  <mc:AlternateContent xmlns:mc="http://schemas.openxmlformats.org/markup-compatibility/2006" xmlns:p14="http://schemas.microsoft.com/office/powerpoint/2010/main">
+    <mc:Choice Requires="p14">
+      <p:transition spd="med" p14:dur="700">
+        <p:fade/>
+      </p:transition>
+    </mc:Choice>
+    <mc:Fallback xmlns="">
+      <p:transition spd="med">
+        <p:fade/>
+      </p:transition>
+    </mc:Fallback>
+  </mc:AlternateContent>
+</p:sld>
+</file>
+
+<file path=ppt/slides/slide14.xml><?xml version="1.0" encoding="utf-8"?>
+<p:sld xmlns:a="http://schemas.openxmlformats.org/drawingml/2006/main" xmlns:r="http://schemas.openxmlformats.org/officeDocument/2006/relationships" xmlns:p="http://schemas.openxmlformats.org/presentationml/2006/main">
+  <p:cSld>
+    <p:spTree>
+      <p:nvGrpSpPr>
+        <p:cNvPr id="1" name=""/>
+        <p:cNvGrpSpPr/>
+        <p:nvPr/>
+      </p:nvGrpSpPr>
+      <p:grpSpPr>
+        <a:xfrm>
+          <a:off x="0" y="0"/>
+          <a:ext cx="0" cy="0"/>
+          <a:chOff x="0" y="0"/>
+          <a:chExt cx="0" cy="0"/>
+        </a:xfrm>
+      </p:grpSpPr>
+      <p:sp>
+        <p:nvSpPr>
+          <p:cNvPr id="3" name="Title 2"/>
+          <p:cNvSpPr>
+            <a:spLocks noGrp="1"/>
+          </p:cNvSpPr>
+          <p:nvPr>
+            <p:ph type="title"/>
+          </p:nvPr>
+        </p:nvSpPr>
+        <p:spPr>
+          <a:xfrm>
+            <a:off x="7923214" y="1371600"/>
+            <a:ext cx="3124200" cy="2057400"/>
+          </a:xfrm>
+        </p:spPr>
+        <p:txBody>
+          <a:bodyPr anchor="b">
+            <a:normAutofit/>
+          </a:bodyPr>
+          <a:lstStyle/>
+          <a:p>
+            <a:r>
+              <a:rPr lang="en-US" dirty="0"/>
+              <a:t>Unanticipated Insights</a:t>
+            </a:r>
+          </a:p>
+        </p:txBody>
+      </p:sp>
+      <p:pic>
+        <p:nvPicPr>
           <p:cNvPr id="6" name="Picture 5">
             <a:extLst>
               <a:ext uri="{FF2B5EF4-FFF2-40B4-BE49-F238E27FC236}">
@@ -17244,7 +17787,7 @@
 </p:sld>
 </file>
 
-<file path=ppt/slides/slide13.xml><?xml version="1.0" encoding="utf-8"?>
+<file path=ppt/slides/slide15.xml><?xml version="1.0" encoding="utf-8"?>
 <p:sld xmlns:a="http://schemas.openxmlformats.org/drawingml/2006/main" xmlns:r="http://schemas.openxmlformats.org/officeDocument/2006/relationships" xmlns:p="http://schemas.openxmlformats.org/presentationml/2006/main">
   <p:cSld>
     <p:spTree>
@@ -17346,7 +17889,7 @@
 </p:sld>
 </file>
 
-<file path=ppt/slides/slide14.xml><?xml version="1.0" encoding="utf-8"?>
+<file path=ppt/slides/slide16.xml><?xml version="1.0" encoding="utf-8"?>
 <p:sld xmlns:a="http://schemas.openxmlformats.org/drawingml/2006/main" xmlns:r="http://schemas.openxmlformats.org/officeDocument/2006/relationships" xmlns:p="http://schemas.openxmlformats.org/presentationml/2006/main">
   <p:cSld>
     <p:spTree>
@@ -17423,7 +17966,7 @@
 </p:sld>
 </file>
 
-<file path=ppt/slides/slide15.xml><?xml version="1.0" encoding="utf-8"?>
+<file path=ppt/slides/slide17.xml><?xml version="1.0" encoding="utf-8"?>
 <p:sld xmlns:a="http://schemas.openxmlformats.org/drawingml/2006/main" xmlns:r="http://schemas.openxmlformats.org/officeDocument/2006/relationships" xmlns:p="http://schemas.openxmlformats.org/presentationml/2006/main">
   <p:cSld>
     <p:spTree>
@@ -17523,7 +18066,7 @@
 </p:sld>
 </file>
 
-<file path=ppt/slides/slide16.xml><?xml version="1.0" encoding="utf-8"?>
+<file path=ppt/slides/slide18.xml><?xml version="1.0" encoding="utf-8"?>
 <p:sld xmlns:a="http://schemas.openxmlformats.org/drawingml/2006/main" xmlns:r="http://schemas.openxmlformats.org/officeDocument/2006/relationships" xmlns:p="http://schemas.openxmlformats.org/presentationml/2006/main">
   <p:cSld>
     <p:spTree>
@@ -17674,7 +18217,7 @@
 </p:sld>
 </file>
 
-<file path=ppt/slides/slide17.xml><?xml version="1.0" encoding="utf-8"?>
+<file path=ppt/slides/slide19.xml><?xml version="1.0" encoding="utf-8"?>
 <p:sld xmlns:a="http://schemas.openxmlformats.org/drawingml/2006/main" xmlns:r="http://schemas.openxmlformats.org/officeDocument/2006/relationships" xmlns:p="http://schemas.openxmlformats.org/presentationml/2006/main">
   <p:cSld>
     <p:spTree>
@@ -17778,7 +18321,84 @@
 </p:sld>
 </file>
 
-<file path=ppt/slides/slide18.xml><?xml version="1.0" encoding="utf-8"?>
+<file path=ppt/slides/slide2.xml><?xml version="1.0" encoding="utf-8"?>
+<p:sld xmlns:a="http://schemas.openxmlformats.org/drawingml/2006/main" xmlns:r="http://schemas.openxmlformats.org/officeDocument/2006/relationships" xmlns:p="http://schemas.openxmlformats.org/presentationml/2006/main">
+  <p:cSld>
+    <p:spTree>
+      <p:nvGrpSpPr>
+        <p:cNvPr id="1" name=""/>
+        <p:cNvGrpSpPr/>
+        <p:nvPr/>
+      </p:nvGrpSpPr>
+      <p:grpSpPr>
+        <a:xfrm>
+          <a:off x="0" y="0"/>
+          <a:ext cx="0" cy="0"/>
+          <a:chOff x="0" y="0"/>
+          <a:chExt cx="0" cy="0"/>
+        </a:xfrm>
+      </p:grpSpPr>
+      <p:sp>
+        <p:nvSpPr>
+          <p:cNvPr id="2" name="Title 1">
+            <a:extLst>
+              <a:ext uri="{FF2B5EF4-FFF2-40B4-BE49-F238E27FC236}">
+                <a16:creationId xmlns:a16="http://schemas.microsoft.com/office/drawing/2014/main" id="{782DD051-32BC-4EEA-B089-E9D7BAB9AFE8}"/>
+              </a:ext>
+            </a:extLst>
+          </p:cNvPr>
+          <p:cNvSpPr>
+            <a:spLocks noGrp="1"/>
+          </p:cNvSpPr>
+          <p:nvPr>
+            <p:ph type="ctrTitle"/>
+          </p:nvPr>
+        </p:nvSpPr>
+        <p:spPr>
+          <a:xfrm>
+            <a:off x="1522414" y="1905000"/>
+            <a:ext cx="9143998" cy="2667000"/>
+          </a:xfrm>
+        </p:spPr>
+        <p:txBody>
+          <a:bodyPr anchor="b">
+            <a:normAutofit/>
+          </a:bodyPr>
+          <a:lstStyle/>
+          <a:p>
+            <a:r>
+              <a:rPr lang="en-US" dirty="0"/>
+              <a:t>Motivation &amp; Summary</a:t>
+            </a:r>
+          </a:p>
+        </p:txBody>
+      </p:sp>
+    </p:spTree>
+    <p:extLst>
+      <p:ext uri="{BB962C8B-B14F-4D97-AF65-F5344CB8AC3E}">
+        <p14:creationId xmlns:p14="http://schemas.microsoft.com/office/powerpoint/2010/main" val="3561769601"/>
+      </p:ext>
+    </p:extLst>
+  </p:cSld>
+  <p:clrMapOvr>
+    <a:masterClrMapping/>
+  </p:clrMapOvr>
+  <mc:AlternateContent xmlns:mc="http://schemas.openxmlformats.org/markup-compatibility/2006" xmlns:p14="http://schemas.microsoft.com/office/powerpoint/2010/main">
+    <mc:Choice Requires="p14">
+      <p:transition spd="med" p14:dur="700">
+        <p:fade/>
+      </p:transition>
+    </mc:Choice>
+    <mc:Fallback xmlns="">
+      <p:transition spd="med">
+        <p:fade/>
+      </p:transition>
+    </mc:Fallback>
+  </mc:AlternateContent>
+</p:sld>
+</file>
+
+<file path=ppt/slides/slide20.xml><?xml version="1.0" encoding="utf-8"?>
 <p:sld xmlns:a="http://schemas.openxmlformats.org/drawingml/2006/main" xmlns:r="http://schemas.openxmlformats.org/officeDocument/2006/relationships" xmlns:p="http://schemas.openxmlformats.org/presentationml/2006/main">
   <p:cSld>
     <p:spTree>
@@ -17981,7 +18601,7 @@
 </p:sld>
 </file>
 
-<file path=ppt/slides/slide19.xml><?xml version="1.0" encoding="utf-8"?>
+<file path=ppt/slides/slide21.xml><?xml version="1.0" encoding="utf-8"?>
 <p:sld xmlns:a="http://schemas.openxmlformats.org/drawingml/2006/main" xmlns:r="http://schemas.openxmlformats.org/officeDocument/2006/relationships" xmlns:p="http://schemas.openxmlformats.org/presentationml/2006/main">
   <p:cSld>
     <p:spTree>
@@ -18127,84 +18747,7 @@
 </p:sld>
 </file>
 
-<file path=ppt/slides/slide2.xml><?xml version="1.0" encoding="utf-8"?>
-<p:sld xmlns:a="http://schemas.openxmlformats.org/drawingml/2006/main" xmlns:r="http://schemas.openxmlformats.org/officeDocument/2006/relationships" xmlns:p="http://schemas.openxmlformats.org/presentationml/2006/main">
-  <p:cSld>
-    <p:spTree>
-      <p:nvGrpSpPr>
-        <p:cNvPr id="1" name=""/>
-        <p:cNvGrpSpPr/>
-        <p:nvPr/>
-      </p:nvGrpSpPr>
-      <p:grpSpPr>
-        <a:xfrm>
-          <a:off x="0" y="0"/>
-          <a:ext cx="0" cy="0"/>
-          <a:chOff x="0" y="0"/>
-          <a:chExt cx="0" cy="0"/>
-        </a:xfrm>
-      </p:grpSpPr>
-      <p:sp>
-        <p:nvSpPr>
-          <p:cNvPr id="2" name="Title 1">
-            <a:extLst>
-              <a:ext uri="{FF2B5EF4-FFF2-40B4-BE49-F238E27FC236}">
-                <a16:creationId xmlns:a16="http://schemas.microsoft.com/office/drawing/2014/main" id="{782DD051-32BC-4EEA-B089-E9D7BAB9AFE8}"/>
-              </a:ext>
-            </a:extLst>
-          </p:cNvPr>
-          <p:cNvSpPr>
-            <a:spLocks noGrp="1"/>
-          </p:cNvSpPr>
-          <p:nvPr>
-            <p:ph type="ctrTitle"/>
-          </p:nvPr>
-        </p:nvSpPr>
-        <p:spPr>
-          <a:xfrm>
-            <a:off x="1522414" y="1905000"/>
-            <a:ext cx="9143998" cy="2667000"/>
-          </a:xfrm>
-        </p:spPr>
-        <p:txBody>
-          <a:bodyPr anchor="b">
-            <a:normAutofit/>
-          </a:bodyPr>
-          <a:lstStyle/>
-          <a:p>
-            <a:r>
-              <a:rPr lang="en-US" dirty="0"/>
-              <a:t>Motivation &amp; Summary</a:t>
-            </a:r>
-          </a:p>
-        </p:txBody>
-      </p:sp>
-    </p:spTree>
-    <p:extLst>
-      <p:ext uri="{BB962C8B-B14F-4D97-AF65-F5344CB8AC3E}">
-        <p14:creationId xmlns:p14="http://schemas.microsoft.com/office/powerpoint/2010/main" val="3561769601"/>
-      </p:ext>
-    </p:extLst>
-  </p:cSld>
-  <p:clrMapOvr>
-    <a:masterClrMapping/>
-  </p:clrMapOvr>
-  <mc:AlternateContent xmlns:mc="http://schemas.openxmlformats.org/markup-compatibility/2006" xmlns:p14="http://schemas.microsoft.com/office/powerpoint/2010/main">
-    <mc:Choice Requires="p14">
-      <p:transition spd="med" p14:dur="700">
-        <p:fade/>
-      </p:transition>
-    </mc:Choice>
-    <mc:Fallback xmlns="">
-      <p:transition spd="med">
-        <p:fade/>
-      </p:transition>
-    </mc:Fallback>
-  </mc:AlternateContent>
-</p:sld>
-</file>
-
-<file path=ppt/slides/slide20.xml><?xml version="1.0" encoding="utf-8"?>
+<file path=ppt/slides/slide22.xml><?xml version="1.0" encoding="utf-8"?>
 <p:sld xmlns:a="http://schemas.openxmlformats.org/drawingml/2006/main" xmlns:r="http://schemas.openxmlformats.org/officeDocument/2006/relationships" xmlns:p="http://schemas.openxmlformats.org/presentationml/2006/main">
   <p:cSld>
     <p:spTree>
@@ -18304,7 +18847,7 @@
 </p:sld>
 </file>
 
-<file path=ppt/slides/slide21.xml><?xml version="1.0" encoding="utf-8"?>
+<file path=ppt/slides/slide23.xml><?xml version="1.0" encoding="utf-8"?>
 <p:sld xmlns:a="http://schemas.openxmlformats.org/drawingml/2006/main" xmlns:r="http://schemas.openxmlformats.org/officeDocument/2006/relationships" xmlns:p="http://schemas.openxmlformats.org/presentationml/2006/main" show="0">
   <p:cSld>
     <p:spTree>
@@ -18386,13 +18929,13 @@
   <p:clrMapOvr>
     <a:masterClrMapping/>
   </p:clrMapOvr>
-  <mc:AlternateContent xmlns:mc="http://schemas.openxmlformats.org/markup-compatibility/2006">
-    <mc:Choice xmlns:p14="http://schemas.microsoft.com/office/powerpoint/2010/main" Requires="p14">
+  <mc:AlternateContent xmlns:mc="http://schemas.openxmlformats.org/markup-compatibility/2006" xmlns:p14="http://schemas.microsoft.com/office/powerpoint/2010/main">
+    <mc:Choice Requires="p14">
       <p:transition spd="med" p14:dur="700">
         <p:fade/>
       </p:transition>
     </mc:Choice>
-    <mc:Fallback>
+    <mc:Fallback xmlns="">
       <p:transition spd="med">
         <p:fade/>
       </p:transition>
@@ -18401,7 +18944,7 @@
 </p:sld>
 </file>
 
-<file path=ppt/slides/slide22.xml><?xml version="1.0" encoding="utf-8"?>
+<file path=ppt/slides/slide24.xml><?xml version="1.0" encoding="utf-8"?>
 <p:sld xmlns:a="http://schemas.openxmlformats.org/drawingml/2006/main" xmlns:r="http://schemas.openxmlformats.org/officeDocument/2006/relationships" xmlns:p="http://schemas.openxmlformats.org/presentationml/2006/main">
   <p:cSld>
     <p:spTree>
@@ -18531,7 +19074,7 @@
 </p:sld>
 </file>
 
-<file path=ppt/slides/slide23.xml><?xml version="1.0" encoding="utf-8"?>
+<file path=ppt/slides/slide25.xml><?xml version="1.0" encoding="utf-8"?>
 <p:sld xmlns:a="http://schemas.openxmlformats.org/drawingml/2006/main" xmlns:r="http://schemas.openxmlformats.org/officeDocument/2006/relationships" xmlns:p="http://schemas.openxmlformats.org/presentationml/2006/main">
   <p:cSld>
     <p:spTree>
@@ -18664,7 +19207,7 @@
 </p:sld>
 </file>
 
-<file path=ppt/slides/slide24.xml><?xml version="1.0" encoding="utf-8"?>
+<file path=ppt/slides/slide26.xml><?xml version="1.0" encoding="utf-8"?>
 <p:sld xmlns:a="http://schemas.openxmlformats.org/drawingml/2006/main" xmlns:r="http://schemas.openxmlformats.org/officeDocument/2006/relationships" xmlns:p="http://schemas.openxmlformats.org/presentationml/2006/main">
   <p:cSld>
     <p:spTree>
@@ -18792,7 +19335,7 @@
 </p:sld>
 </file>
 
-<file path=ppt/slides/slide25.xml><?xml version="1.0" encoding="utf-8"?>
+<file path=ppt/slides/slide27.xml><?xml version="1.0" encoding="utf-8"?>
 <p:sld xmlns:a="http://schemas.openxmlformats.org/drawingml/2006/main" xmlns:r="http://schemas.openxmlformats.org/officeDocument/2006/relationships" xmlns:p="http://schemas.openxmlformats.org/presentationml/2006/main">
   <p:cSld>
     <p:spTree>
@@ -19113,7 +19656,7 @@
 </p:sld>
 </file>
 
-<file path=ppt/slides/slide26.xml><?xml version="1.0" encoding="utf-8"?>
+<file path=ppt/slides/slide28.xml><?xml version="1.0" encoding="utf-8"?>
 <p:sld xmlns:a="http://schemas.openxmlformats.org/drawingml/2006/main" xmlns:r="http://schemas.openxmlformats.org/officeDocument/2006/relationships" xmlns:p="http://schemas.openxmlformats.org/presentationml/2006/main">
   <p:cSld>
     <p:spTree>
@@ -19428,7 +19971,7 @@
 </p:sld>
 </file>
 
-<file path=ppt/slides/slide27.xml><?xml version="1.0" encoding="utf-8"?>
+<file path=ppt/slides/slide29.xml><?xml version="1.0" encoding="utf-8"?>
 <p:sld xmlns:a="http://schemas.openxmlformats.org/drawingml/2006/main" xmlns:r="http://schemas.openxmlformats.org/officeDocument/2006/relationships" xmlns:p="http://schemas.openxmlformats.org/presentationml/2006/main">
   <p:cSld>
     <p:spTree>
@@ -19581,13 +20124,7 @@
       </p:grpSpPr>
       <p:sp>
         <p:nvSpPr>
-          <p:cNvPr id="2" name="Title 1">
-            <a:extLst>
-              <a:ext uri="{FF2B5EF4-FFF2-40B4-BE49-F238E27FC236}">
-                <a16:creationId xmlns:a16="http://schemas.microsoft.com/office/drawing/2014/main" id="{D90BC9E2-2D09-4282-A2BB-CB01574F32C6}"/>
-              </a:ext>
-            </a:extLst>
-          </p:cNvPr>
+          <p:cNvPr id="2" name="Title 1"/>
           <p:cNvSpPr>
             <a:spLocks noGrp="1"/>
           </p:cNvSpPr>
@@ -19595,35 +20132,21 @@
             <p:ph type="title"/>
           </p:nvPr>
         </p:nvSpPr>
-        <p:spPr>
-          <a:xfrm>
-            <a:off x="227012" y="609600"/>
-            <a:ext cx="11582400" cy="1600200"/>
-          </a:xfrm>
-        </p:spPr>
+        <p:spPr/>
         <p:txBody>
-          <a:bodyPr anchor="ctr">
-            <a:noAutofit/>
-          </a:bodyPr>
+          <a:bodyPr/>
           <a:lstStyle/>
           <a:p>
-            <a:pPr algn="ctr"/>
-            <a:r>
-              <a:rPr lang="en-US" sz="3600" dirty="0"/>
-              <a:t>If a county has poor socioeconomic factors, then the preventable hospitalization rates will be higher and vice versa.</a:t>
+            <a:r>
+              <a:rPr lang="en-US" dirty="0"/>
+              <a:t>Hypothesis</a:t>
             </a:r>
           </a:p>
         </p:txBody>
       </p:sp>
       <p:sp>
         <p:nvSpPr>
-          <p:cNvPr id="3" name="Content Placeholder 2">
-            <a:extLst>
-              <a:ext uri="{FF2B5EF4-FFF2-40B4-BE49-F238E27FC236}">
-                <a16:creationId xmlns:a16="http://schemas.microsoft.com/office/drawing/2014/main" id="{9BC18CCD-388C-42E0-871A-712B0BF3C69C}"/>
-              </a:ext>
-            </a:extLst>
-          </p:cNvPr>
+          <p:cNvPr id="3" name="Content Placeholder 2"/>
           <p:cNvSpPr>
             <a:spLocks noGrp="1"/>
           </p:cNvSpPr>
@@ -19631,44 +20154,25 @@
             <p:ph idx="1"/>
           </p:nvPr>
         </p:nvSpPr>
-        <p:spPr>
-          <a:xfrm>
-            <a:off x="1522876" y="2209800"/>
-            <a:ext cx="9143538" cy="3886200"/>
-          </a:xfrm>
-        </p:spPr>
+        <p:spPr/>
         <p:txBody>
-          <a:bodyPr>
-            <a:normAutofit lnSpcReduction="10000"/>
-          </a:bodyPr>
+          <a:bodyPr/>
           <a:lstStyle/>
           <a:p>
-            <a:r>
-              <a:rPr lang="en-US" sz="3600" dirty="0"/>
-              <a:t>Does access to exercise opportunities result in a lower preventable hospitalization rate?</a:t>
-            </a:r>
-          </a:p>
-          <a:p>
-            <a:r>
-              <a:rPr lang="en-US" sz="3600" dirty="0"/>
-              <a:t>Does income affect the preventable hospitalization rate?</a:t>
-            </a:r>
-          </a:p>
-          <a:p>
-            <a:r>
-              <a:rPr lang="en-US" sz="3600" dirty="0"/>
-              <a:t>Does mental/physical wellbeing have an impact on the preventable hospitalization rate?</a:t>
-            </a:r>
-          </a:p>
-          <a:p>
-            <a:endParaRPr lang="en-US" sz="3600" dirty="0"/>
+            <a:pPr marL="0" indent="0">
+              <a:buNone/>
+            </a:pPr>
+            <a:r>
+              <a:rPr lang="en-US" dirty="0"/>
+              <a:t>If a county has poor socioeconomic factors, then the preventable hospitalization rates will be higher and vice versa.</a:t>
+            </a:r>
           </a:p>
         </p:txBody>
       </p:sp>
     </p:spTree>
     <p:extLst>
       <p:ext uri="{BB962C8B-B14F-4D97-AF65-F5344CB8AC3E}">
-        <p14:creationId xmlns:p14="http://schemas.microsoft.com/office/powerpoint/2010/main" val="3728205279"/>
+        <p14:creationId xmlns:p14="http://schemas.microsoft.com/office/powerpoint/2010/main" val="2444514503"/>
       </p:ext>
     </p:extLst>
   </p:cSld>
@@ -19709,7 +20213,63 @@
       </p:grpSpPr>
       <p:sp>
         <p:nvSpPr>
-          <p:cNvPr id="2" name="Title 1"/>
+          <p:cNvPr id="3" name="Content Placeholder 2">
+            <a:extLst>
+              <a:ext uri="{FF2B5EF4-FFF2-40B4-BE49-F238E27FC236}">
+                <a16:creationId xmlns:a16="http://schemas.microsoft.com/office/drawing/2014/main" id="{9BC18CCD-388C-42E0-871A-712B0BF3C69C}"/>
+              </a:ext>
+            </a:extLst>
+          </p:cNvPr>
+          <p:cNvSpPr>
+            <a:spLocks noGrp="1"/>
+          </p:cNvSpPr>
+          <p:nvPr>
+            <p:ph idx="1"/>
+          </p:nvPr>
+        </p:nvSpPr>
+        <p:spPr>
+          <a:xfrm>
+            <a:off x="1522876" y="2209800"/>
+            <a:ext cx="9143538" cy="3886200"/>
+          </a:xfrm>
+        </p:spPr>
+        <p:txBody>
+          <a:bodyPr>
+            <a:normAutofit lnSpcReduction="10000"/>
+          </a:bodyPr>
+          <a:lstStyle/>
+          <a:p>
+            <a:r>
+              <a:rPr lang="en-US" sz="3600" dirty="0"/>
+              <a:t>Does access to exercise opportunities result in a lower preventable hospitalization rate?</a:t>
+            </a:r>
+          </a:p>
+          <a:p>
+            <a:r>
+              <a:rPr lang="en-US" sz="3600" dirty="0"/>
+              <a:t>Does income affect the preventable hospitalization rate?</a:t>
+            </a:r>
+          </a:p>
+          <a:p>
+            <a:r>
+              <a:rPr lang="en-US" sz="3600" dirty="0"/>
+              <a:t>Does mental/physical wellbeing have an impact on the preventable hospitalization rate?</a:t>
+            </a:r>
+          </a:p>
+          <a:p>
+            <a:endParaRPr lang="en-US" sz="3600" dirty="0"/>
+          </a:p>
+        </p:txBody>
+      </p:sp>
+      <p:sp>
+        <p:nvSpPr>
+          <p:cNvPr id="5" name="Title 4">
+            <a:extLst>
+              <a:ext uri="{FF2B5EF4-FFF2-40B4-BE49-F238E27FC236}">
+                <a16:creationId xmlns:a16="http://schemas.microsoft.com/office/drawing/2014/main" id="{001305B3-766E-49B8-B866-2EE7FF05767A}"/>
+              </a:ext>
+            </a:extLst>
+          </p:cNvPr>
           <p:cNvSpPr>
             <a:spLocks noGrp="1"/>
           </p:cNvSpPr>
@@ -19724,41 +20284,7 @@
           <a:p>
             <a:r>
               <a:rPr lang="en-US" dirty="0"/>
-              <a:t>What affects healthcare outcomes?</a:t>
-            </a:r>
-          </a:p>
-        </p:txBody>
-      </p:sp>
-      <p:sp>
-        <p:nvSpPr>
-          <p:cNvPr id="3" name="Content Placeholder 2"/>
-          <p:cNvSpPr>
-            <a:spLocks noGrp="1"/>
-          </p:cNvSpPr>
-          <p:nvPr>
-            <p:ph idx="1"/>
-          </p:nvPr>
-        </p:nvSpPr>
-        <p:spPr/>
-        <p:txBody>
-          <a:bodyPr/>
-          <a:lstStyle/>
-          <a:p>
-            <a:r>
-              <a:rPr lang="en-US" dirty="0"/>
-              <a:t>Weather</a:t>
-            </a:r>
-          </a:p>
-          <a:p>
-            <a:r>
-              <a:rPr lang="en-US" dirty="0"/>
-              <a:t>Income</a:t>
-            </a:r>
-          </a:p>
-          <a:p>
-            <a:r>
-              <a:rPr lang="en-US" dirty="0"/>
-              <a:t>Parks / Recreation access</a:t>
+              <a:t>Questions</a:t>
             </a:r>
           </a:p>
         </p:txBody>
@@ -19766,7 +20292,7 @@
     </p:spTree>
     <p:extLst>
       <p:ext uri="{BB962C8B-B14F-4D97-AF65-F5344CB8AC3E}">
-        <p14:creationId xmlns:p14="http://schemas.microsoft.com/office/powerpoint/2010/main" val="3148110083"/>
+        <p14:creationId xmlns:p14="http://schemas.microsoft.com/office/powerpoint/2010/main" val="2822918924"/>
       </p:ext>
     </p:extLst>
   </p:cSld>
@@ -19817,14 +20343,12 @@
         </p:nvSpPr>
         <p:spPr/>
         <p:txBody>
-          <a:bodyPr>
-            <a:normAutofit fontScale="90000"/>
-          </a:bodyPr>
+          <a:bodyPr/>
           <a:lstStyle/>
           <a:p>
             <a:r>
               <a:rPr lang="en-US" dirty="0"/>
-              <a:t>How does preventable hospitalization rate correlate to various environmental and social factors by county?</a:t>
+              <a:t>What affects healthcare outcomes?</a:t>
             </a:r>
           </a:p>
         </p:txBody>
@@ -19844,14 +20368,29 @@
           <a:bodyPr/>
           <a:lstStyle/>
           <a:p>
-            <a:endParaRPr lang="en-US" dirty="0"/>
+            <a:r>
+              <a:rPr lang="en-US" dirty="0"/>
+              <a:t>Weather</a:t>
+            </a:r>
+          </a:p>
+          <a:p>
+            <a:r>
+              <a:rPr lang="en-US" dirty="0"/>
+              <a:t>Income</a:t>
+            </a:r>
+          </a:p>
+          <a:p>
+            <a:r>
+              <a:rPr lang="en-US" dirty="0"/>
+              <a:t>Parks / Recreation access</a:t>
+            </a:r>
           </a:p>
         </p:txBody>
       </p:sp>
     </p:spTree>
     <p:extLst>
       <p:ext uri="{BB962C8B-B14F-4D97-AF65-F5344CB8AC3E}">
-        <p14:creationId xmlns:p14="http://schemas.microsoft.com/office/powerpoint/2010/main" val="165624849"/>
+        <p14:creationId xmlns:p14="http://schemas.microsoft.com/office/powerpoint/2010/main" val="3148110083"/>
       </p:ext>
     </p:extLst>
   </p:cSld>
@@ -19892,43 +20431,51 @@
       </p:grpSpPr>
       <p:sp>
         <p:nvSpPr>
-          <p:cNvPr id="2" name="Title 1">
-            <a:extLst>
-              <a:ext uri="{FF2B5EF4-FFF2-40B4-BE49-F238E27FC236}">
-                <a16:creationId xmlns:a16="http://schemas.microsoft.com/office/drawing/2014/main" id="{782DD051-32BC-4EEA-B089-E9D7BAB9AFE8}"/>
-              </a:ext>
-            </a:extLst>
-          </p:cNvPr>
+          <p:cNvPr id="2" name="Title 1"/>
           <p:cNvSpPr>
             <a:spLocks noGrp="1"/>
           </p:cNvSpPr>
           <p:nvPr>
-            <p:ph type="ctrTitle"/>
+            <p:ph type="title"/>
           </p:nvPr>
         </p:nvSpPr>
-        <p:spPr>
-          <a:xfrm>
-            <a:off x="1522414" y="1905000"/>
-            <a:ext cx="9143998" cy="2667000"/>
-          </a:xfrm>
-        </p:spPr>
+        <p:spPr/>
         <p:txBody>
-          <a:bodyPr anchor="b">
-            <a:normAutofit/>
+          <a:bodyPr>
+            <a:normAutofit fontScale="90000"/>
           </a:bodyPr>
           <a:lstStyle/>
           <a:p>
             <a:r>
-              <a:rPr lang="en-US" sz="6000" dirty="0"/>
-              <a:t>Questions &amp; Data</a:t>
-            </a:r>
+              <a:rPr lang="en-US" dirty="0"/>
+              <a:t>How does preventable hospitalization rate correlate to various environmental and social factors by county?</a:t>
+            </a:r>
+          </a:p>
+        </p:txBody>
+      </p:sp>
+      <p:sp>
+        <p:nvSpPr>
+          <p:cNvPr id="3" name="Content Placeholder 2"/>
+          <p:cNvSpPr>
+            <a:spLocks noGrp="1"/>
+          </p:cNvSpPr>
+          <p:nvPr>
+            <p:ph idx="1"/>
+          </p:nvPr>
+        </p:nvSpPr>
+        <p:spPr/>
+        <p:txBody>
+          <a:bodyPr/>
+          <a:lstStyle/>
+          <a:p>
+            <a:endParaRPr lang="en-US" dirty="0"/>
           </a:p>
         </p:txBody>
       </p:sp>
     </p:spTree>
     <p:extLst>
       <p:ext uri="{BB962C8B-B14F-4D97-AF65-F5344CB8AC3E}">
-        <p14:creationId xmlns:p14="http://schemas.microsoft.com/office/powerpoint/2010/main" val="1852081167"/>
+        <p14:creationId xmlns:p14="http://schemas.microsoft.com/office/powerpoint/2010/main" val="165624849"/>
       </p:ext>
     </p:extLst>
   </p:cSld>
@@ -19969,7 +20516,7 @@
       </p:grpSpPr>
       <p:sp>
         <p:nvSpPr>
-          <p:cNvPr id="3" name="Title 2"/>
+          <p:cNvPr id="2" name="Title 1"/>
           <p:cNvSpPr>
             <a:spLocks noGrp="1"/>
           </p:cNvSpPr>
@@ -19977,90 +20524,74 @@
             <p:ph type="title"/>
           </p:nvPr>
         </p:nvSpPr>
-        <p:spPr>
-          <a:xfrm>
-            <a:off x="7923214" y="1371600"/>
-            <a:ext cx="3124200" cy="2057400"/>
-          </a:xfrm>
-        </p:spPr>
+        <p:spPr/>
         <p:txBody>
-          <a:bodyPr anchor="b">
+          <a:bodyPr>
             <a:normAutofit/>
           </a:bodyPr>
           <a:lstStyle/>
           <a:p>
             <a:r>
               <a:rPr lang="en-US" dirty="0"/>
-              <a:t>Current Status</a:t>
+              <a:t>Adjusted Question</a:t>
             </a:r>
           </a:p>
         </p:txBody>
       </p:sp>
       <p:sp>
         <p:nvSpPr>
-          <p:cNvPr id="9" name="Text Placeholder 3">
-            <a:extLst>
-              <a:ext uri="{FF2B5EF4-FFF2-40B4-BE49-F238E27FC236}">
-                <a16:creationId xmlns:a16="http://schemas.microsoft.com/office/drawing/2014/main" id="{0401F317-F428-4606-B835-7ECB134A6D39}"/>
-              </a:ext>
-            </a:extLst>
-          </p:cNvPr>
+          <p:cNvPr id="3" name="Content Placeholder 2"/>
           <p:cNvSpPr>
             <a:spLocks noGrp="1"/>
           </p:cNvSpPr>
           <p:nvPr>
-            <p:ph type="body" sz="half" idx="2"/>
+            <p:ph idx="1"/>
           </p:nvPr>
         </p:nvSpPr>
-        <p:spPr>
-          <a:xfrm>
-            <a:off x="7923214" y="3536829"/>
-            <a:ext cx="3124200" cy="1797169"/>
-          </a:xfrm>
-        </p:spPr>
+        <p:spPr/>
         <p:txBody>
           <a:bodyPr/>
           <a:lstStyle/>
           <a:p>
-            <a:endParaRPr lang="en-US" dirty="0"/>
+            <a:r>
+              <a:rPr lang="en-US" dirty="0"/>
+              <a:t>How is a county’s fair health score impacted by various environmental and social factors?</a:t>
+            </a:r>
+          </a:p>
+          <a:p>
+            <a:pPr lvl="1"/>
+            <a:r>
+              <a:rPr lang="en-US" dirty="0"/>
+              <a:t>Strong correlation between </a:t>
+            </a:r>
+          </a:p>
+          <a:p>
+            <a:pPr lvl="2"/>
+            <a:r>
+              <a:rPr lang="en-US" dirty="0"/>
+              <a:t>fair health and food index</a:t>
+            </a:r>
+          </a:p>
+          <a:p>
+            <a:pPr lvl="2"/>
+            <a:r>
+              <a:rPr lang="en-US" dirty="0"/>
+              <a:t>Fair health and excessive drinking</a:t>
+            </a:r>
+          </a:p>
+          <a:p>
+            <a:pPr lvl="2"/>
+            <a:r>
+              <a:rPr lang="en-US" dirty="0"/>
+              <a:t>Fair health and physical health</a:t>
+            </a:r>
           </a:p>
         </p:txBody>
       </p:sp>
-      <p:graphicFrame>
-        <p:nvGraphicFramePr>
-          <p:cNvPr id="5" name="Content Placeholder 1">
-            <a:extLst>
-              <a:ext uri="{FF2B5EF4-FFF2-40B4-BE49-F238E27FC236}">
-                <a16:creationId xmlns:a16="http://schemas.microsoft.com/office/drawing/2014/main" id="{2D9B08E1-81F6-4352-B182-B834A03D48D6}"/>
-              </a:ext>
-            </a:extLst>
-          </p:cNvPr>
-          <p:cNvGraphicFramePr>
-            <a:graphicFrameLocks noGrp="1"/>
-          </p:cNvGraphicFramePr>
-          <p:nvPr>
-            <p:ph idx="1"/>
-            <p:extLst>
-              <p:ext uri="{D42A27DB-BD31-4B8C-83A1-F6EECF244321}">
-                <p14:modId xmlns:p14="http://schemas.microsoft.com/office/powerpoint/2010/main" val="1664570405"/>
-              </p:ext>
-            </p:extLst>
-          </p:nvPr>
-        </p:nvGraphicFramePr>
-        <p:xfrm>
-          <a:off x="1491930" y="1293495"/>
-          <a:ext cx="5593082" cy="4023360"/>
-        </p:xfrm>
-        <a:graphic>
-          <a:graphicData uri="http://schemas.openxmlformats.org/drawingml/2006/diagram">
-            <dgm:relIds xmlns:dgm="http://schemas.openxmlformats.org/drawingml/2006/diagram" xmlns:r="http://schemas.openxmlformats.org/officeDocument/2006/relationships" r:dm="rId3" r:lo="rId4" r:qs="rId5" r:cs="rId6"/>
-          </a:graphicData>
-        </a:graphic>
-      </p:graphicFrame>
     </p:spTree>
     <p:extLst>
       <p:ext uri="{BB962C8B-B14F-4D97-AF65-F5344CB8AC3E}">
-        <p14:creationId xmlns:p14="http://schemas.microsoft.com/office/powerpoint/2010/main" val="1200217142"/>
+        <p14:creationId xmlns:p14="http://schemas.microsoft.com/office/powerpoint/2010/main" val="423474219"/>
       </p:ext>
     </p:extLst>
   </p:cSld>
@@ -20129,7 +20660,7 @@
           <a:p>
             <a:r>
               <a:rPr lang="en-US" sz="6000" dirty="0"/>
-              <a:t>Data Cleanup &amp; Exploration</a:t>
+              <a:t>Questions &amp; Data</a:t>
             </a:r>
           </a:p>
         </p:txBody>
@@ -20137,7 +20668,7 @@
     </p:spTree>
     <p:extLst>
       <p:ext uri="{BB962C8B-B14F-4D97-AF65-F5344CB8AC3E}">
-        <p14:creationId xmlns:p14="http://schemas.microsoft.com/office/powerpoint/2010/main" val="1429117195"/>
+        <p14:creationId xmlns:p14="http://schemas.microsoft.com/office/powerpoint/2010/main" val="1852081167"/>
       </p:ext>
     </p:extLst>
   </p:cSld>
@@ -20188,8 +20719,8 @@
         </p:nvSpPr>
         <p:spPr>
           <a:xfrm>
-            <a:off x="1522876" y="609600"/>
-            <a:ext cx="9143538" cy="1066800"/>
+            <a:off x="7923214" y="1371600"/>
+            <a:ext cx="3124200" cy="2057400"/>
           </a:xfrm>
         </p:spPr>
         <p:txBody>
@@ -20200,8 +20731,38 @@
           <a:p>
             <a:r>
               <a:rPr lang="en-US" dirty="0"/>
-              <a:t>Exploration &amp; Cleanup Process</a:t>
-            </a:r>
+              <a:t>Current Status</a:t>
+            </a:r>
+          </a:p>
+        </p:txBody>
+      </p:sp>
+      <p:sp>
+        <p:nvSpPr>
+          <p:cNvPr id="9" name="Text Placeholder 3">
+            <a:extLst>
+              <a:ext uri="{FF2B5EF4-FFF2-40B4-BE49-F238E27FC236}">
+                <a16:creationId xmlns:a16="http://schemas.microsoft.com/office/drawing/2014/main" id="{0401F317-F428-4606-B835-7ECB134A6D39}"/>
+              </a:ext>
+            </a:extLst>
+          </p:cNvPr>
+          <p:cNvSpPr>
+            <a:spLocks noGrp="1"/>
+          </p:cNvSpPr>
+          <p:nvPr>
+            <p:ph type="body" sz="half" idx="2"/>
+          </p:nvPr>
+        </p:nvSpPr>
+        <p:spPr>
+          <a:xfrm>
+            <a:off x="7923214" y="3536829"/>
+            <a:ext cx="3124200" cy="1797169"/>
+          </a:xfrm>
+        </p:spPr>
+        <p:txBody>
+          <a:bodyPr/>
+          <a:lstStyle/>
+          <a:p>
+            <a:endParaRPr lang="en-US" dirty="0"/>
           </a:p>
         </p:txBody>
       </p:sp>
@@ -20210,7 +20771,7 @@
           <p:cNvPr id="5" name="Content Placeholder 1">
             <a:extLst>
               <a:ext uri="{FF2B5EF4-FFF2-40B4-BE49-F238E27FC236}">
-                <a16:creationId xmlns:a16="http://schemas.microsoft.com/office/drawing/2014/main" id="{47FC2124-A60C-4D69-BF2A-87E754483324}"/>
+                <a16:creationId xmlns:a16="http://schemas.microsoft.com/office/drawing/2014/main" id="{2D9B08E1-81F6-4352-B182-B834A03D48D6}"/>
               </a:ext>
             </a:extLst>
           </p:cNvPr>
@@ -20221,14 +20782,14 @@
             <p:ph idx="1"/>
             <p:extLst>
               <p:ext uri="{D42A27DB-BD31-4B8C-83A1-F6EECF244321}">
-                <p14:modId xmlns:p14="http://schemas.microsoft.com/office/powerpoint/2010/main" val="1465033406"/>
+                <p14:modId xmlns:p14="http://schemas.microsoft.com/office/powerpoint/2010/main" val="1664570405"/>
               </p:ext>
             </p:extLst>
           </p:nvPr>
         </p:nvGraphicFramePr>
         <p:xfrm>
-          <a:off x="1522876" y="1905000"/>
-          <a:ext cx="9143538" cy="3697465"/>
+          <a:off x="1491930" y="1293495"/>
+          <a:ext cx="5593082" cy="4023360"/>
         </p:xfrm>
         <a:graphic>
           <a:graphicData uri="http://schemas.openxmlformats.org/drawingml/2006/diagram">
@@ -20239,7 +20800,7 @@
     </p:spTree>
     <p:extLst>
       <p:ext uri="{BB962C8B-B14F-4D97-AF65-F5344CB8AC3E}">
-        <p14:creationId xmlns:p14="http://schemas.microsoft.com/office/powerpoint/2010/main" val="1255868717"/>
+        <p14:creationId xmlns:p14="http://schemas.microsoft.com/office/powerpoint/2010/main" val="1200217142"/>
       </p:ext>
     </p:extLst>
   </p:cSld>
